--- a/Paper files/SAR_Tables_Paper.pptx
+++ b/Paper files/SAR_Tables_Paper.pptx
@@ -251,7 +251,7 @@
           <a:p>
             <a:fld id="{2D85E8BA-DC60-4B90-B41C-2E99493F9ADA}" type="datetimeFigureOut">
               <a:rPr lang="en-US" smtClean="0"/>
-              <a:t>11/24/2021</a:t>
+              <a:t>12/21/2021</a:t>
             </a:fld>
             <a:endParaRPr lang="en-US"/>
           </a:p>
@@ -421,7 +421,7 @@
           <a:p>
             <a:fld id="{2D85E8BA-DC60-4B90-B41C-2E99493F9ADA}" type="datetimeFigureOut">
               <a:rPr lang="en-US" smtClean="0"/>
-              <a:t>11/24/2021</a:t>
+              <a:t>12/21/2021</a:t>
             </a:fld>
             <a:endParaRPr lang="en-US"/>
           </a:p>
@@ -601,7 +601,7 @@
           <a:p>
             <a:fld id="{2D85E8BA-DC60-4B90-B41C-2E99493F9ADA}" type="datetimeFigureOut">
               <a:rPr lang="en-US" smtClean="0"/>
-              <a:t>11/24/2021</a:t>
+              <a:t>12/21/2021</a:t>
             </a:fld>
             <a:endParaRPr lang="en-US"/>
           </a:p>
@@ -771,7 +771,7 @@
           <a:p>
             <a:fld id="{2D85E8BA-DC60-4B90-B41C-2E99493F9ADA}" type="datetimeFigureOut">
               <a:rPr lang="en-US" smtClean="0"/>
-              <a:t>11/24/2021</a:t>
+              <a:t>12/21/2021</a:t>
             </a:fld>
             <a:endParaRPr lang="en-US"/>
           </a:p>
@@ -1015,7 +1015,7 @@
           <a:p>
             <a:fld id="{2D85E8BA-DC60-4B90-B41C-2E99493F9ADA}" type="datetimeFigureOut">
               <a:rPr lang="en-US" smtClean="0"/>
-              <a:t>11/24/2021</a:t>
+              <a:t>12/21/2021</a:t>
             </a:fld>
             <a:endParaRPr lang="en-US"/>
           </a:p>
@@ -1247,7 +1247,7 @@
           <a:p>
             <a:fld id="{2D85E8BA-DC60-4B90-B41C-2E99493F9ADA}" type="datetimeFigureOut">
               <a:rPr lang="en-US" smtClean="0"/>
-              <a:t>11/24/2021</a:t>
+              <a:t>12/21/2021</a:t>
             </a:fld>
             <a:endParaRPr lang="en-US"/>
           </a:p>
@@ -1614,7 +1614,7 @@
           <a:p>
             <a:fld id="{2D85E8BA-DC60-4B90-B41C-2E99493F9ADA}" type="datetimeFigureOut">
               <a:rPr lang="en-US" smtClean="0"/>
-              <a:t>11/24/2021</a:t>
+              <a:t>12/21/2021</a:t>
             </a:fld>
             <a:endParaRPr lang="en-US"/>
           </a:p>
@@ -1732,7 +1732,7 @@
           <a:p>
             <a:fld id="{2D85E8BA-DC60-4B90-B41C-2E99493F9ADA}" type="datetimeFigureOut">
               <a:rPr lang="en-US" smtClean="0"/>
-              <a:t>11/24/2021</a:t>
+              <a:t>12/21/2021</a:t>
             </a:fld>
             <a:endParaRPr lang="en-US"/>
           </a:p>
@@ -1827,7 +1827,7 @@
           <a:p>
             <a:fld id="{2D85E8BA-DC60-4B90-B41C-2E99493F9ADA}" type="datetimeFigureOut">
               <a:rPr lang="en-US" smtClean="0"/>
-              <a:t>11/24/2021</a:t>
+              <a:t>12/21/2021</a:t>
             </a:fld>
             <a:endParaRPr lang="en-US"/>
           </a:p>
@@ -2104,7 +2104,7 @@
           <a:p>
             <a:fld id="{2D85E8BA-DC60-4B90-B41C-2E99493F9ADA}" type="datetimeFigureOut">
               <a:rPr lang="en-US" smtClean="0"/>
-              <a:t>11/24/2021</a:t>
+              <a:t>12/21/2021</a:t>
             </a:fld>
             <a:endParaRPr lang="en-US"/>
           </a:p>
@@ -2361,7 +2361,7 @@
           <a:p>
             <a:fld id="{2D85E8BA-DC60-4B90-B41C-2E99493F9ADA}" type="datetimeFigureOut">
               <a:rPr lang="en-US" smtClean="0"/>
-              <a:t>11/24/2021</a:t>
+              <a:t>12/21/2021</a:t>
             </a:fld>
             <a:endParaRPr lang="en-US"/>
           </a:p>
@@ -2574,7 +2574,7 @@
           <a:p>
             <a:fld id="{2D85E8BA-DC60-4B90-B41C-2E99493F9ADA}" type="datetimeFigureOut">
               <a:rPr lang="en-US" smtClean="0"/>
-              <a:t>11/24/2021</a:t>
+              <a:t>12/21/2021</a:t>
             </a:fld>
             <a:endParaRPr lang="en-US"/>
           </a:p>
@@ -3125,7 +3125,7 @@
           <a:graphicData uri="http://schemas.openxmlformats.org/presentationml/2006/ole">
             <mc:AlternateContent xmlns:mc="http://schemas.openxmlformats.org/markup-compatibility/2006">
               <mc:Choice xmlns:v="urn:schemas-microsoft-com:vml" Requires="v">
-                <p:oleObj spid="_x0000_s1074" name="CS ChemDraw Drawing" r:id="rId3" imgW="1157760" imgH="1275120" progId="ChemDraw.Document.6.0">
+                <p:oleObj spid="_x0000_s1075" name="CS ChemDraw Drawing" r:id="rId3" imgW="1157760" imgH="1275120" progId="ChemDraw.Document.6.0">
                   <p:embed/>
                 </p:oleObj>
               </mc:Choice>
@@ -5187,7 +5187,7 @@
           <a:graphicData uri="http://schemas.openxmlformats.org/presentationml/2006/ole">
             <mc:AlternateContent xmlns:mc="http://schemas.openxmlformats.org/markup-compatibility/2006">
               <mc:Choice xmlns:v="urn:schemas-microsoft-com:vml" Requires="v">
-                <p:oleObj spid="_x0000_s2722" name="CS ChemDraw Drawing" r:id="rId3" imgW="1012903" imgH="773752" progId="ChemDraw.Document.6.0">
+                <p:oleObj spid="_x0000_s2736" name="CS ChemDraw Drawing" r:id="rId3" imgW="1012903" imgH="773752" progId="ChemDraw.Document.6.0">
                   <p:embed/>
                 </p:oleObj>
               </mc:Choice>
@@ -5256,7 +5256,7 @@
           <a:graphicData uri="http://schemas.openxmlformats.org/presentationml/2006/ole">
             <mc:AlternateContent xmlns:mc="http://schemas.openxmlformats.org/markup-compatibility/2006">
               <mc:Choice xmlns:v="urn:schemas-microsoft-com:vml" Requires="v">
-                <p:oleObj spid="_x0000_s2723" name="CS ChemDraw Drawing" r:id="rId5" imgW="902081" imgH="567871" progId="ChemDraw.Document.6.0">
+                <p:oleObj spid="_x0000_s2737" name="CS ChemDraw Drawing" r:id="rId5" imgW="902081" imgH="567871" progId="ChemDraw.Document.6.0">
                   <p:embed/>
                 </p:oleObj>
               </mc:Choice>
@@ -5325,7 +5325,7 @@
           <a:graphicData uri="http://schemas.openxmlformats.org/presentationml/2006/ole">
             <mc:AlternateContent xmlns:mc="http://schemas.openxmlformats.org/markup-compatibility/2006">
               <mc:Choice xmlns:v="urn:schemas-microsoft-com:vml" Requires="v">
-                <p:oleObj spid="_x0000_s2724" name="CS ChemDraw Drawing" r:id="rId7" imgW="866906" imgH="532803" progId="ChemDraw.Document.6.0">
+                <p:oleObj spid="_x0000_s2738" name="CS ChemDraw Drawing" r:id="rId7" imgW="866906" imgH="532803" progId="ChemDraw.Document.6.0">
                   <p:embed/>
                 </p:oleObj>
               </mc:Choice>
@@ -5394,7 +5394,7 @@
           <a:graphicData uri="http://schemas.openxmlformats.org/presentationml/2006/ole">
             <mc:AlternateContent xmlns:mc="http://schemas.openxmlformats.org/markup-compatibility/2006">
               <mc:Choice xmlns:v="urn:schemas-microsoft-com:vml" Requires="v">
-                <p:oleObj spid="_x0000_s2725" name="CS ChemDraw Drawing" r:id="rId9" imgW="868419" imgH="533180" progId="ChemDraw.Document.6.0">
+                <p:oleObj spid="_x0000_s2739" name="CS ChemDraw Drawing" r:id="rId9" imgW="868419" imgH="533180" progId="ChemDraw.Document.6.0">
                   <p:embed/>
                 </p:oleObj>
               </mc:Choice>
@@ -5463,7 +5463,7 @@
           <a:graphicData uri="http://schemas.openxmlformats.org/presentationml/2006/ole">
             <mc:AlternateContent xmlns:mc="http://schemas.openxmlformats.org/markup-compatibility/2006">
               <mc:Choice xmlns:v="urn:schemas-microsoft-com:vml" Requires="v">
-                <p:oleObj spid="_x0000_s2726" name="CS ChemDraw Drawing" r:id="rId11" imgW="866906" imgH="513195" progId="ChemDraw.Document.6.0">
+                <p:oleObj spid="_x0000_s2740" name="CS ChemDraw Drawing" r:id="rId11" imgW="866906" imgH="513195" progId="ChemDraw.Document.6.0">
                   <p:embed/>
                 </p:oleObj>
               </mc:Choice>
@@ -5532,7 +5532,7 @@
           <a:graphicData uri="http://schemas.openxmlformats.org/presentationml/2006/ole">
             <mc:AlternateContent xmlns:mc="http://schemas.openxmlformats.org/markup-compatibility/2006">
               <mc:Choice xmlns:v="urn:schemas-microsoft-com:vml" Requires="v">
-                <p:oleObj spid="_x0000_s2727" name="CS ChemDraw Drawing" r:id="rId13" imgW="868040" imgH="513195" progId="ChemDraw.Document.6.0">
+                <p:oleObj spid="_x0000_s2741" name="CS ChemDraw Drawing" r:id="rId13" imgW="868040" imgH="513195" progId="ChemDraw.Document.6.0">
                   <p:embed/>
                 </p:oleObj>
               </mc:Choice>
@@ -5601,7 +5601,7 @@
           <a:graphicData uri="http://schemas.openxmlformats.org/presentationml/2006/ole">
             <mc:AlternateContent xmlns:mc="http://schemas.openxmlformats.org/markup-compatibility/2006">
               <mc:Choice xmlns:v="urn:schemas-microsoft-com:vml" Requires="v">
-                <p:oleObj spid="_x0000_s2728" name="CS ChemDraw Drawing" r:id="rId15" imgW="866527" imgH="533180" progId="ChemDraw.Document.6.0">
+                <p:oleObj spid="_x0000_s2742" name="CS ChemDraw Drawing" r:id="rId15" imgW="866527" imgH="533180" progId="ChemDraw.Document.6.0">
                   <p:embed/>
                 </p:oleObj>
               </mc:Choice>
@@ -5670,7 +5670,7 @@
           <a:graphicData uri="http://schemas.openxmlformats.org/presentationml/2006/ole">
             <mc:AlternateContent xmlns:mc="http://schemas.openxmlformats.org/markup-compatibility/2006">
               <mc:Choice xmlns:v="urn:schemas-microsoft-com:vml" Requires="v">
-                <p:oleObj spid="_x0000_s2729" name="CS ChemDraw Drawing" r:id="rId17" imgW="868419" imgH="531672" progId="ChemDraw.Document.6.0">
+                <p:oleObj spid="_x0000_s2743" name="CS ChemDraw Drawing" r:id="rId17" imgW="868419" imgH="531672" progId="ChemDraw.Document.6.0">
                   <p:embed/>
                 </p:oleObj>
               </mc:Choice>
@@ -5739,7 +5739,7 @@
           <a:graphicData uri="http://schemas.openxmlformats.org/presentationml/2006/ole">
             <mc:AlternateContent xmlns:mc="http://schemas.openxmlformats.org/markup-compatibility/2006">
               <mc:Choice xmlns:v="urn:schemas-microsoft-com:vml" Requires="v">
-                <p:oleObj spid="_x0000_s2730" name="CS ChemDraw Drawing" r:id="rId19" imgW="868419" imgH="513195" progId="ChemDraw.Document.6.0">
+                <p:oleObj spid="_x0000_s2744" name="CS ChemDraw Drawing" r:id="rId19" imgW="868419" imgH="513195" progId="ChemDraw.Document.6.0">
                   <p:embed/>
                 </p:oleObj>
               </mc:Choice>
@@ -5808,7 +5808,7 @@
           <a:graphicData uri="http://schemas.openxmlformats.org/presentationml/2006/ole">
             <mc:AlternateContent xmlns:mc="http://schemas.openxmlformats.org/markup-compatibility/2006">
               <mc:Choice xmlns:v="urn:schemas-microsoft-com:vml" Requires="v">
-                <p:oleObj spid="_x0000_s2731" name="CS ChemDraw Drawing" r:id="rId21" imgW="1122590" imgH="584837" progId="ChemDraw.Document.6.0">
+                <p:oleObj spid="_x0000_s2745" name="CS ChemDraw Drawing" r:id="rId21" imgW="1122590" imgH="584837" progId="ChemDraw.Document.6.0">
                   <p:embed/>
                 </p:oleObj>
               </mc:Choice>
@@ -5877,7 +5877,7 @@
           <a:graphicData uri="http://schemas.openxmlformats.org/presentationml/2006/ole">
             <mc:AlternateContent xmlns:mc="http://schemas.openxmlformats.org/markup-compatibility/2006">
               <mc:Choice xmlns:v="urn:schemas-microsoft-com:vml" Requires="v">
-                <p:oleObj spid="_x0000_s2732" name="CS ChemDraw Drawing" r:id="rId23" imgW="700484" imgH="615382" progId="ChemDraw.Document.6.0">
+                <p:oleObj spid="_x0000_s2746" name="CS ChemDraw Drawing" r:id="rId23" imgW="700484" imgH="615382" progId="ChemDraw.Document.6.0">
                   <p:embed/>
                 </p:oleObj>
               </mc:Choice>
@@ -5946,7 +5946,7 @@
           <a:graphicData uri="http://schemas.openxmlformats.org/presentationml/2006/ole">
             <mc:AlternateContent xmlns:mc="http://schemas.openxmlformats.org/markup-compatibility/2006">
               <mc:Choice xmlns:v="urn:schemas-microsoft-com:vml" Requires="v">
-                <p:oleObj spid="_x0000_s2733" name="CS ChemDraw Drawing" r:id="rId25" imgW="901703" imgH="513195" progId="ChemDraw.Document.6.0">
+                <p:oleObj spid="_x0000_s2747" name="CS ChemDraw Drawing" r:id="rId25" imgW="901703" imgH="513195" progId="ChemDraw.Document.6.0">
                   <p:embed/>
                 </p:oleObj>
               </mc:Choice>
@@ -6015,7 +6015,7 @@
           <a:graphicData uri="http://schemas.openxmlformats.org/presentationml/2006/ole">
             <mc:AlternateContent xmlns:mc="http://schemas.openxmlformats.org/markup-compatibility/2006">
               <mc:Choice xmlns:v="urn:schemas-microsoft-com:vml" Requires="v">
-                <p:oleObj spid="_x0000_s2734" name="CS ChemDraw Drawing" r:id="rId27" imgW="868419" imgH="531672" progId="ChemDraw.Document.6.0">
+                <p:oleObj spid="_x0000_s2748" name="CS ChemDraw Drawing" r:id="rId27" imgW="868419" imgH="531672" progId="ChemDraw.Document.6.0">
                   <p:embed/>
                 </p:oleObj>
               </mc:Choice>
@@ -6084,7 +6084,7 @@
           <a:graphicData uri="http://schemas.openxmlformats.org/presentationml/2006/ole">
             <mc:AlternateContent xmlns:mc="http://schemas.openxmlformats.org/markup-compatibility/2006">
               <mc:Choice xmlns:v="urn:schemas-microsoft-com:vml" Requires="v">
-                <p:oleObj spid="_x0000_s2735" name="CS ChemDraw Drawing" r:id="rId29" imgW="1045053" imgH="531672" progId="ChemDraw.Document.6.0">
+                <p:oleObj spid="_x0000_s2749" name="CS ChemDraw Drawing" r:id="rId29" imgW="1045053" imgH="531672" progId="ChemDraw.Document.6.0">
                   <p:embed/>
                 </p:oleObj>
               </mc:Choice>
@@ -9339,7 +9339,7 @@
           <a:graphicData uri="http://schemas.openxmlformats.org/presentationml/2006/ole">
             <mc:AlternateContent xmlns:mc="http://schemas.openxmlformats.org/markup-compatibility/2006">
               <mc:Choice xmlns:v="urn:schemas-microsoft-com:vml" Requires="v">
-                <p:oleObj spid="_x0000_s16163" name="CS ChemDraw Drawing" r:id="rId3" imgW="1118051" imgH="1022233" progId="ChemDraw.Document.6.0">
+                <p:oleObj spid="_x0000_s16166" name="CS ChemDraw Drawing" r:id="rId3" imgW="1118051" imgH="1022233" progId="ChemDraw.Document.6.0">
                   <p:embed/>
                 </p:oleObj>
               </mc:Choice>
@@ -9443,7 +9443,7 @@
           <a:graphicData uri="http://schemas.openxmlformats.org/presentationml/2006/ole">
             <mc:AlternateContent xmlns:mc="http://schemas.openxmlformats.org/markup-compatibility/2006">
               <mc:Choice xmlns:v="urn:schemas-microsoft-com:vml" Requires="v">
-                <p:oleObj spid="_x0000_s16164" name="CS ChemDraw Drawing" r:id="rId5" imgW="1180459" imgH="1140868" progId="ChemDraw.Document.6.0">
+                <p:oleObj spid="_x0000_s16167" name="CS ChemDraw Drawing" r:id="rId5" imgW="1180459" imgH="1140868" progId="ChemDraw.Document.6.0">
                   <p:embed/>
                 </p:oleObj>
               </mc:Choice>
@@ -9512,7 +9512,7 @@
           <a:graphicData uri="http://schemas.openxmlformats.org/presentationml/2006/ole">
             <mc:AlternateContent xmlns:mc="http://schemas.openxmlformats.org/markup-compatibility/2006">
               <mc:Choice xmlns:v="urn:schemas-microsoft-com:vml" Requires="v">
-                <p:oleObj spid="_x0000_s16165" name="CS ChemDraw Drawing" r:id="rId7" imgW="743224" imgH="514717" progId="ChemDraw.Document.6.0">
+                <p:oleObj spid="_x0000_s16168" name="CS ChemDraw Drawing" r:id="rId7" imgW="743224" imgH="514717" progId="ChemDraw.Document.6.0">
                   <p:embed/>
                 </p:oleObj>
               </mc:Choice>
@@ -11559,7 +11559,7 @@
           <a:graphicData uri="http://schemas.openxmlformats.org/presentationml/2006/ole">
             <mc:AlternateContent xmlns:mc="http://schemas.openxmlformats.org/markup-compatibility/2006">
               <mc:Choice xmlns:v="urn:schemas-microsoft-com:vml" Requires="v">
-                <p:oleObj spid="_x0000_s16941" name="CS ChemDraw Drawing" r:id="rId3" imgW="1042027" imgH="1087804" progId="ChemDraw.Document.6.0">
+                <p:oleObj spid="_x0000_s16954" name="CS ChemDraw Drawing" r:id="rId3" imgW="1042027" imgH="1087804" progId="ChemDraw.Document.6.0">
                   <p:embed/>
                 </p:oleObj>
               </mc:Choice>
@@ -11628,7 +11628,7 @@
           <a:graphicData uri="http://schemas.openxmlformats.org/presentationml/2006/ole">
             <mc:AlternateContent xmlns:mc="http://schemas.openxmlformats.org/markup-compatibility/2006">
               <mc:Choice xmlns:v="urn:schemas-microsoft-com:vml" Requires="v">
-                <p:oleObj spid="_x0000_s16942" name="CS ChemDraw Drawing" r:id="rId5" imgW="517798" imgH="508274" progId="ChemDraw.Document.6.0">
+                <p:oleObj spid="_x0000_s16955" name="CS ChemDraw Drawing" r:id="rId5" imgW="517798" imgH="508274" progId="ChemDraw.Document.6.0">
                   <p:embed/>
                 </p:oleObj>
               </mc:Choice>
@@ -11697,7 +11697,7 @@
           <a:graphicData uri="http://schemas.openxmlformats.org/presentationml/2006/ole">
             <mc:AlternateContent xmlns:mc="http://schemas.openxmlformats.org/markup-compatibility/2006">
               <mc:Choice xmlns:v="urn:schemas-microsoft-com:vml" Requires="v">
-                <p:oleObj spid="_x0000_s16943" name="CS ChemDraw Drawing" r:id="rId7" imgW="595336" imgH="522298" progId="ChemDraw.Document.6.0">
+                <p:oleObj spid="_x0000_s16956" name="CS ChemDraw Drawing" r:id="rId7" imgW="595336" imgH="522298" progId="ChemDraw.Document.6.0">
                   <p:embed/>
                 </p:oleObj>
               </mc:Choice>
@@ -11766,7 +11766,7 @@
           <a:graphicData uri="http://schemas.openxmlformats.org/presentationml/2006/ole">
             <mc:AlternateContent xmlns:mc="http://schemas.openxmlformats.org/markup-compatibility/2006">
               <mc:Choice xmlns:v="urn:schemas-microsoft-com:vml" Requires="v">
-                <p:oleObj spid="_x0000_s16944" name="CS ChemDraw Drawing" r:id="rId9" imgW="847238" imgH="523814" progId="ChemDraw.Document.6.0">
+                <p:oleObj spid="_x0000_s16957" name="CS ChemDraw Drawing" r:id="rId9" imgW="847238" imgH="523814" progId="ChemDraw.Document.6.0">
                   <p:embed/>
                 </p:oleObj>
               </mc:Choice>
@@ -11835,7 +11835,7 @@
           <a:graphicData uri="http://schemas.openxmlformats.org/presentationml/2006/ole">
             <mc:AlternateContent xmlns:mc="http://schemas.openxmlformats.org/markup-compatibility/2006">
               <mc:Choice xmlns:v="urn:schemas-microsoft-com:vml" Requires="v">
-                <p:oleObj spid="_x0000_s16945" name="CS ChemDraw Drawing" r:id="rId11" imgW="909646" imgH="522298" progId="ChemDraw.Document.6.0">
+                <p:oleObj spid="_x0000_s16958" name="CS ChemDraw Drawing" r:id="rId11" imgW="909646" imgH="522298" progId="ChemDraw.Document.6.0">
                   <p:embed/>
                 </p:oleObj>
               </mc:Choice>
@@ -11904,7 +11904,7 @@
           <a:graphicData uri="http://schemas.openxmlformats.org/presentationml/2006/ole">
             <mc:AlternateContent xmlns:mc="http://schemas.openxmlformats.org/markup-compatibility/2006">
               <mc:Choice xmlns:v="urn:schemas-microsoft-com:vml" Requires="v">
-                <p:oleObj spid="_x0000_s16946" name="CS ChemDraw Drawing" r:id="rId13" imgW="1276908" imgH="523814" progId="ChemDraw.Document.6.0">
+                <p:oleObj spid="_x0000_s16959" name="CS ChemDraw Drawing" r:id="rId13" imgW="1276908" imgH="523814" progId="ChemDraw.Document.6.0">
                   <p:embed/>
                 </p:oleObj>
               </mc:Choice>
@@ -11973,7 +11973,7 @@
           <a:graphicData uri="http://schemas.openxmlformats.org/presentationml/2006/ole">
             <mc:AlternateContent xmlns:mc="http://schemas.openxmlformats.org/markup-compatibility/2006">
               <mc:Choice xmlns:v="urn:schemas-microsoft-com:vml" Requires="v">
-                <p:oleObj spid="_x0000_s16947" name="CS ChemDraw Drawing" r:id="rId15" imgW="1055643" imgH="575740" progId="ChemDraw.Document.6.0">
+                <p:oleObj spid="_x0000_s16960" name="CS ChemDraw Drawing" r:id="rId15" imgW="1055643" imgH="575740" progId="ChemDraw.Document.6.0">
                   <p:embed/>
                 </p:oleObj>
               </mc:Choice>
@@ -12042,7 +12042,7 @@
           <a:graphicData uri="http://schemas.openxmlformats.org/presentationml/2006/ole">
             <mc:AlternateContent xmlns:mc="http://schemas.openxmlformats.org/markup-compatibility/2006">
               <mc:Choice xmlns:v="urn:schemas-microsoft-com:vml" Requires="v">
-                <p:oleObj spid="_x0000_s16948" name="CS ChemDraw Drawing" r:id="rId17" imgW="1202018" imgH="1110925" progId="ChemDraw.Document.6.0">
+                <p:oleObj spid="_x0000_s16961" name="CS ChemDraw Drawing" r:id="rId17" imgW="1202018" imgH="1110925" progId="ChemDraw.Document.6.0">
                   <p:embed/>
                 </p:oleObj>
               </mc:Choice>
@@ -12111,7 +12111,7 @@
           <a:graphicData uri="http://schemas.openxmlformats.org/presentationml/2006/ole">
             <mc:AlternateContent xmlns:mc="http://schemas.openxmlformats.org/markup-compatibility/2006">
               <mc:Choice xmlns:v="urn:schemas-microsoft-com:vml" Requires="v">
-                <p:oleObj spid="_x0000_s16949" name="CS ChemDraw Drawing" r:id="rId19" imgW="1078715" imgH="1141247" progId="ChemDraw.Document.6.0">
+                <p:oleObj spid="_x0000_s16962" name="CS ChemDraw Drawing" r:id="rId19" imgW="1078715" imgH="1141247" progId="ChemDraw.Document.6.0">
                   <p:embed/>
                 </p:oleObj>
               </mc:Choice>
@@ -12180,7 +12180,7 @@
           <a:graphicData uri="http://schemas.openxmlformats.org/presentationml/2006/ole">
             <mc:AlternateContent xmlns:mc="http://schemas.openxmlformats.org/markup-compatibility/2006">
               <mc:Choice xmlns:v="urn:schemas-microsoft-com:vml" Requires="v">
-                <p:oleObj spid="_x0000_s16950" name="CS ChemDraw Drawing" r:id="rId21" imgW="595336" imgH="522298" progId="ChemDraw.Document.6.0">
+                <p:oleObj spid="_x0000_s16963" name="CS ChemDraw Drawing" r:id="rId21" imgW="595336" imgH="522298" progId="ChemDraw.Document.6.0">
                   <p:embed/>
                 </p:oleObj>
               </mc:Choice>
@@ -12249,7 +12249,7 @@
           <a:graphicData uri="http://schemas.openxmlformats.org/presentationml/2006/ole">
             <mc:AlternateContent xmlns:mc="http://schemas.openxmlformats.org/markup-compatibility/2006">
               <mc:Choice xmlns:v="urn:schemas-microsoft-com:vml" Requires="v">
-                <p:oleObj spid="_x0000_s16951" name="CS ChemDraw Drawing" r:id="rId22" imgW="595336" imgH="522298" progId="ChemDraw.Document.6.0">
+                <p:oleObj spid="_x0000_s16964" name="CS ChemDraw Drawing" r:id="rId22" imgW="595336" imgH="522298" progId="ChemDraw.Document.6.0">
                   <p:embed/>
                 </p:oleObj>
               </mc:Choice>
@@ -12318,7 +12318,7 @@
           <a:graphicData uri="http://schemas.openxmlformats.org/presentationml/2006/ole">
             <mc:AlternateContent xmlns:mc="http://schemas.openxmlformats.org/markup-compatibility/2006">
               <mc:Choice xmlns:v="urn:schemas-microsoft-com:vml" Requires="v">
-                <p:oleObj spid="_x0000_s16952" name="CS ChemDraw Drawing" r:id="rId24" imgW="839673" imgH="462791" progId="ChemDraw.Document.6.0">
+                <p:oleObj spid="_x0000_s16965" name="CS ChemDraw Drawing" r:id="rId24" imgW="839673" imgH="462791" progId="ChemDraw.Document.6.0">
                   <p:embed/>
                 </p:oleObj>
               </mc:Choice>
@@ -12387,7 +12387,7 @@
           <a:graphicData uri="http://schemas.openxmlformats.org/presentationml/2006/ole">
             <mc:AlternateContent xmlns:mc="http://schemas.openxmlformats.org/markup-compatibility/2006">
               <mc:Choice xmlns:v="urn:schemas-microsoft-com:vml" Requires="v">
-                <p:oleObj spid="_x0000_s16953" name="CS ChemDraw Drawing" r:id="rId5" imgW="517798" imgH="508274" progId="ChemDraw.Document.6.0">
+                <p:oleObj spid="_x0000_s16966" name="CS ChemDraw Drawing" r:id="rId5" imgW="517798" imgH="508274" progId="ChemDraw.Document.6.0">
                   <p:embed/>
                 </p:oleObj>
               </mc:Choice>
@@ -14015,7 +14015,7 @@
           <a:graphicData uri="http://schemas.openxmlformats.org/presentationml/2006/ole">
             <mc:AlternateContent xmlns:mc="http://schemas.openxmlformats.org/markup-compatibility/2006">
               <mc:Choice xmlns:v="urn:schemas-microsoft-com:vml" Requires="v">
-                <p:oleObj spid="_x0000_s30757" name="CS ChemDraw Drawing" r:id="rId3" imgW="1208070" imgH="1489951" progId="ChemDraw.Document.6.0">
+                <p:oleObj spid="_x0000_s30764" name="CS ChemDraw Drawing" r:id="rId3" imgW="1208070" imgH="1489951" progId="ChemDraw.Document.6.0">
                   <p:embed/>
                 </p:oleObj>
               </mc:Choice>
@@ -14084,7 +14084,7 @@
           <a:graphicData uri="http://schemas.openxmlformats.org/presentationml/2006/ole">
             <mc:AlternateContent xmlns:mc="http://schemas.openxmlformats.org/markup-compatibility/2006">
               <mc:Choice xmlns:v="urn:schemas-microsoft-com:vml" Requires="v">
-                <p:oleObj spid="_x0000_s30758" name="CS ChemDraw Drawing" r:id="rId5" imgW="761757" imgH="638280" progId="ChemDraw.Document.6.0">
+                <p:oleObj spid="_x0000_s30765" name="CS ChemDraw Drawing" r:id="rId5" imgW="761757" imgH="638280" progId="ChemDraw.Document.6.0">
                   <p:embed/>
                 </p:oleObj>
               </mc:Choice>
@@ -14140,7 +14140,7 @@
           <p:nvPr>
             <p:extLst>
               <p:ext uri="{D42A27DB-BD31-4B8C-83A1-F6EECF244321}">
-                <p14:modId xmlns:p14="http://schemas.microsoft.com/office/powerpoint/2010/main" val="509132570"/>
+                <p14:modId xmlns:p14="http://schemas.microsoft.com/office/powerpoint/2010/main" val="3885518652"/>
               </p:ext>
             </p:extLst>
           </p:nvPr>
@@ -15070,9 +15070,7 @@
                     </a:p>
                   </a:txBody>
                   <a:tcPr anchor="ctr">
-                    <a:solidFill>
-                      <a:srgbClr val="FF5050"/>
-                    </a:solidFill>
+                    <a:noFill/>
                   </a:tcPr>
                 </a:tc>
                 <a:tc>
@@ -15131,9 +15129,7 @@
                     </a:p>
                   </a:txBody>
                   <a:tcPr anchor="ctr">
-                    <a:solidFill>
-                      <a:srgbClr val="FF5050"/>
-                    </a:solidFill>
+                    <a:noFill/>
                   </a:tcPr>
                 </a:tc>
                 <a:tc>
@@ -15192,9 +15188,7 @@
                     </a:p>
                   </a:txBody>
                   <a:tcPr anchor="ctr">
-                    <a:solidFill>
-                      <a:srgbClr val="FF5050"/>
-                    </a:solidFill>
+                    <a:noFill/>
                   </a:tcPr>
                 </a:tc>
                 <a:tc>
@@ -15253,9 +15247,7 @@
                     </a:p>
                   </a:txBody>
                   <a:tcPr anchor="ctr">
-                    <a:solidFill>
-                      <a:srgbClr val="FF5050"/>
-                    </a:solidFill>
+                    <a:noFill/>
                   </a:tcPr>
                 </a:tc>
                 <a:tc>
@@ -15314,9 +15306,7 @@
                     </a:p>
                   </a:txBody>
                   <a:tcPr anchor="ctr">
-                    <a:solidFill>
-                      <a:srgbClr val="FF5050"/>
-                    </a:solidFill>
+                    <a:noFill/>
                   </a:tcPr>
                 </a:tc>
                 <a:tc>
@@ -15375,9 +15365,7 @@
                     </a:p>
                   </a:txBody>
                   <a:tcPr anchor="ctr">
-                    <a:solidFill>
-                      <a:srgbClr val="FF5050"/>
-                    </a:solidFill>
+                    <a:noFill/>
                   </a:tcPr>
                 </a:tc>
                 <a:tc>
@@ -15431,7 +15419,7 @@
           <a:graphicData uri="http://schemas.openxmlformats.org/presentationml/2006/ole">
             <mc:AlternateContent xmlns:mc="http://schemas.openxmlformats.org/markup-compatibility/2006">
               <mc:Choice xmlns:v="urn:schemas-microsoft-com:vml" Requires="v">
-                <p:oleObj spid="_x0000_s30759" name="CS ChemDraw Drawing" r:id="rId7" imgW="1089306" imgH="1488814" progId="ChemDraw.Document.6.0">
+                <p:oleObj spid="_x0000_s30766" name="CS ChemDraw Drawing" r:id="rId7" imgW="1089306" imgH="1488814" progId="ChemDraw.Document.6.0">
                   <p:embed/>
                 </p:oleObj>
               </mc:Choice>
@@ -15500,7 +15488,7 @@
           <a:graphicData uri="http://schemas.openxmlformats.org/presentationml/2006/ole">
             <mc:AlternateContent xmlns:mc="http://schemas.openxmlformats.org/markup-compatibility/2006">
               <mc:Choice xmlns:v="urn:schemas-microsoft-com:vml" Requires="v">
-                <p:oleObj spid="_x0000_s30760" name="CS ChemDraw Drawing" r:id="rId9" imgW="613491" imgH="310422" progId="ChemDraw.Document.6.0">
+                <p:oleObj spid="_x0000_s30767" name="CS ChemDraw Drawing" r:id="rId9" imgW="613491" imgH="310422" progId="ChemDraw.Document.6.0">
                   <p:embed/>
                 </p:oleObj>
               </mc:Choice>
@@ -15569,7 +15557,7 @@
           <a:graphicData uri="http://schemas.openxmlformats.org/presentationml/2006/ole">
             <mc:AlternateContent xmlns:mc="http://schemas.openxmlformats.org/markup-compatibility/2006">
               <mc:Choice xmlns:v="urn:schemas-microsoft-com:vml" Requires="v">
-                <p:oleObj spid="_x0000_s30761" name="CS ChemDraw Drawing" r:id="rId11" imgW="426266" imgH="246367" progId="ChemDraw.Document.6.0">
+                <p:oleObj spid="_x0000_s30768" name="CS ChemDraw Drawing" r:id="rId11" imgW="426266" imgH="246367" progId="ChemDraw.Document.6.0">
                   <p:embed/>
                 </p:oleObj>
               </mc:Choice>
@@ -15638,7 +15626,7 @@
           <a:graphicData uri="http://schemas.openxmlformats.org/presentationml/2006/ole">
             <mc:AlternateContent xmlns:mc="http://schemas.openxmlformats.org/markup-compatibility/2006">
               <mc:Choice xmlns:v="urn:schemas-microsoft-com:vml" Requires="v">
-                <p:oleObj spid="_x0000_s30762" name="CS ChemDraw Drawing" r:id="rId13" imgW="585124" imgH="246746" progId="ChemDraw.Document.6.0">
+                <p:oleObj spid="_x0000_s30769" name="CS ChemDraw Drawing" r:id="rId13" imgW="585124" imgH="246746" progId="ChemDraw.Document.6.0">
                   <p:embed/>
                 </p:oleObj>
               </mc:Choice>
@@ -15707,7 +15695,7 @@
           <a:graphicData uri="http://schemas.openxmlformats.org/presentationml/2006/ole">
             <mc:AlternateContent xmlns:mc="http://schemas.openxmlformats.org/markup-compatibility/2006">
               <mc:Choice xmlns:v="urn:schemas-microsoft-com:vml" Requires="v">
-                <p:oleObj spid="_x0000_s30763" name="CS ChemDraw Drawing" r:id="rId15" imgW="585124" imgH="327478" progId="ChemDraw.Document.6.0">
+                <p:oleObj spid="_x0000_s30770" name="CS ChemDraw Drawing" r:id="rId15" imgW="585124" imgH="327478" progId="ChemDraw.Document.6.0">
                   <p:embed/>
                 </p:oleObj>
               </mc:Choice>
@@ -17944,7 +17932,7 @@
           <a:graphicData uri="http://schemas.openxmlformats.org/presentationml/2006/ole">
             <mc:AlternateContent xmlns:mc="http://schemas.openxmlformats.org/markup-compatibility/2006">
               <mc:Choice xmlns:v="urn:schemas-microsoft-com:vml" Requires="v">
-                <p:oleObj spid="_x0000_s5934" name="CS ChemDraw Drawing" r:id="rId3" imgW="1222065" imgH="881972" progId="ChemDraw.Document.6.0">
+                <p:oleObj spid="_x0000_s5951" name="CS ChemDraw Drawing" r:id="rId3" imgW="1222065" imgH="881972" progId="ChemDraw.Document.6.0">
                   <p:embed/>
                 </p:oleObj>
               </mc:Choice>
@@ -18013,7 +18001,7 @@
           <a:graphicData uri="http://schemas.openxmlformats.org/presentationml/2006/ole">
             <mc:AlternateContent xmlns:mc="http://schemas.openxmlformats.org/markup-compatibility/2006">
               <mc:Choice xmlns:v="urn:schemas-microsoft-com:vml" Requires="v">
-                <p:oleObj spid="_x0000_s5935" name="CS ChemDraw Drawing" r:id="rId5" imgW="589284" imgH="514704" progId="ChemDraw.Document.6.0">
+                <p:oleObj spid="_x0000_s5952" name="CS ChemDraw Drawing" r:id="rId5" imgW="589284" imgH="514704" progId="ChemDraw.Document.6.0">
                   <p:embed/>
                 </p:oleObj>
               </mc:Choice>
@@ -18082,7 +18070,7 @@
           <a:graphicData uri="http://schemas.openxmlformats.org/presentationml/2006/ole">
             <mc:AlternateContent xmlns:mc="http://schemas.openxmlformats.org/markup-compatibility/2006">
               <mc:Choice xmlns:v="urn:schemas-microsoft-com:vml" Requires="v">
-                <p:oleObj spid="_x0000_s5936" name="CS ChemDraw Drawing" r:id="rId7" imgW="630511" imgH="514704" progId="ChemDraw.Document.6.0">
+                <p:oleObj spid="_x0000_s5953" name="CS ChemDraw Drawing" r:id="rId7" imgW="630511" imgH="514704" progId="ChemDraw.Document.6.0">
                   <p:embed/>
                 </p:oleObj>
               </mc:Choice>
@@ -18151,7 +18139,7 @@
           <a:graphicData uri="http://schemas.openxmlformats.org/presentationml/2006/ole">
             <mc:AlternateContent xmlns:mc="http://schemas.openxmlformats.org/markup-compatibility/2006">
               <mc:Choice xmlns:v="urn:schemas-microsoft-com:vml" Requires="v">
-                <p:oleObj spid="_x0000_s5937" name="CS ChemDraw Drawing" r:id="rId9" imgW="630511" imgH="514704" progId="ChemDraw.Document.6.0">
+                <p:oleObj spid="_x0000_s5954" name="CS ChemDraw Drawing" r:id="rId9" imgW="630511" imgH="514704" progId="ChemDraw.Document.6.0">
                   <p:embed/>
                 </p:oleObj>
               </mc:Choice>
@@ -18220,7 +18208,7 @@
           <a:graphicData uri="http://schemas.openxmlformats.org/presentationml/2006/ole">
             <mc:AlternateContent xmlns:mc="http://schemas.openxmlformats.org/markup-compatibility/2006">
               <mc:Choice xmlns:v="urn:schemas-microsoft-com:vml" Requires="v">
-                <p:oleObj spid="_x0000_s5938" name="CS ChemDraw Drawing" r:id="rId11" imgW="587771" imgH="514704" progId="ChemDraw.Document.6.0">
+                <p:oleObj spid="_x0000_s5955" name="CS ChemDraw Drawing" r:id="rId11" imgW="587771" imgH="514704" progId="ChemDraw.Document.6.0">
                   <p:embed/>
                 </p:oleObj>
               </mc:Choice>
@@ -18289,7 +18277,7 @@
           <a:graphicData uri="http://schemas.openxmlformats.org/presentationml/2006/ole">
             <mc:AlternateContent xmlns:mc="http://schemas.openxmlformats.org/markup-compatibility/2006">
               <mc:Choice xmlns:v="urn:schemas-microsoft-com:vml" Requires="v">
-                <p:oleObj spid="_x0000_s5939" name="CS ChemDraw Drawing" r:id="rId13" imgW="589284" imgH="560200" progId="ChemDraw.Document.6.0">
+                <p:oleObj spid="_x0000_s5956" name="CS ChemDraw Drawing" r:id="rId13" imgW="589284" imgH="560200" progId="ChemDraw.Document.6.0">
                   <p:embed/>
                 </p:oleObj>
               </mc:Choice>
@@ -18358,7 +18346,7 @@
           <a:graphicData uri="http://schemas.openxmlformats.org/presentationml/2006/ole">
             <mc:AlternateContent xmlns:mc="http://schemas.openxmlformats.org/markup-compatibility/2006">
               <mc:Choice xmlns:v="urn:schemas-microsoft-com:vml" Requires="v">
-                <p:oleObj spid="_x0000_s5940" name="CS ChemDraw Drawing" r:id="rId15" imgW="630511" imgH="560579" progId="ChemDraw.Document.6.0">
+                <p:oleObj spid="_x0000_s5957" name="CS ChemDraw Drawing" r:id="rId15" imgW="630511" imgH="560579" progId="ChemDraw.Document.6.0">
                   <p:embed/>
                 </p:oleObj>
               </mc:Choice>
@@ -18427,7 +18415,7 @@
           <a:graphicData uri="http://schemas.openxmlformats.org/presentationml/2006/ole">
             <mc:AlternateContent xmlns:mc="http://schemas.openxmlformats.org/markup-compatibility/2006">
               <mc:Choice xmlns:v="urn:schemas-microsoft-com:vml" Requires="v">
-                <p:oleObj spid="_x0000_s5941" name="CS ChemDraw Drawing" r:id="rId17" imgW="947469" imgH="1259882" progId="ChemDraw.Document.6.0">
+                <p:oleObj spid="_x0000_s5958" name="CS ChemDraw Drawing" r:id="rId17" imgW="947469" imgH="1259882" progId="ChemDraw.Document.6.0">
                   <p:embed/>
                 </p:oleObj>
               </mc:Choice>
@@ -18496,7 +18484,7 @@
           <a:graphicData uri="http://schemas.openxmlformats.org/presentationml/2006/ole">
             <mc:AlternateContent xmlns:mc="http://schemas.openxmlformats.org/markup-compatibility/2006">
               <mc:Choice xmlns:v="urn:schemas-microsoft-com:vml" Requires="v">
-                <p:oleObj spid="_x0000_s5942" name="CS ChemDraw Drawing" r:id="rId5" imgW="589284" imgH="514704" progId="ChemDraw.Document.6.0">
+                <p:oleObj spid="_x0000_s5959" name="CS ChemDraw Drawing" r:id="rId5" imgW="589284" imgH="514704" progId="ChemDraw.Document.6.0">
                   <p:embed/>
                 </p:oleObj>
               </mc:Choice>
@@ -18565,7 +18553,7 @@
           <a:graphicData uri="http://schemas.openxmlformats.org/presentationml/2006/ole">
             <mc:AlternateContent xmlns:mc="http://schemas.openxmlformats.org/markup-compatibility/2006">
               <mc:Choice xmlns:v="urn:schemas-microsoft-com:vml" Requires="v">
-                <p:oleObj spid="_x0000_s5943" name="CS ChemDraw Drawing" r:id="rId19" imgW="562051" imgH="504104" progId="ChemDraw.Document.6.0">
+                <p:oleObj spid="_x0000_s5960" name="CS ChemDraw Drawing" r:id="rId19" imgW="562051" imgH="504104" progId="ChemDraw.Document.6.0">
                   <p:embed/>
                 </p:oleObj>
               </mc:Choice>
@@ -18634,7 +18622,7 @@
           <a:graphicData uri="http://schemas.openxmlformats.org/presentationml/2006/ole">
             <mc:AlternateContent xmlns:mc="http://schemas.openxmlformats.org/markup-compatibility/2006">
               <mc:Choice xmlns:v="urn:schemas-microsoft-com:vml" Requires="v">
-                <p:oleObj spid="_x0000_s5944" name="CS ChemDraw Drawing" r:id="rId21" imgW="562051" imgH="467339" progId="ChemDraw.Document.6.0">
+                <p:oleObj spid="_x0000_s5961" name="CS ChemDraw Drawing" r:id="rId21" imgW="562051" imgH="467339" progId="ChemDraw.Document.6.0">
                   <p:embed/>
                 </p:oleObj>
               </mc:Choice>
@@ -18703,7 +18691,7 @@
           <a:graphicData uri="http://schemas.openxmlformats.org/presentationml/2006/ole">
             <mc:AlternateContent xmlns:mc="http://schemas.openxmlformats.org/markup-compatibility/2006">
               <mc:Choice xmlns:v="urn:schemas-microsoft-com:vml" Requires="v">
-                <p:oleObj spid="_x0000_s5945" name="CS ChemDraw Drawing" r:id="rId23" imgW="589284" imgH="788753" progId="ChemDraw.Document.6.0">
+                <p:oleObj spid="_x0000_s5962" name="CS ChemDraw Drawing" r:id="rId23" imgW="589284" imgH="788753" progId="ChemDraw.Document.6.0">
                   <p:embed/>
                 </p:oleObj>
               </mc:Choice>
@@ -18772,7 +18760,7 @@
           <a:graphicData uri="http://schemas.openxmlformats.org/presentationml/2006/ole">
             <mc:AlternateContent xmlns:mc="http://schemas.openxmlformats.org/markup-compatibility/2006">
               <mc:Choice xmlns:v="urn:schemas-microsoft-com:vml" Requires="v">
-                <p:oleObj spid="_x0000_s5946" name="CS ChemDraw Drawing" r:id="rId25" imgW="562051" imgH="528362" progId="ChemDraw.Document.6.0">
+                <p:oleObj spid="_x0000_s5963" name="CS ChemDraw Drawing" r:id="rId25" imgW="562051" imgH="528362" progId="ChemDraw.Document.6.0">
                   <p:embed/>
                 </p:oleObj>
               </mc:Choice>
@@ -18841,7 +18829,7 @@
           <a:graphicData uri="http://schemas.openxmlformats.org/presentationml/2006/ole">
             <mc:AlternateContent xmlns:mc="http://schemas.openxmlformats.org/markup-compatibility/2006">
               <mc:Choice xmlns:v="urn:schemas-microsoft-com:vml" Requires="v">
-                <p:oleObj spid="_x0000_s5947" name="CS ChemDraw Drawing" r:id="rId27" imgW="903216" imgH="514717" progId="ChemDraw.Document.6.0">
+                <p:oleObj spid="_x0000_s5964" name="CS ChemDraw Drawing" r:id="rId27" imgW="903216" imgH="514717" progId="ChemDraw.Document.6.0">
                   <p:embed/>
                 </p:oleObj>
               </mc:Choice>
@@ -18910,7 +18898,7 @@
           <a:graphicData uri="http://schemas.openxmlformats.org/presentationml/2006/ole">
             <mc:AlternateContent xmlns:mc="http://schemas.openxmlformats.org/markup-compatibility/2006">
               <mc:Choice xmlns:v="urn:schemas-microsoft-com:vml" Requires="v">
-                <p:oleObj spid="_x0000_s5948" name="CS ChemDraw Drawing" r:id="rId29" imgW="903216" imgH="561716" progId="ChemDraw.Document.6.0">
+                <p:oleObj spid="_x0000_s5965" name="CS ChemDraw Drawing" r:id="rId29" imgW="903216" imgH="561716" progId="ChemDraw.Document.6.0">
                   <p:embed/>
                 </p:oleObj>
               </mc:Choice>
@@ -18979,7 +18967,7 @@
           <a:graphicData uri="http://schemas.openxmlformats.org/presentationml/2006/ole">
             <mc:AlternateContent xmlns:mc="http://schemas.openxmlformats.org/markup-compatibility/2006">
               <mc:Choice xmlns:v="urn:schemas-microsoft-com:vml" Requires="v">
-                <p:oleObj spid="_x0000_s5949" name="CS ChemDraw Drawing" r:id="rId5" imgW="589284" imgH="514704" progId="ChemDraw.Document.6.0">
+                <p:oleObj spid="_x0000_s5966" name="CS ChemDraw Drawing" r:id="rId5" imgW="589284" imgH="514704" progId="ChemDraw.Document.6.0">
                   <p:embed/>
                 </p:oleObj>
               </mc:Choice>
@@ -19048,7 +19036,7 @@
           <a:graphicData uri="http://schemas.openxmlformats.org/presentationml/2006/ole">
             <mc:AlternateContent xmlns:mc="http://schemas.openxmlformats.org/markup-compatibility/2006">
               <mc:Choice xmlns:v="urn:schemas-microsoft-com:vml" Requires="v">
-                <p:oleObj spid="_x0000_s5950" name="CS ChemDraw Drawing" r:id="rId5" imgW="589284" imgH="514704" progId="ChemDraw.Document.6.0">
+                <p:oleObj spid="_x0000_s5967" name="CS ChemDraw Drawing" r:id="rId5" imgW="589284" imgH="514704" progId="ChemDraw.Document.6.0">
                   <p:embed/>
                 </p:oleObj>
               </mc:Choice>
@@ -20954,7 +20942,7 @@
           <a:graphicData uri="http://schemas.openxmlformats.org/presentationml/2006/ole">
             <mc:AlternateContent xmlns:mc="http://schemas.openxmlformats.org/markup-compatibility/2006">
               <mc:Choice xmlns:v="urn:schemas-microsoft-com:vml" Requires="v">
-                <p:oleObj spid="_x0000_s26808" name="CS ChemDraw Drawing" r:id="rId3" imgW="1089306" imgH="795196" progId="ChemDraw.Document.6.0">
+                <p:oleObj spid="_x0000_s26820" name="CS ChemDraw Drawing" r:id="rId3" imgW="1089306" imgH="795196" progId="ChemDraw.Document.6.0">
                   <p:embed/>
                 </p:oleObj>
               </mc:Choice>
@@ -21017,7 +21005,7 @@
           <a:graphicData uri="http://schemas.openxmlformats.org/presentationml/2006/ole">
             <mc:AlternateContent xmlns:mc="http://schemas.openxmlformats.org/markup-compatibility/2006">
               <mc:Choice xmlns:v="urn:schemas-microsoft-com:vml" Requires="v">
-                <p:oleObj spid="_x0000_s26809" name="CS ChemDraw Drawing" r:id="rId5" imgW="1089306" imgH="952113" progId="ChemDraw.Document.6.0">
+                <p:oleObj spid="_x0000_s26821" name="CS ChemDraw Drawing" r:id="rId5" imgW="1089306" imgH="952113" progId="ChemDraw.Document.6.0">
                   <p:embed/>
                 </p:oleObj>
               </mc:Choice>
@@ -21080,7 +21068,7 @@
           <a:graphicData uri="http://schemas.openxmlformats.org/presentationml/2006/ole">
             <mc:AlternateContent xmlns:mc="http://schemas.openxmlformats.org/markup-compatibility/2006">
               <mc:Choice xmlns:v="urn:schemas-microsoft-com:vml" Requires="v">
-                <p:oleObj spid="_x0000_s26810" name="CS ChemDraw Drawing" r:id="rId7" imgW="1089306" imgH="1074159" progId="ChemDraw.Document.6.0">
+                <p:oleObj spid="_x0000_s26822" name="CS ChemDraw Drawing" r:id="rId7" imgW="1089306" imgH="1074159" progId="ChemDraw.Document.6.0">
                   <p:embed/>
                 </p:oleObj>
               </mc:Choice>
@@ -21143,7 +21131,7 @@
           <a:graphicData uri="http://schemas.openxmlformats.org/presentationml/2006/ole">
             <mc:AlternateContent xmlns:mc="http://schemas.openxmlformats.org/markup-compatibility/2006">
               <mc:Choice xmlns:v="urn:schemas-microsoft-com:vml" Requires="v">
-                <p:oleObj spid="_x0000_s26811" name="CS ChemDraw Drawing" r:id="rId9" imgW="779913" imgH="566644" progId="ChemDraw.Document.6.0">
+                <p:oleObj spid="_x0000_s26823" name="CS ChemDraw Drawing" r:id="rId9" imgW="779913" imgH="566644" progId="ChemDraw.Document.6.0">
                   <p:embed/>
                 </p:oleObj>
               </mc:Choice>
@@ -21206,7 +21194,7 @@
           <a:graphicData uri="http://schemas.openxmlformats.org/presentationml/2006/ole">
             <mc:AlternateContent xmlns:mc="http://schemas.openxmlformats.org/markup-compatibility/2006">
               <mc:Choice xmlns:v="urn:schemas-microsoft-com:vml" Requires="v">
-                <p:oleObj spid="_x0000_s26812" name="CS ChemDraw Drawing" r:id="rId11" imgW="743224" imgH="514717" progId="ChemDraw.Document.6.0">
+                <p:oleObj spid="_x0000_s26824" name="CS ChemDraw Drawing" r:id="rId11" imgW="743224" imgH="514717" progId="ChemDraw.Document.6.0">
                   <p:embed/>
                 </p:oleObj>
               </mc:Choice>
@@ -21269,7 +21257,7 @@
           <a:graphicData uri="http://schemas.openxmlformats.org/presentationml/2006/ole">
             <mc:AlternateContent xmlns:mc="http://schemas.openxmlformats.org/markup-compatibility/2006">
               <mc:Choice xmlns:v="urn:schemas-microsoft-com:vml" Requires="v">
-                <p:oleObj spid="_x0000_s26813" name="CS ChemDraw Drawing" r:id="rId13" imgW="879009" imgH="568160" progId="ChemDraw.Document.6.0">
+                <p:oleObj spid="_x0000_s26825" name="CS ChemDraw Drawing" r:id="rId13" imgW="879009" imgH="568160" progId="ChemDraw.Document.6.0">
                   <p:embed/>
                 </p:oleObj>
               </mc:Choice>
@@ -21332,7 +21320,7 @@
           <a:graphicData uri="http://schemas.openxmlformats.org/presentationml/2006/ole">
             <mc:AlternateContent xmlns:mc="http://schemas.openxmlformats.org/markup-compatibility/2006">
               <mc:Choice xmlns:v="urn:schemas-microsoft-com:vml" Requires="v">
-                <p:oleObj spid="_x0000_s26814" name="CS ChemDraw Drawing" r:id="rId15" imgW="1089306" imgH="1074159" progId="ChemDraw.Document.6.0">
+                <p:oleObj spid="_x0000_s26826" name="CS ChemDraw Drawing" r:id="rId15" imgW="1089306" imgH="1074159" progId="ChemDraw.Document.6.0">
                   <p:embed/>
                 </p:oleObj>
               </mc:Choice>
@@ -23732,7 +23720,7 @@
           <a:graphicData uri="http://schemas.openxmlformats.org/presentationml/2006/ole">
             <mc:AlternateContent xmlns:mc="http://schemas.openxmlformats.org/markup-compatibility/2006">
               <mc:Choice xmlns:v="urn:schemas-microsoft-com:vml" Requires="v">
-                <p:oleObj spid="_x0000_s26815" name="CS ChemDraw Drawing" r:id="rId17" imgW="1089306" imgH="952113" progId="ChemDraw.Document.6.0">
+                <p:oleObj spid="_x0000_s26827" name="CS ChemDraw Drawing" r:id="rId17" imgW="1089306" imgH="952113" progId="ChemDraw.Document.6.0">
                   <p:embed/>
                 </p:oleObj>
               </mc:Choice>
@@ -23801,7 +23789,7 @@
           <a:graphicData uri="http://schemas.openxmlformats.org/presentationml/2006/ole">
             <mc:AlternateContent xmlns:mc="http://schemas.openxmlformats.org/markup-compatibility/2006">
               <mc:Choice xmlns:v="urn:schemas-microsoft-com:vml" Requires="v">
-                <p:oleObj spid="_x0000_s26816" name="CS ChemDraw Drawing" r:id="rId19" imgW="1089306" imgH="795196" progId="ChemDraw.Document.6.0">
+                <p:oleObj spid="_x0000_s26828" name="CS ChemDraw Drawing" r:id="rId19" imgW="1089306" imgH="795196" progId="ChemDraw.Document.6.0">
                   <p:embed/>
                 </p:oleObj>
               </mc:Choice>
@@ -23870,7 +23858,7 @@
           <a:graphicData uri="http://schemas.openxmlformats.org/presentationml/2006/ole">
             <mc:AlternateContent xmlns:mc="http://schemas.openxmlformats.org/markup-compatibility/2006">
               <mc:Choice xmlns:v="urn:schemas-microsoft-com:vml" Requires="v">
-                <p:oleObj spid="_x0000_s26817" name="CS ChemDraw Drawing" r:id="rId21" imgW="1267452" imgH="795196" progId="ChemDraw.Document.6.0">
+                <p:oleObj spid="_x0000_s26829" name="CS ChemDraw Drawing" r:id="rId21" imgW="1267452" imgH="795196" progId="ChemDraw.Document.6.0">
                   <p:embed/>
                 </p:oleObj>
               </mc:Choice>
@@ -23939,7 +23927,7 @@
           <a:graphicData uri="http://schemas.openxmlformats.org/presentationml/2006/ole">
             <mc:AlternateContent xmlns:mc="http://schemas.openxmlformats.org/markup-compatibility/2006">
               <mc:Choice xmlns:v="urn:schemas-microsoft-com:vml" Requires="v">
-                <p:oleObj spid="_x0000_s26818" name="CS ChemDraw Drawing" r:id="rId23" imgW="942930" imgH="841058" progId="ChemDraw.Document.6.0">
+                <p:oleObj spid="_x0000_s26830" name="CS ChemDraw Drawing" r:id="rId23" imgW="942930" imgH="841058" progId="ChemDraw.Document.6.0">
                   <p:embed/>
                 </p:oleObj>
               </mc:Choice>
@@ -24008,7 +23996,7 @@
           <a:graphicData uri="http://schemas.openxmlformats.org/presentationml/2006/ole">
             <mc:AlternateContent xmlns:mc="http://schemas.openxmlformats.org/markup-compatibility/2006">
               <mc:Choice xmlns:v="urn:schemas-microsoft-com:vml" Requires="v">
-                <p:oleObj spid="_x0000_s26819" name="CS ChemDraw Drawing" r:id="rId25" imgW="1081741" imgH="789132" progId="ChemDraw.Document.6.0">
+                <p:oleObj spid="_x0000_s26831" name="CS ChemDraw Drawing" r:id="rId25" imgW="1081741" imgH="789132" progId="ChemDraw.Document.6.0">
                   <p:embed/>
                 </p:oleObj>
               </mc:Choice>
@@ -26088,7 +26076,7 @@
           <a:graphicData uri="http://schemas.openxmlformats.org/presentationml/2006/ole">
             <mc:AlternateContent xmlns:mc="http://schemas.openxmlformats.org/markup-compatibility/2006">
               <mc:Choice xmlns:v="urn:schemas-microsoft-com:vml" Requires="v">
-                <p:oleObj spid="_x0000_s7415" name="CS ChemDraw Drawing" r:id="rId3" imgW="1362010" imgH="1607449" progId="ChemDraw.Document.6.0">
+                <p:oleObj spid="_x0000_s7420" name="CS ChemDraw Drawing" r:id="rId3" imgW="1362010" imgH="1607449" progId="ChemDraw.Document.6.0">
                   <p:embed/>
                 </p:oleObj>
               </mc:Choice>
@@ -26157,7 +26145,7 @@
           <a:graphicData uri="http://schemas.openxmlformats.org/presentationml/2006/ole">
             <mc:AlternateContent xmlns:mc="http://schemas.openxmlformats.org/markup-compatibility/2006">
               <mc:Choice xmlns:v="urn:schemas-microsoft-com:vml" Requires="v">
-                <p:oleObj spid="_x0000_s7416" name="CS ChemDraw Drawing" r:id="rId5" imgW="1468671" imgH="1424379" progId="ChemDraw.Document.6.0">
+                <p:oleObj spid="_x0000_s7421" name="CS ChemDraw Drawing" r:id="rId5" imgW="1468671" imgH="1424379" progId="ChemDraw.Document.6.0">
                   <p:embed/>
                 </p:oleObj>
               </mc:Choice>
@@ -26226,7 +26214,7 @@
           <a:graphicData uri="http://schemas.openxmlformats.org/presentationml/2006/ole">
             <mc:AlternateContent xmlns:mc="http://schemas.openxmlformats.org/markup-compatibility/2006">
               <mc:Choice xmlns:v="urn:schemas-microsoft-com:vml" Requires="v">
-                <p:oleObj spid="_x0000_s7417" name="CS ChemDraw Drawing" r:id="rId7" imgW="1089306" imgH="1068095" progId="ChemDraw.Document.6.0">
+                <p:oleObj spid="_x0000_s7422" name="CS ChemDraw Drawing" r:id="rId7" imgW="1089306" imgH="1068095" progId="ChemDraw.Document.6.0">
                   <p:embed/>
                 </p:oleObj>
               </mc:Choice>
@@ -26295,7 +26283,7 @@
           <a:graphicData uri="http://schemas.openxmlformats.org/presentationml/2006/ole">
             <mc:AlternateContent xmlns:mc="http://schemas.openxmlformats.org/markup-compatibility/2006">
               <mc:Choice xmlns:v="urn:schemas-microsoft-com:vml" Requires="v">
-                <p:oleObj spid="_x0000_s7418" name="CS ChemDraw Drawing" r:id="rId9" imgW="904729" imgH="567781" progId="ChemDraw.Document.6.0">
+                <p:oleObj spid="_x0000_s7423" name="CS ChemDraw Drawing" r:id="rId9" imgW="904729" imgH="567781" progId="ChemDraw.Document.6.0">
                   <p:embed/>
                 </p:oleObj>
               </mc:Choice>
@@ -26364,7 +26352,7 @@
           <a:graphicData uri="http://schemas.openxmlformats.org/presentationml/2006/ole">
             <mc:AlternateContent xmlns:mc="http://schemas.openxmlformats.org/markup-compatibility/2006">
               <mc:Choice xmlns:v="urn:schemas-microsoft-com:vml" Requires="v">
-                <p:oleObj spid="_x0000_s7419" name="CS ChemDraw Drawing" r:id="rId11" imgW="746250" imgH="423372" progId="ChemDraw.Document.6.0">
+                <p:oleObj spid="_x0000_s7424" name="CS ChemDraw Drawing" r:id="rId11" imgW="746250" imgH="423372" progId="ChemDraw.Document.6.0">
                   <p:embed/>
                 </p:oleObj>
               </mc:Choice>

--- a/Paper files/SAR_Tables_Paper.pptx
+++ b/Paper files/SAR_Tables_Paper.pptx
@@ -13,7 +13,8 @@
     <p:sldId id="301" r:id="rId7"/>
     <p:sldId id="286" r:id="rId8"/>
     <p:sldId id="298" r:id="rId9"/>
-    <p:sldId id="272" r:id="rId10"/>
+    <p:sldId id="302" r:id="rId10"/>
+    <p:sldId id="272" r:id="rId11"/>
   </p:sldIdLst>
   <p:sldSz cx="13716000" cy="9144000"/>
   <p:notesSz cx="6858000" cy="9144000"/>
@@ -251,7 +252,7 @@
           <a:p>
             <a:fld id="{2D85E8BA-DC60-4B90-B41C-2E99493F9ADA}" type="datetimeFigureOut">
               <a:rPr lang="en-US" smtClean="0"/>
-              <a:t>12/21/2021</a:t>
+              <a:t>1/4/2022</a:t>
             </a:fld>
             <a:endParaRPr lang="en-US"/>
           </a:p>
@@ -421,7 +422,7 @@
           <a:p>
             <a:fld id="{2D85E8BA-DC60-4B90-B41C-2E99493F9ADA}" type="datetimeFigureOut">
               <a:rPr lang="en-US" smtClean="0"/>
-              <a:t>12/21/2021</a:t>
+              <a:t>1/4/2022</a:t>
             </a:fld>
             <a:endParaRPr lang="en-US"/>
           </a:p>
@@ -601,7 +602,7 @@
           <a:p>
             <a:fld id="{2D85E8BA-DC60-4B90-B41C-2E99493F9ADA}" type="datetimeFigureOut">
               <a:rPr lang="en-US" smtClean="0"/>
-              <a:t>12/21/2021</a:t>
+              <a:t>1/4/2022</a:t>
             </a:fld>
             <a:endParaRPr lang="en-US"/>
           </a:p>
@@ -771,7 +772,7 @@
           <a:p>
             <a:fld id="{2D85E8BA-DC60-4B90-B41C-2E99493F9ADA}" type="datetimeFigureOut">
               <a:rPr lang="en-US" smtClean="0"/>
-              <a:t>12/21/2021</a:t>
+              <a:t>1/4/2022</a:t>
             </a:fld>
             <a:endParaRPr lang="en-US"/>
           </a:p>
@@ -1015,7 +1016,7 @@
           <a:p>
             <a:fld id="{2D85E8BA-DC60-4B90-B41C-2E99493F9ADA}" type="datetimeFigureOut">
               <a:rPr lang="en-US" smtClean="0"/>
-              <a:t>12/21/2021</a:t>
+              <a:t>1/4/2022</a:t>
             </a:fld>
             <a:endParaRPr lang="en-US"/>
           </a:p>
@@ -1247,7 +1248,7 @@
           <a:p>
             <a:fld id="{2D85E8BA-DC60-4B90-B41C-2E99493F9ADA}" type="datetimeFigureOut">
               <a:rPr lang="en-US" smtClean="0"/>
-              <a:t>12/21/2021</a:t>
+              <a:t>1/4/2022</a:t>
             </a:fld>
             <a:endParaRPr lang="en-US"/>
           </a:p>
@@ -1614,7 +1615,7 @@
           <a:p>
             <a:fld id="{2D85E8BA-DC60-4B90-B41C-2E99493F9ADA}" type="datetimeFigureOut">
               <a:rPr lang="en-US" smtClean="0"/>
-              <a:t>12/21/2021</a:t>
+              <a:t>1/4/2022</a:t>
             </a:fld>
             <a:endParaRPr lang="en-US"/>
           </a:p>
@@ -1732,7 +1733,7 @@
           <a:p>
             <a:fld id="{2D85E8BA-DC60-4B90-B41C-2E99493F9ADA}" type="datetimeFigureOut">
               <a:rPr lang="en-US" smtClean="0"/>
-              <a:t>12/21/2021</a:t>
+              <a:t>1/4/2022</a:t>
             </a:fld>
             <a:endParaRPr lang="en-US"/>
           </a:p>
@@ -1827,7 +1828,7 @@
           <a:p>
             <a:fld id="{2D85E8BA-DC60-4B90-B41C-2E99493F9ADA}" type="datetimeFigureOut">
               <a:rPr lang="en-US" smtClean="0"/>
-              <a:t>12/21/2021</a:t>
+              <a:t>1/4/2022</a:t>
             </a:fld>
             <a:endParaRPr lang="en-US"/>
           </a:p>
@@ -2104,7 +2105,7 @@
           <a:p>
             <a:fld id="{2D85E8BA-DC60-4B90-B41C-2E99493F9ADA}" type="datetimeFigureOut">
               <a:rPr lang="en-US" smtClean="0"/>
-              <a:t>12/21/2021</a:t>
+              <a:t>1/4/2022</a:t>
             </a:fld>
             <a:endParaRPr lang="en-US"/>
           </a:p>
@@ -2361,7 +2362,7 @@
           <a:p>
             <a:fld id="{2D85E8BA-DC60-4B90-B41C-2E99493F9ADA}" type="datetimeFigureOut">
               <a:rPr lang="en-US" smtClean="0"/>
-              <a:t>12/21/2021</a:t>
+              <a:t>1/4/2022</a:t>
             </a:fld>
             <a:endParaRPr lang="en-US"/>
           </a:p>
@@ -2574,7 +2575,7 @@
           <a:p>
             <a:fld id="{2D85E8BA-DC60-4B90-B41C-2E99493F9ADA}" type="datetimeFigureOut">
               <a:rPr lang="en-US" smtClean="0"/>
-              <a:t>12/21/2021</a:t>
+              <a:t>1/4/2022</a:t>
             </a:fld>
             <a:endParaRPr lang="en-US"/>
           </a:p>
@@ -3052,6 +3053,2827 @@
 </p:sld>
 </file>
 
+<file path=ppt/slides/slide10.xml><?xml version="1.0" encoding="utf-8"?>
+<p:sld xmlns:a="http://schemas.openxmlformats.org/drawingml/2006/main" xmlns:r="http://schemas.openxmlformats.org/officeDocument/2006/relationships" xmlns:p="http://schemas.openxmlformats.org/presentationml/2006/main">
+  <p:cSld>
+    <p:bg>
+      <p:bgPr>
+        <a:solidFill>
+          <a:schemeClr val="bg1"/>
+        </a:solidFill>
+        <a:effectLst/>
+      </p:bgPr>
+    </p:bg>
+    <p:spTree>
+      <p:nvGrpSpPr>
+        <p:cNvPr id="1" name=""/>
+        <p:cNvGrpSpPr/>
+        <p:nvPr/>
+      </p:nvGrpSpPr>
+      <p:grpSpPr>
+        <a:xfrm>
+          <a:off x="0" y="0"/>
+          <a:ext cx="0" cy="0"/>
+          <a:chOff x="0" y="0"/>
+          <a:chExt cx="0" cy="0"/>
+        </a:xfrm>
+      </p:grpSpPr>
+      <p:graphicFrame>
+        <p:nvGraphicFramePr>
+          <p:cNvPr id="11" name="Table 5">
+            <a:extLst>
+              <a:ext uri="{FF2B5EF4-FFF2-40B4-BE49-F238E27FC236}">
+                <a16:creationId xmlns:a16="http://schemas.microsoft.com/office/drawing/2014/main" id="{92F052BF-6959-41B9-9BC5-FA02E366F2FF}"/>
+              </a:ext>
+            </a:extLst>
+          </p:cNvPr>
+          <p:cNvGraphicFramePr>
+            <a:graphicFrameLocks noGrp="1"/>
+          </p:cNvGraphicFramePr>
+          <p:nvPr>
+            <p:extLst>
+              <p:ext uri="{D42A27DB-BD31-4B8C-83A1-F6EECF244321}">
+                <p14:modId xmlns:p14="http://schemas.microsoft.com/office/powerpoint/2010/main" val="1584652688"/>
+              </p:ext>
+            </p:extLst>
+          </p:nvPr>
+        </p:nvGraphicFramePr>
+        <p:xfrm>
+          <a:off x="2355917" y="725543"/>
+          <a:ext cx="6396354" cy="3389257"/>
+        </p:xfrm>
+        <a:graphic>
+          <a:graphicData uri="http://schemas.openxmlformats.org/drawingml/2006/table">
+            <a:tbl>
+              <a:tblPr firstRow="1" bandRow="1">
+                <a:tableStyleId>{5940675A-B579-460E-94D1-54222C63F5DA}</a:tableStyleId>
+              </a:tblPr>
+              <a:tblGrid>
+                <a:gridCol w="1049892">
+                  <a:extLst>
+                    <a:ext uri="{9D8B030D-6E8A-4147-A177-3AD203B41FA5}">
+                      <a16:colId xmlns:a16="http://schemas.microsoft.com/office/drawing/2014/main" val="1421736610"/>
+                    </a:ext>
+                  </a:extLst>
+                </a:gridCol>
+                <a:gridCol w="623266">
+                  <a:extLst>
+                    <a:ext uri="{9D8B030D-6E8A-4147-A177-3AD203B41FA5}">
+                      <a16:colId xmlns:a16="http://schemas.microsoft.com/office/drawing/2014/main" val="681753983"/>
+                    </a:ext>
+                  </a:extLst>
+                </a:gridCol>
+                <a:gridCol w="733425">
+                  <a:extLst>
+                    <a:ext uri="{9D8B030D-6E8A-4147-A177-3AD203B41FA5}">
+                      <a16:colId xmlns:a16="http://schemas.microsoft.com/office/drawing/2014/main" val="3987651946"/>
+                    </a:ext>
+                  </a:extLst>
+                </a:gridCol>
+                <a:gridCol w="619125">
+                  <a:extLst>
+                    <a:ext uri="{9D8B030D-6E8A-4147-A177-3AD203B41FA5}">
+                      <a16:colId xmlns:a16="http://schemas.microsoft.com/office/drawing/2014/main" val="2079389327"/>
+                    </a:ext>
+                  </a:extLst>
+                </a:gridCol>
+                <a:gridCol w="561975">
+                  <a:extLst>
+                    <a:ext uri="{9D8B030D-6E8A-4147-A177-3AD203B41FA5}">
+                      <a16:colId xmlns:a16="http://schemas.microsoft.com/office/drawing/2014/main" val="3999926101"/>
+                    </a:ext>
+                  </a:extLst>
+                </a:gridCol>
+                <a:gridCol w="1104900">
+                  <a:extLst>
+                    <a:ext uri="{9D8B030D-6E8A-4147-A177-3AD203B41FA5}">
+                      <a16:colId xmlns:a16="http://schemas.microsoft.com/office/drawing/2014/main" val="2070419771"/>
+                    </a:ext>
+                  </a:extLst>
+                </a:gridCol>
+                <a:gridCol w="581025">
+                  <a:extLst>
+                    <a:ext uri="{9D8B030D-6E8A-4147-A177-3AD203B41FA5}">
+                      <a16:colId xmlns:a16="http://schemas.microsoft.com/office/drawing/2014/main" val="2729133281"/>
+                    </a:ext>
+                  </a:extLst>
+                </a:gridCol>
+                <a:gridCol w="1122746">
+                  <a:extLst>
+                    <a:ext uri="{9D8B030D-6E8A-4147-A177-3AD203B41FA5}">
+                      <a16:colId xmlns:a16="http://schemas.microsoft.com/office/drawing/2014/main" val="824292193"/>
+                    </a:ext>
+                  </a:extLst>
+                </a:gridCol>
+              </a:tblGrid>
+              <a:tr h="0">
+                <a:tc gridSpan="8">
+                  <a:txBody>
+                    <a:bodyPr/>
+                    <a:lstStyle/>
+                    <a:p>
+                      <a:pPr algn="ctr"/>
+                      <a:r>
+                        <a:rPr lang="en-US" sz="1500" b="1" i="1" dirty="0">
+                          <a:solidFill>
+                            <a:schemeClr val="bg1"/>
+                          </a:solidFill>
+                        </a:rPr>
+                        <a:t>Liver Microsomal Clearance</a:t>
+                      </a:r>
+                    </a:p>
+                  </a:txBody>
+                  <a:tcPr anchor="ctr">
+                    <a:solidFill>
+                      <a:schemeClr val="tx1"/>
+                    </a:solidFill>
+                  </a:tcPr>
+                </a:tc>
+                <a:tc hMerge="1">
+                  <a:txBody>
+                    <a:bodyPr/>
+                    <a:lstStyle/>
+                    <a:p>
+                      <a:endParaRPr lang="en-US"/>
+                    </a:p>
+                  </a:txBody>
+                  <a:tcPr/>
+                </a:tc>
+                <a:tc hMerge="1">
+                  <a:txBody>
+                    <a:bodyPr/>
+                    <a:lstStyle/>
+                    <a:p>
+                      <a:pPr algn="ctr"/>
+                      <a:endParaRPr lang="en-US" sz="1200" dirty="0"/>
+                    </a:p>
+                    <a:p>
+                      <a:pPr algn="ctr"/>
+                      <a:r>
+                        <a:rPr lang="en-US" sz="1500" i="1" dirty="0"/>
+                        <a:t>N-</a:t>
+                      </a:r>
+                      <a:r>
+                        <a:rPr lang="en-US" sz="1500" i="1" dirty="0" err="1"/>
+                        <a:t>Alkylations</a:t>
+                      </a:r>
+                      <a:endParaRPr lang="en-US" sz="1500" i="1" dirty="0"/>
+                    </a:p>
+                    <a:p>
+                      <a:pPr algn="ctr"/>
+                      <a:endParaRPr lang="en-US" sz="1200" dirty="0"/>
+                    </a:p>
+                  </a:txBody>
+                  <a:tcPr anchor="ctr"/>
+                </a:tc>
+                <a:tc hMerge="1">
+                  <a:txBody>
+                    <a:bodyPr/>
+                    <a:lstStyle/>
+                    <a:p>
+                      <a:pPr algn="ctr"/>
+                      <a:endParaRPr lang="en-US" sz="1200" dirty="0"/>
+                    </a:p>
+                  </a:txBody>
+                  <a:tcPr anchor="ctr"/>
+                </a:tc>
+                <a:tc hMerge="1">
+                  <a:txBody>
+                    <a:bodyPr/>
+                    <a:lstStyle/>
+                    <a:p>
+                      <a:endParaRPr lang="en-US" dirty="0"/>
+                    </a:p>
+                  </a:txBody>
+                  <a:tcPr/>
+                </a:tc>
+                <a:tc hMerge="1">
+                  <a:txBody>
+                    <a:bodyPr/>
+                    <a:lstStyle/>
+                    <a:p>
+                      <a:endParaRPr lang="en-US" dirty="0"/>
+                    </a:p>
+                  </a:txBody>
+                  <a:tcPr/>
+                </a:tc>
+                <a:tc hMerge="1">
+                  <a:txBody>
+                    <a:bodyPr/>
+                    <a:lstStyle/>
+                    <a:p>
+                      <a:endParaRPr lang="en-US"/>
+                    </a:p>
+                  </a:txBody>
+                  <a:tcPr/>
+                </a:tc>
+                <a:tc hMerge="1">
+                  <a:txBody>
+                    <a:bodyPr/>
+                    <a:lstStyle/>
+                    <a:p>
+                      <a:endParaRPr lang="en-US" dirty="0"/>
+                    </a:p>
+                  </a:txBody>
+                  <a:tcPr/>
+                </a:tc>
+                <a:extLst>
+                  <a:ext uri="{0D108BD9-81ED-4DB2-BD59-A6C34878D82A}">
+                    <a16:rowId xmlns:a16="http://schemas.microsoft.com/office/drawing/2014/main" val="3457993687"/>
+                  </a:ext>
+                </a:extLst>
+              </a:tr>
+              <a:tr h="326017">
+                <a:tc rowSpan="2">
+                  <a:txBody>
+                    <a:bodyPr/>
+                    <a:lstStyle/>
+                    <a:p>
+                      <a:pPr algn="ctr"/>
+                      <a:endParaRPr lang="en-US" sz="1200" b="1" dirty="0"/>
+                    </a:p>
+                  </a:txBody>
+                  <a:tcPr anchor="ctr">
+                    <a:noFill/>
+                  </a:tcPr>
+                </a:tc>
+                <a:tc rowSpan="2">
+                  <a:txBody>
+                    <a:bodyPr/>
+                    <a:lstStyle/>
+                    <a:p>
+                      <a:pPr algn="ctr"/>
+                      <a:r>
+                        <a:rPr lang="en-US" sz="1200" b="1" dirty="0">
+                          <a:solidFill>
+                            <a:schemeClr val="tx1"/>
+                          </a:solidFill>
+                        </a:rPr>
+                        <a:t>OSA ID</a:t>
+                      </a:r>
+                    </a:p>
+                  </a:txBody>
+                  <a:tcPr anchor="ctr">
+                    <a:solidFill>
+                      <a:schemeClr val="bg2"/>
+                    </a:solidFill>
+                  </a:tcPr>
+                </a:tc>
+                <a:tc rowSpan="2">
+                  <a:txBody>
+                    <a:bodyPr/>
+                    <a:lstStyle/>
+                    <a:p>
+                      <a:pPr algn="ctr"/>
+                      <a:r>
+                        <a:rPr lang="en-US" sz="1200" b="1" dirty="0">
+                          <a:solidFill>
+                            <a:schemeClr val="tx1"/>
+                          </a:solidFill>
+                        </a:rPr>
+                        <a:t>R</a:t>
+                      </a:r>
+                    </a:p>
+                  </a:txBody>
+                  <a:tcPr anchor="ctr">
+                    <a:solidFill>
+                      <a:schemeClr val="bg2"/>
+                    </a:solidFill>
+                  </a:tcPr>
+                </a:tc>
+                <a:tc rowSpan="2">
+                  <a:txBody>
+                    <a:bodyPr/>
+                    <a:lstStyle/>
+                    <a:p>
+                      <a:pPr algn="ctr"/>
+                      <a:r>
+                        <a:rPr lang="en-US" sz="1200" b="1" dirty="0">
+                          <a:solidFill>
+                            <a:schemeClr val="tx1"/>
+                          </a:solidFill>
+                        </a:rPr>
+                        <a:t>MRSA MIC</a:t>
+                      </a:r>
+                    </a:p>
+                  </a:txBody>
+                  <a:tcPr anchor="ctr">
+                    <a:solidFill>
+                      <a:schemeClr val="bg2"/>
+                    </a:solidFill>
+                  </a:tcPr>
+                </a:tc>
+                <a:tc gridSpan="2">
+                  <a:txBody>
+                    <a:bodyPr/>
+                    <a:lstStyle/>
+                    <a:p>
+                      <a:pPr algn="ctr"/>
+                      <a:r>
+                        <a:rPr lang="en-US" sz="1200" b="1">
+                          <a:solidFill>
+                            <a:schemeClr val="tx1"/>
+                          </a:solidFill>
+                        </a:rPr>
+                        <a:t>HLM</a:t>
+                      </a:r>
+                      <a:endParaRPr lang="en-US" sz="1200" b="1" dirty="0">
+                        <a:solidFill>
+                          <a:schemeClr val="tx1"/>
+                        </a:solidFill>
+                      </a:endParaRPr>
+                    </a:p>
+                  </a:txBody>
+                  <a:tcPr anchor="ctr">
+                    <a:solidFill>
+                      <a:schemeClr val="bg2"/>
+                    </a:solidFill>
+                  </a:tcPr>
+                </a:tc>
+                <a:tc hMerge="1">
+                  <a:txBody>
+                    <a:bodyPr/>
+                    <a:lstStyle/>
+                    <a:p>
+                      <a:pPr algn="ctr"/>
+                      <a:endParaRPr lang="en-US" sz="1200" b="1" dirty="0">
+                        <a:solidFill>
+                          <a:schemeClr val="tx1"/>
+                        </a:solidFill>
+                      </a:endParaRPr>
+                    </a:p>
+                  </a:txBody>
+                  <a:tcPr anchor="ctr">
+                    <a:solidFill>
+                      <a:schemeClr val="bg2"/>
+                    </a:solidFill>
+                  </a:tcPr>
+                </a:tc>
+                <a:tc gridSpan="2">
+                  <a:txBody>
+                    <a:bodyPr/>
+                    <a:lstStyle/>
+                    <a:p>
+                      <a:pPr algn="ctr"/>
+                      <a:r>
+                        <a:rPr lang="en-US" sz="1200" b="1" dirty="0">
+                          <a:solidFill>
+                            <a:schemeClr val="tx1"/>
+                          </a:solidFill>
+                        </a:rPr>
+                        <a:t>RLM</a:t>
+                      </a:r>
+                    </a:p>
+                  </a:txBody>
+                  <a:tcPr anchor="ctr">
+                    <a:solidFill>
+                      <a:schemeClr val="bg2"/>
+                    </a:solidFill>
+                  </a:tcPr>
+                </a:tc>
+                <a:tc hMerge="1">
+                  <a:txBody>
+                    <a:bodyPr/>
+                    <a:lstStyle/>
+                    <a:p>
+                      <a:pPr algn="ctr"/>
+                      <a:endParaRPr lang="en-US" sz="1200" b="1" dirty="0">
+                        <a:solidFill>
+                          <a:schemeClr val="tx1"/>
+                        </a:solidFill>
+                      </a:endParaRPr>
+                    </a:p>
+                  </a:txBody>
+                  <a:tcPr anchor="ctr">
+                    <a:solidFill>
+                      <a:schemeClr val="bg2"/>
+                    </a:solidFill>
+                  </a:tcPr>
+                </a:tc>
+                <a:extLst>
+                  <a:ext uri="{0D108BD9-81ED-4DB2-BD59-A6C34878D82A}">
+                    <a16:rowId xmlns:a16="http://schemas.microsoft.com/office/drawing/2014/main" val="3910773856"/>
+                  </a:ext>
+                </a:extLst>
+              </a:tr>
+              <a:tr h="326017">
+                <a:tc vMerge="1">
+                  <a:txBody>
+                    <a:bodyPr/>
+                    <a:lstStyle/>
+                    <a:p>
+                      <a:pPr algn="ctr"/>
+                      <a:endParaRPr lang="en-US" sz="1200" b="1" dirty="0"/>
+                    </a:p>
+                  </a:txBody>
+                  <a:tcPr anchor="ctr">
+                    <a:noFill/>
+                  </a:tcPr>
+                </a:tc>
+                <a:tc vMerge="1">
+                  <a:txBody>
+                    <a:bodyPr/>
+                    <a:lstStyle/>
+                    <a:p>
+                      <a:pPr algn="ctr"/>
+                      <a:endParaRPr lang="en-US" sz="1200" b="1" dirty="0">
+                        <a:solidFill>
+                          <a:schemeClr val="tx1"/>
+                        </a:solidFill>
+                      </a:endParaRPr>
+                    </a:p>
+                  </a:txBody>
+                  <a:tcPr anchor="ctr"/>
+                </a:tc>
+                <a:tc vMerge="1">
+                  <a:txBody>
+                    <a:bodyPr/>
+                    <a:lstStyle/>
+                    <a:p>
+                      <a:pPr algn="ctr"/>
+                      <a:r>
+                        <a:rPr lang="en-US" sz="1200" b="1" dirty="0">
+                          <a:solidFill>
+                            <a:schemeClr val="tx1"/>
+                          </a:solidFill>
+                        </a:rPr>
+                        <a:t>OSA ID</a:t>
+                      </a:r>
+                    </a:p>
+                  </a:txBody>
+                  <a:tcPr anchor="ctr">
+                    <a:solidFill>
+                      <a:schemeClr val="bg2"/>
+                    </a:solidFill>
+                  </a:tcPr>
+                </a:tc>
+                <a:tc vMerge="1">
+                  <a:txBody>
+                    <a:bodyPr/>
+                    <a:lstStyle/>
+                    <a:p>
+                      <a:pPr algn="ctr"/>
+                      <a:endParaRPr lang="en-US" sz="1200" b="1" dirty="0">
+                        <a:solidFill>
+                          <a:schemeClr val="tx1"/>
+                        </a:solidFill>
+                      </a:endParaRPr>
+                    </a:p>
+                  </a:txBody>
+                  <a:tcPr anchor="ctr">
+                    <a:solidFill>
+                      <a:schemeClr val="bg2"/>
+                    </a:solidFill>
+                  </a:tcPr>
+                </a:tc>
+                <a:tc>
+                  <a:txBody>
+                    <a:bodyPr/>
+                    <a:lstStyle/>
+                    <a:p>
+                      <a:pPr algn="ctr"/>
+                      <a:r>
+                        <a:rPr lang="en-US" sz="1200" b="1" dirty="0">
+                          <a:solidFill>
+                            <a:schemeClr val="tx1"/>
+                          </a:solidFill>
+                        </a:rPr>
+                        <a:t>t</a:t>
+                      </a:r>
+                      <a:r>
+                        <a:rPr lang="en-US" sz="1200" b="1" baseline="-25000" dirty="0">
+                          <a:solidFill>
+                            <a:schemeClr val="tx1"/>
+                          </a:solidFill>
+                        </a:rPr>
+                        <a:t>1/2</a:t>
+                      </a:r>
+                      <a:r>
+                        <a:rPr lang="en-US" sz="1200" b="1" dirty="0">
+                          <a:solidFill>
+                            <a:schemeClr val="tx1"/>
+                          </a:solidFill>
+                        </a:rPr>
+                        <a:t> (min)</a:t>
+                      </a:r>
+                    </a:p>
+                  </a:txBody>
+                  <a:tcPr anchor="ctr">
+                    <a:solidFill>
+                      <a:schemeClr val="bg2"/>
+                    </a:solidFill>
+                  </a:tcPr>
+                </a:tc>
+                <a:tc>
+                  <a:txBody>
+                    <a:bodyPr/>
+                    <a:lstStyle/>
+                    <a:p>
+                      <a:pPr algn="ctr"/>
+                      <a:r>
+                        <a:rPr lang="en-US" sz="1200" b="1" dirty="0">
+                          <a:solidFill>
+                            <a:schemeClr val="tx1"/>
+                          </a:solidFill>
+                        </a:rPr>
+                        <a:t>Cl</a:t>
+                      </a:r>
+                      <a:r>
+                        <a:rPr lang="en-US" sz="1200" b="1" baseline="-25000" dirty="0">
+                          <a:solidFill>
+                            <a:schemeClr val="tx1"/>
+                          </a:solidFill>
+                        </a:rPr>
+                        <a:t>int</a:t>
+                      </a:r>
+                      <a:r>
+                        <a:rPr lang="en-US" sz="1200" b="1" dirty="0">
+                          <a:solidFill>
+                            <a:schemeClr val="tx1"/>
+                          </a:solidFill>
+                        </a:rPr>
+                        <a:t> (</a:t>
+                      </a:r>
+                      <a:r>
+                        <a:rPr lang="el-GR" sz="1200" b="1" dirty="0">
+                          <a:solidFill>
+                            <a:schemeClr val="tx1"/>
+                          </a:solidFill>
+                        </a:rPr>
+                        <a:t>μ</a:t>
+                      </a:r>
+                      <a:r>
+                        <a:rPr lang="en-US" sz="1200" b="1" dirty="0">
+                          <a:solidFill>
+                            <a:schemeClr val="tx1"/>
+                          </a:solidFill>
+                        </a:rPr>
+                        <a:t>L/min/mg)</a:t>
+                      </a:r>
+                    </a:p>
+                  </a:txBody>
+                  <a:tcPr anchor="ctr">
+                    <a:solidFill>
+                      <a:schemeClr val="bg2"/>
+                    </a:solidFill>
+                  </a:tcPr>
+                </a:tc>
+                <a:tc>
+                  <a:txBody>
+                    <a:bodyPr/>
+                    <a:lstStyle/>
+                    <a:p>
+                      <a:pPr algn="ctr"/>
+                      <a:r>
+                        <a:rPr lang="en-US" sz="1200" b="1" dirty="0">
+                          <a:solidFill>
+                            <a:schemeClr val="tx1"/>
+                          </a:solidFill>
+                        </a:rPr>
+                        <a:t>t</a:t>
+                      </a:r>
+                      <a:r>
+                        <a:rPr lang="en-US" sz="1200" b="1" baseline="-25000" dirty="0">
+                          <a:solidFill>
+                            <a:schemeClr val="tx1"/>
+                          </a:solidFill>
+                        </a:rPr>
+                        <a:t>1/2</a:t>
+                      </a:r>
+                      <a:r>
+                        <a:rPr lang="en-US" sz="1200" b="1" dirty="0">
+                          <a:solidFill>
+                            <a:schemeClr val="tx1"/>
+                          </a:solidFill>
+                        </a:rPr>
+                        <a:t> (min)</a:t>
+                      </a:r>
+                    </a:p>
+                  </a:txBody>
+                  <a:tcPr anchor="ctr">
+                    <a:solidFill>
+                      <a:schemeClr val="bg2"/>
+                    </a:solidFill>
+                  </a:tcPr>
+                </a:tc>
+                <a:tc>
+                  <a:txBody>
+                    <a:bodyPr/>
+                    <a:lstStyle/>
+                    <a:p>
+                      <a:pPr algn="ctr"/>
+                      <a:r>
+                        <a:rPr lang="en-US" sz="1200" b="1" dirty="0">
+                          <a:solidFill>
+                            <a:schemeClr val="tx1"/>
+                          </a:solidFill>
+                        </a:rPr>
+                        <a:t>Cl</a:t>
+                      </a:r>
+                      <a:r>
+                        <a:rPr lang="en-US" sz="1200" b="1" baseline="-25000" dirty="0">
+                          <a:solidFill>
+                            <a:schemeClr val="tx1"/>
+                          </a:solidFill>
+                        </a:rPr>
+                        <a:t>int</a:t>
+                      </a:r>
+                      <a:r>
+                        <a:rPr lang="en-US" sz="1200" b="1" dirty="0">
+                          <a:solidFill>
+                            <a:schemeClr val="tx1"/>
+                          </a:solidFill>
+                        </a:rPr>
+                        <a:t> (</a:t>
+                      </a:r>
+                      <a:r>
+                        <a:rPr lang="el-GR" sz="1200" b="1" dirty="0">
+                          <a:solidFill>
+                            <a:schemeClr val="tx1"/>
+                          </a:solidFill>
+                        </a:rPr>
+                        <a:t>μ</a:t>
+                      </a:r>
+                      <a:r>
+                        <a:rPr lang="en-US" sz="1200" b="1" dirty="0">
+                          <a:solidFill>
+                            <a:schemeClr val="tx1"/>
+                          </a:solidFill>
+                        </a:rPr>
+                        <a:t>L/min/mg)</a:t>
+                      </a:r>
+                    </a:p>
+                  </a:txBody>
+                  <a:tcPr anchor="ctr">
+                    <a:solidFill>
+                      <a:schemeClr val="bg2"/>
+                    </a:solidFill>
+                  </a:tcPr>
+                </a:tc>
+                <a:extLst>
+                  <a:ext uri="{0D108BD9-81ED-4DB2-BD59-A6C34878D82A}">
+                    <a16:rowId xmlns:a16="http://schemas.microsoft.com/office/drawing/2014/main" val="3592453121"/>
+                  </a:ext>
+                </a:extLst>
+              </a:tr>
+              <a:tr h="457200">
+                <a:tc rowSpan="3">
+                  <a:txBody>
+                    <a:bodyPr/>
+                    <a:lstStyle/>
+                    <a:p>
+                      <a:pPr algn="ctr"/>
+                      <a:endParaRPr lang="en-US" sz="1200" dirty="0"/>
+                    </a:p>
+                  </a:txBody>
+                  <a:tcPr anchor="ctr">
+                    <a:noFill/>
+                  </a:tcPr>
+                </a:tc>
+                <a:tc>
+                  <a:txBody>
+                    <a:bodyPr/>
+                    <a:lstStyle/>
+                    <a:p>
+                      <a:pPr algn="ctr"/>
+                      <a:r>
+                        <a:rPr lang="en-US" sz="1200" b="1" dirty="0"/>
+                        <a:t>812</a:t>
+                      </a:r>
+                    </a:p>
+                  </a:txBody>
+                  <a:tcPr anchor="ctr"/>
+                </a:tc>
+                <a:tc>
+                  <a:txBody>
+                    <a:bodyPr/>
+                    <a:lstStyle/>
+                    <a:p>
+                      <a:pPr algn="ctr"/>
+                      <a:endParaRPr lang="en-US" sz="1200" b="1" dirty="0"/>
+                    </a:p>
+                  </a:txBody>
+                  <a:tcPr anchor="ctr"/>
+                </a:tc>
+                <a:tc>
+                  <a:txBody>
+                    <a:bodyPr/>
+                    <a:lstStyle/>
+                    <a:p>
+                      <a:pPr algn="ctr"/>
+                      <a:r>
+                        <a:rPr lang="en-US" sz="1200" dirty="0"/>
+                        <a:t>32</a:t>
+                      </a:r>
+                    </a:p>
+                  </a:txBody>
+                  <a:tcPr anchor="ctr"/>
+                </a:tc>
+                <a:tc>
+                  <a:txBody>
+                    <a:bodyPr/>
+                    <a:lstStyle/>
+                    <a:p>
+                      <a:pPr algn="ctr"/>
+                      <a:r>
+                        <a:rPr lang="en-US" sz="1200" baseline="0" dirty="0"/>
+                        <a:t>62</a:t>
+                      </a:r>
+                    </a:p>
+                  </a:txBody>
+                  <a:tcPr anchor="ctr"/>
+                </a:tc>
+                <a:tc>
+                  <a:txBody>
+                    <a:bodyPr/>
+                    <a:lstStyle/>
+                    <a:p>
+                      <a:pPr algn="ctr"/>
+                      <a:r>
+                        <a:rPr lang="en-US" sz="1200" dirty="0"/>
+                        <a:t>28</a:t>
+                      </a:r>
+                    </a:p>
+                  </a:txBody>
+                  <a:tcPr anchor="ctr"/>
+                </a:tc>
+                <a:tc>
+                  <a:txBody>
+                    <a:bodyPr/>
+                    <a:lstStyle/>
+                    <a:p>
+                      <a:pPr algn="ctr"/>
+                      <a:r>
+                        <a:rPr lang="en-US" sz="1200" dirty="0"/>
+                        <a:t>29</a:t>
+                      </a:r>
+                    </a:p>
+                  </a:txBody>
+                  <a:tcPr anchor="ctr"/>
+                </a:tc>
+                <a:tc>
+                  <a:txBody>
+                    <a:bodyPr/>
+                    <a:lstStyle/>
+                    <a:p>
+                      <a:pPr algn="ctr"/>
+                      <a:r>
+                        <a:rPr lang="en-US" sz="1200" dirty="0"/>
+                        <a:t>59</a:t>
+                      </a:r>
+                    </a:p>
+                  </a:txBody>
+                  <a:tcPr anchor="ctr">
+                    <a:noFill/>
+                  </a:tcPr>
+                </a:tc>
+                <a:extLst>
+                  <a:ext uri="{0D108BD9-81ED-4DB2-BD59-A6C34878D82A}">
+                    <a16:rowId xmlns:a16="http://schemas.microsoft.com/office/drawing/2014/main" val="618293062"/>
+                  </a:ext>
+                </a:extLst>
+              </a:tr>
+              <a:tr h="457200">
+                <a:tc vMerge="1">
+                  <a:txBody>
+                    <a:bodyPr/>
+                    <a:lstStyle/>
+                    <a:p>
+                      <a:pPr algn="ctr"/>
+                      <a:endParaRPr lang="en-US" sz="1200" dirty="0"/>
+                    </a:p>
+                  </a:txBody>
+                  <a:tcPr anchor="ctr"/>
+                </a:tc>
+                <a:tc>
+                  <a:txBody>
+                    <a:bodyPr/>
+                    <a:lstStyle/>
+                    <a:p>
+                      <a:pPr algn="ctr"/>
+                      <a:r>
+                        <a:rPr lang="en-US" sz="1200" b="1" dirty="0"/>
+                        <a:t>821</a:t>
+                      </a:r>
+                    </a:p>
+                  </a:txBody>
+                  <a:tcPr anchor="ctr">
+                    <a:lnB w="12700" cap="flat" cmpd="sng" algn="ctr">
+                      <a:solidFill>
+                        <a:schemeClr val="tx1"/>
+                      </a:solidFill>
+                      <a:prstDash val="solid"/>
+                      <a:round/>
+                      <a:headEnd type="none" w="med" len="med"/>
+                      <a:tailEnd type="none" w="med" len="med"/>
+                    </a:lnB>
+                  </a:tcPr>
+                </a:tc>
+                <a:tc>
+                  <a:txBody>
+                    <a:bodyPr/>
+                    <a:lstStyle/>
+                    <a:p>
+                      <a:pPr algn="ctr"/>
+                      <a:endParaRPr lang="en-US" sz="1200" b="1" dirty="0"/>
+                    </a:p>
+                  </a:txBody>
+                  <a:tcPr anchor="ctr">
+                    <a:lnB w="12700" cap="flat" cmpd="sng" algn="ctr">
+                      <a:solidFill>
+                        <a:schemeClr val="tx1"/>
+                      </a:solidFill>
+                      <a:prstDash val="solid"/>
+                      <a:round/>
+                      <a:headEnd type="none" w="med" len="med"/>
+                      <a:tailEnd type="none" w="med" len="med"/>
+                    </a:lnB>
+                  </a:tcPr>
+                </a:tc>
+                <a:tc>
+                  <a:txBody>
+                    <a:bodyPr/>
+                    <a:lstStyle/>
+                    <a:p>
+                      <a:pPr algn="ctr"/>
+                      <a:r>
+                        <a:rPr lang="en-US" sz="1200" dirty="0"/>
+                        <a:t>4</a:t>
+                      </a:r>
+                    </a:p>
+                  </a:txBody>
+                  <a:tcPr anchor="ctr">
+                    <a:lnB w="12700" cap="flat" cmpd="sng" algn="ctr">
+                      <a:solidFill>
+                        <a:schemeClr val="tx1"/>
+                      </a:solidFill>
+                      <a:prstDash val="solid"/>
+                      <a:round/>
+                      <a:headEnd type="none" w="med" len="med"/>
+                      <a:tailEnd type="none" w="med" len="med"/>
+                    </a:lnB>
+                  </a:tcPr>
+                </a:tc>
+                <a:tc>
+                  <a:txBody>
+                    <a:bodyPr/>
+                    <a:lstStyle/>
+                    <a:p>
+                      <a:pPr algn="ctr"/>
+                      <a:r>
+                        <a:rPr lang="en-US" sz="1200" baseline="0" dirty="0"/>
+                        <a:t>34</a:t>
+                      </a:r>
+                    </a:p>
+                  </a:txBody>
+                  <a:tcPr anchor="ctr">
+                    <a:lnB w="12700" cap="flat" cmpd="sng" algn="ctr">
+                      <a:solidFill>
+                        <a:schemeClr val="tx1"/>
+                      </a:solidFill>
+                      <a:prstDash val="solid"/>
+                      <a:round/>
+                      <a:headEnd type="none" w="med" len="med"/>
+                      <a:tailEnd type="none" w="med" len="med"/>
+                    </a:lnB>
+                  </a:tcPr>
+                </a:tc>
+                <a:tc>
+                  <a:txBody>
+                    <a:bodyPr/>
+                    <a:lstStyle/>
+                    <a:p>
+                      <a:pPr algn="ctr"/>
+                      <a:r>
+                        <a:rPr lang="en-US" sz="1200" dirty="0"/>
+                        <a:t>51</a:t>
+                      </a:r>
+                    </a:p>
+                  </a:txBody>
+                  <a:tcPr anchor="ctr">
+                    <a:lnB w="12700" cap="flat" cmpd="sng" algn="ctr">
+                      <a:solidFill>
+                        <a:schemeClr val="tx1"/>
+                      </a:solidFill>
+                      <a:prstDash val="solid"/>
+                      <a:round/>
+                      <a:headEnd type="none" w="med" len="med"/>
+                      <a:tailEnd type="none" w="med" len="med"/>
+                    </a:lnB>
+                  </a:tcPr>
+                </a:tc>
+                <a:tc>
+                  <a:txBody>
+                    <a:bodyPr/>
+                    <a:lstStyle/>
+                    <a:p>
+                      <a:pPr algn="ctr"/>
+                      <a:r>
+                        <a:rPr lang="en-US" sz="1200" dirty="0"/>
+                        <a:t>27</a:t>
+                      </a:r>
+                    </a:p>
+                  </a:txBody>
+                  <a:tcPr anchor="ctr">
+                    <a:lnB w="12700" cap="flat" cmpd="sng" algn="ctr">
+                      <a:solidFill>
+                        <a:schemeClr val="tx1"/>
+                      </a:solidFill>
+                      <a:prstDash val="solid"/>
+                      <a:round/>
+                      <a:headEnd type="none" w="med" len="med"/>
+                      <a:tailEnd type="none" w="med" len="med"/>
+                    </a:lnB>
+                  </a:tcPr>
+                </a:tc>
+                <a:tc>
+                  <a:txBody>
+                    <a:bodyPr/>
+                    <a:lstStyle/>
+                    <a:p>
+                      <a:pPr algn="ctr"/>
+                      <a:r>
+                        <a:rPr lang="en-US" sz="1200" dirty="0"/>
+                        <a:t>72</a:t>
+                      </a:r>
+                    </a:p>
+                  </a:txBody>
+                  <a:tcPr anchor="ctr">
+                    <a:lnB w="12700" cap="flat" cmpd="sng" algn="ctr">
+                      <a:solidFill>
+                        <a:schemeClr val="tx1"/>
+                      </a:solidFill>
+                      <a:prstDash val="solid"/>
+                      <a:round/>
+                      <a:headEnd type="none" w="med" len="med"/>
+                      <a:tailEnd type="none" w="med" len="med"/>
+                    </a:lnB>
+                    <a:noFill/>
+                  </a:tcPr>
+                </a:tc>
+                <a:extLst>
+                  <a:ext uri="{0D108BD9-81ED-4DB2-BD59-A6C34878D82A}">
+                    <a16:rowId xmlns:a16="http://schemas.microsoft.com/office/drawing/2014/main" val="3668719358"/>
+                  </a:ext>
+                </a:extLst>
+              </a:tr>
+              <a:tr h="457200">
+                <a:tc vMerge="1">
+                  <a:txBody>
+                    <a:bodyPr/>
+                    <a:lstStyle/>
+                    <a:p>
+                      <a:pPr algn="ctr"/>
+                      <a:endParaRPr lang="en-US" sz="1200" dirty="0"/>
+                    </a:p>
+                  </a:txBody>
+                  <a:tcPr anchor="ctr"/>
+                </a:tc>
+                <a:tc>
+                  <a:txBody>
+                    <a:bodyPr/>
+                    <a:lstStyle/>
+                    <a:p>
+                      <a:pPr algn="ctr"/>
+                      <a:r>
+                        <a:rPr lang="en-US" sz="1200" b="1" dirty="0"/>
+                        <a:t>822</a:t>
+                      </a:r>
+                    </a:p>
+                  </a:txBody>
+                  <a:tcPr anchor="ctr">
+                    <a:lnL w="12700" cap="flat" cmpd="sng" algn="ctr">
+                      <a:solidFill>
+                        <a:schemeClr val="tx1"/>
+                      </a:solidFill>
+                      <a:prstDash val="solid"/>
+                      <a:round/>
+                      <a:headEnd type="none" w="med" len="med"/>
+                      <a:tailEnd type="none" w="med" len="med"/>
+                    </a:lnL>
+                    <a:lnR w="12700" cap="flat" cmpd="sng" algn="ctr">
+                      <a:solidFill>
+                        <a:schemeClr val="tx1"/>
+                      </a:solidFill>
+                      <a:prstDash val="solid"/>
+                      <a:round/>
+                      <a:headEnd type="none" w="med" len="med"/>
+                      <a:tailEnd type="none" w="med" len="med"/>
+                    </a:lnR>
+                    <a:lnT w="12700" cap="flat" cmpd="sng" algn="ctr">
+                      <a:solidFill>
+                        <a:schemeClr val="tx1"/>
+                      </a:solidFill>
+                      <a:prstDash val="solid"/>
+                      <a:round/>
+                      <a:headEnd type="none" w="med" len="med"/>
+                      <a:tailEnd type="none" w="med" len="med"/>
+                    </a:lnT>
+                    <a:lnB w="12700" cap="flat" cmpd="sng" algn="ctr">
+                      <a:solidFill>
+                        <a:schemeClr val="tx1"/>
+                      </a:solidFill>
+                      <a:prstDash val="solid"/>
+                      <a:round/>
+                      <a:headEnd type="none" w="med" len="med"/>
+                      <a:tailEnd type="none" w="med" len="med"/>
+                    </a:lnB>
+                    <a:lnTlToBr w="12700" cmpd="sng">
+                      <a:noFill/>
+                      <a:prstDash val="solid"/>
+                    </a:lnTlToBr>
+                    <a:lnBlToTr w="12700" cmpd="sng">
+                      <a:noFill/>
+                      <a:prstDash val="solid"/>
+                    </a:lnBlToTr>
+                  </a:tcPr>
+                </a:tc>
+                <a:tc>
+                  <a:txBody>
+                    <a:bodyPr/>
+                    <a:lstStyle/>
+                    <a:p>
+                      <a:pPr algn="ctr"/>
+                      <a:endParaRPr lang="en-US" sz="1200" b="1" dirty="0"/>
+                    </a:p>
+                  </a:txBody>
+                  <a:tcPr anchor="ctr">
+                    <a:lnL w="12700" cap="flat" cmpd="sng" algn="ctr">
+                      <a:solidFill>
+                        <a:schemeClr val="tx1"/>
+                      </a:solidFill>
+                      <a:prstDash val="solid"/>
+                      <a:round/>
+                      <a:headEnd type="none" w="med" len="med"/>
+                      <a:tailEnd type="none" w="med" len="med"/>
+                    </a:lnL>
+                    <a:lnR w="12700" cap="flat" cmpd="sng" algn="ctr">
+                      <a:solidFill>
+                        <a:schemeClr val="tx1"/>
+                      </a:solidFill>
+                      <a:prstDash val="solid"/>
+                      <a:round/>
+                      <a:headEnd type="none" w="med" len="med"/>
+                      <a:tailEnd type="none" w="med" len="med"/>
+                    </a:lnR>
+                    <a:lnT w="12700" cap="flat" cmpd="sng" algn="ctr">
+                      <a:solidFill>
+                        <a:schemeClr val="tx1"/>
+                      </a:solidFill>
+                      <a:prstDash val="solid"/>
+                      <a:round/>
+                      <a:headEnd type="none" w="med" len="med"/>
+                      <a:tailEnd type="none" w="med" len="med"/>
+                    </a:lnT>
+                    <a:lnB w="12700" cap="flat" cmpd="sng" algn="ctr">
+                      <a:solidFill>
+                        <a:schemeClr val="tx1"/>
+                      </a:solidFill>
+                      <a:prstDash val="solid"/>
+                      <a:round/>
+                      <a:headEnd type="none" w="med" len="med"/>
+                      <a:tailEnd type="none" w="med" len="med"/>
+                    </a:lnB>
+                    <a:lnTlToBr w="12700" cmpd="sng">
+                      <a:noFill/>
+                      <a:prstDash val="solid"/>
+                    </a:lnTlToBr>
+                    <a:lnBlToTr w="12700" cmpd="sng">
+                      <a:noFill/>
+                      <a:prstDash val="solid"/>
+                    </a:lnBlToTr>
+                  </a:tcPr>
+                </a:tc>
+                <a:tc>
+                  <a:txBody>
+                    <a:bodyPr/>
+                    <a:lstStyle/>
+                    <a:p>
+                      <a:pPr algn="ctr"/>
+                      <a:r>
+                        <a:rPr lang="en-US" sz="1200" baseline="0" dirty="0"/>
+                        <a:t>4*</a:t>
+                      </a:r>
+                    </a:p>
+                  </a:txBody>
+                  <a:tcPr anchor="ctr">
+                    <a:lnL w="12700" cap="flat" cmpd="sng" algn="ctr">
+                      <a:solidFill>
+                        <a:schemeClr val="tx1"/>
+                      </a:solidFill>
+                      <a:prstDash val="solid"/>
+                      <a:round/>
+                      <a:headEnd type="none" w="med" len="med"/>
+                      <a:tailEnd type="none" w="med" len="med"/>
+                    </a:lnL>
+                    <a:lnR w="12700" cap="flat" cmpd="sng" algn="ctr">
+                      <a:solidFill>
+                        <a:schemeClr val="tx1"/>
+                      </a:solidFill>
+                      <a:prstDash val="solid"/>
+                      <a:round/>
+                      <a:headEnd type="none" w="med" len="med"/>
+                      <a:tailEnd type="none" w="med" len="med"/>
+                    </a:lnR>
+                    <a:lnT w="12700" cap="flat" cmpd="sng" algn="ctr">
+                      <a:solidFill>
+                        <a:schemeClr val="tx1"/>
+                      </a:solidFill>
+                      <a:prstDash val="solid"/>
+                      <a:round/>
+                      <a:headEnd type="none" w="med" len="med"/>
+                      <a:tailEnd type="none" w="med" len="med"/>
+                    </a:lnT>
+                    <a:lnB w="12700" cap="flat" cmpd="sng" algn="ctr">
+                      <a:solidFill>
+                        <a:schemeClr val="tx1"/>
+                      </a:solidFill>
+                      <a:prstDash val="solid"/>
+                      <a:round/>
+                      <a:headEnd type="none" w="med" len="med"/>
+                      <a:tailEnd type="none" w="med" len="med"/>
+                    </a:lnB>
+                    <a:lnTlToBr w="12700" cmpd="sng">
+                      <a:noFill/>
+                      <a:prstDash val="solid"/>
+                    </a:lnTlToBr>
+                    <a:lnBlToTr w="12700" cmpd="sng">
+                      <a:noFill/>
+                      <a:prstDash val="solid"/>
+                    </a:lnBlToTr>
+                  </a:tcPr>
+                </a:tc>
+                <a:tc>
+                  <a:txBody>
+                    <a:bodyPr/>
+                    <a:lstStyle/>
+                    <a:p>
+                      <a:pPr algn="ctr"/>
+                      <a:r>
+                        <a:rPr lang="en-US" sz="1200" baseline="0" dirty="0"/>
+                        <a:t>24</a:t>
+                      </a:r>
+                    </a:p>
+                  </a:txBody>
+                  <a:tcPr anchor="ctr">
+                    <a:lnL w="12700" cap="flat" cmpd="sng" algn="ctr">
+                      <a:solidFill>
+                        <a:schemeClr val="tx1"/>
+                      </a:solidFill>
+                      <a:prstDash val="solid"/>
+                      <a:round/>
+                      <a:headEnd type="none" w="med" len="med"/>
+                      <a:tailEnd type="none" w="med" len="med"/>
+                    </a:lnL>
+                    <a:lnR w="12700" cap="flat" cmpd="sng" algn="ctr">
+                      <a:solidFill>
+                        <a:schemeClr val="tx1"/>
+                      </a:solidFill>
+                      <a:prstDash val="solid"/>
+                      <a:round/>
+                      <a:headEnd type="none" w="med" len="med"/>
+                      <a:tailEnd type="none" w="med" len="med"/>
+                    </a:lnR>
+                    <a:lnT w="12700" cap="flat" cmpd="sng" algn="ctr">
+                      <a:solidFill>
+                        <a:schemeClr val="tx1"/>
+                      </a:solidFill>
+                      <a:prstDash val="solid"/>
+                      <a:round/>
+                      <a:headEnd type="none" w="med" len="med"/>
+                      <a:tailEnd type="none" w="med" len="med"/>
+                    </a:lnT>
+                    <a:lnB w="12700" cap="flat" cmpd="sng" algn="ctr">
+                      <a:solidFill>
+                        <a:schemeClr val="tx1"/>
+                      </a:solidFill>
+                      <a:prstDash val="solid"/>
+                      <a:round/>
+                      <a:headEnd type="none" w="med" len="med"/>
+                      <a:tailEnd type="none" w="med" len="med"/>
+                    </a:lnB>
+                    <a:lnTlToBr w="12700" cmpd="sng">
+                      <a:noFill/>
+                      <a:prstDash val="solid"/>
+                    </a:lnTlToBr>
+                    <a:lnBlToTr w="12700" cmpd="sng">
+                      <a:noFill/>
+                      <a:prstDash val="solid"/>
+                    </a:lnBlToTr>
+                  </a:tcPr>
+                </a:tc>
+                <a:tc>
+                  <a:txBody>
+                    <a:bodyPr/>
+                    <a:lstStyle/>
+                    <a:p>
+                      <a:pPr marL="0" marR="0" lvl="0" indent="0" algn="ctr" defTabSz="914377" rtl="0" eaLnBrk="1" fontAlgn="auto" latinLnBrk="0" hangingPunct="1">
+                        <a:lnSpc>
+                          <a:spcPct val="100000"/>
+                        </a:lnSpc>
+                        <a:spcBef>
+                          <a:spcPts val="0"/>
+                        </a:spcBef>
+                        <a:spcAft>
+                          <a:spcPts val="0"/>
+                        </a:spcAft>
+                        <a:buClrTx/>
+                        <a:buSzTx/>
+                        <a:buFontTx/>
+                        <a:buNone/>
+                        <a:tabLst/>
+                        <a:defRPr/>
+                      </a:pPr>
+                      <a:r>
+                        <a:rPr lang="en-US" sz="1200" dirty="0"/>
+                        <a:t>72</a:t>
+                      </a:r>
+                    </a:p>
+                  </a:txBody>
+                  <a:tcPr anchor="ctr">
+                    <a:lnL w="12700" cap="flat" cmpd="sng" algn="ctr">
+                      <a:solidFill>
+                        <a:schemeClr val="tx1"/>
+                      </a:solidFill>
+                      <a:prstDash val="solid"/>
+                      <a:round/>
+                      <a:headEnd type="none" w="med" len="med"/>
+                      <a:tailEnd type="none" w="med" len="med"/>
+                    </a:lnL>
+                    <a:lnR w="12700" cap="flat" cmpd="sng" algn="ctr">
+                      <a:solidFill>
+                        <a:schemeClr val="tx1"/>
+                      </a:solidFill>
+                      <a:prstDash val="solid"/>
+                      <a:round/>
+                      <a:headEnd type="none" w="med" len="med"/>
+                      <a:tailEnd type="none" w="med" len="med"/>
+                    </a:lnR>
+                    <a:lnT w="12700" cap="flat" cmpd="sng" algn="ctr">
+                      <a:solidFill>
+                        <a:schemeClr val="tx1"/>
+                      </a:solidFill>
+                      <a:prstDash val="solid"/>
+                      <a:round/>
+                      <a:headEnd type="none" w="med" len="med"/>
+                      <a:tailEnd type="none" w="med" len="med"/>
+                    </a:lnT>
+                    <a:lnB w="12700" cap="flat" cmpd="sng" algn="ctr">
+                      <a:solidFill>
+                        <a:schemeClr val="tx1"/>
+                      </a:solidFill>
+                      <a:prstDash val="solid"/>
+                      <a:round/>
+                      <a:headEnd type="none" w="med" len="med"/>
+                      <a:tailEnd type="none" w="med" len="med"/>
+                    </a:lnB>
+                    <a:lnTlToBr w="12700" cmpd="sng">
+                      <a:noFill/>
+                      <a:prstDash val="solid"/>
+                    </a:lnTlToBr>
+                    <a:lnBlToTr w="12700" cmpd="sng">
+                      <a:noFill/>
+                      <a:prstDash val="solid"/>
+                    </a:lnBlToTr>
+                  </a:tcPr>
+                </a:tc>
+                <a:tc>
+                  <a:txBody>
+                    <a:bodyPr/>
+                    <a:lstStyle/>
+                    <a:p>
+                      <a:pPr algn="ctr"/>
+                      <a:r>
+                        <a:rPr lang="en-US" sz="1200" dirty="0"/>
+                        <a:t>3</a:t>
+                      </a:r>
+                    </a:p>
+                  </a:txBody>
+                  <a:tcPr anchor="ctr">
+                    <a:lnL w="12700" cap="flat" cmpd="sng" algn="ctr">
+                      <a:solidFill>
+                        <a:schemeClr val="tx1"/>
+                      </a:solidFill>
+                      <a:prstDash val="solid"/>
+                      <a:round/>
+                      <a:headEnd type="none" w="med" len="med"/>
+                      <a:tailEnd type="none" w="med" len="med"/>
+                    </a:lnL>
+                    <a:lnR w="12700" cap="flat" cmpd="sng" algn="ctr">
+                      <a:solidFill>
+                        <a:schemeClr val="tx1"/>
+                      </a:solidFill>
+                      <a:prstDash val="solid"/>
+                      <a:round/>
+                      <a:headEnd type="none" w="med" len="med"/>
+                      <a:tailEnd type="none" w="med" len="med"/>
+                    </a:lnR>
+                    <a:lnT w="12700" cap="flat" cmpd="sng" algn="ctr">
+                      <a:solidFill>
+                        <a:schemeClr val="tx1"/>
+                      </a:solidFill>
+                      <a:prstDash val="solid"/>
+                      <a:round/>
+                      <a:headEnd type="none" w="med" len="med"/>
+                      <a:tailEnd type="none" w="med" len="med"/>
+                    </a:lnT>
+                    <a:lnB w="12700" cap="flat" cmpd="sng" algn="ctr">
+                      <a:solidFill>
+                        <a:schemeClr val="tx1"/>
+                      </a:solidFill>
+                      <a:prstDash val="solid"/>
+                      <a:round/>
+                      <a:headEnd type="none" w="med" len="med"/>
+                      <a:tailEnd type="none" w="med" len="med"/>
+                    </a:lnB>
+                    <a:lnTlToBr w="12700" cmpd="sng">
+                      <a:noFill/>
+                      <a:prstDash val="solid"/>
+                    </a:lnTlToBr>
+                    <a:lnBlToTr w="12700" cmpd="sng">
+                      <a:noFill/>
+                      <a:prstDash val="solid"/>
+                    </a:lnBlToTr>
+                  </a:tcPr>
+                </a:tc>
+                <a:tc>
+                  <a:txBody>
+                    <a:bodyPr/>
+                    <a:lstStyle/>
+                    <a:p>
+                      <a:pPr algn="ctr"/>
+                      <a:r>
+                        <a:rPr lang="en-US" sz="1200" dirty="0"/>
+                        <a:t>503</a:t>
+                      </a:r>
+                    </a:p>
+                  </a:txBody>
+                  <a:tcPr anchor="ctr">
+                    <a:lnL w="12700" cap="flat" cmpd="sng" algn="ctr">
+                      <a:solidFill>
+                        <a:schemeClr val="tx1"/>
+                      </a:solidFill>
+                      <a:prstDash val="solid"/>
+                      <a:round/>
+                      <a:headEnd type="none" w="med" len="med"/>
+                      <a:tailEnd type="none" w="med" len="med"/>
+                    </a:lnL>
+                    <a:lnR w="12700" cap="flat" cmpd="sng" algn="ctr">
+                      <a:solidFill>
+                        <a:schemeClr val="tx1"/>
+                      </a:solidFill>
+                      <a:prstDash val="solid"/>
+                      <a:round/>
+                      <a:headEnd type="none" w="med" len="med"/>
+                      <a:tailEnd type="none" w="med" len="med"/>
+                    </a:lnR>
+                    <a:lnT w="12700" cap="flat" cmpd="sng" algn="ctr">
+                      <a:solidFill>
+                        <a:schemeClr val="tx1"/>
+                      </a:solidFill>
+                      <a:prstDash val="solid"/>
+                      <a:round/>
+                      <a:headEnd type="none" w="med" len="med"/>
+                      <a:tailEnd type="none" w="med" len="med"/>
+                    </a:lnT>
+                    <a:lnB w="12700" cap="flat" cmpd="sng" algn="ctr">
+                      <a:solidFill>
+                        <a:schemeClr val="tx1"/>
+                      </a:solidFill>
+                      <a:prstDash val="solid"/>
+                      <a:round/>
+                      <a:headEnd type="none" w="med" len="med"/>
+                      <a:tailEnd type="none" w="med" len="med"/>
+                    </a:lnB>
+                    <a:lnTlToBr w="12700" cmpd="sng">
+                      <a:noFill/>
+                      <a:prstDash val="solid"/>
+                    </a:lnTlToBr>
+                    <a:lnBlToTr w="12700" cmpd="sng">
+                      <a:noFill/>
+                      <a:prstDash val="solid"/>
+                    </a:lnBlToTr>
+                    <a:noFill/>
+                  </a:tcPr>
+                </a:tc>
+                <a:extLst>
+                  <a:ext uri="{0D108BD9-81ED-4DB2-BD59-A6C34878D82A}">
+                    <a16:rowId xmlns:a16="http://schemas.microsoft.com/office/drawing/2014/main" val="2618336568"/>
+                  </a:ext>
+                </a:extLst>
+              </a:tr>
+              <a:tr h="457200">
+                <a:tc rowSpan="2">
+                  <a:txBody>
+                    <a:bodyPr/>
+                    <a:lstStyle/>
+                    <a:p>
+                      <a:pPr algn="ctr"/>
+                      <a:endParaRPr lang="en-US" sz="1200" dirty="0"/>
+                    </a:p>
+                  </a:txBody>
+                  <a:tcPr anchor="ctr">
+                    <a:lnR w="12700" cap="flat" cmpd="sng" algn="ctr">
+                      <a:solidFill>
+                        <a:schemeClr val="tx1"/>
+                      </a:solidFill>
+                      <a:prstDash val="solid"/>
+                      <a:round/>
+                      <a:headEnd type="none" w="med" len="med"/>
+                      <a:tailEnd type="none" w="med" len="med"/>
+                    </a:lnR>
+                    <a:noFill/>
+                  </a:tcPr>
+                </a:tc>
+                <a:tc>
+                  <a:txBody>
+                    <a:bodyPr/>
+                    <a:lstStyle/>
+                    <a:p>
+                      <a:pPr algn="ctr"/>
+                      <a:r>
+                        <a:rPr lang="en-US" sz="1200" b="1" dirty="0"/>
+                        <a:t>814</a:t>
+                      </a:r>
+                    </a:p>
+                  </a:txBody>
+                  <a:tcPr anchor="ctr">
+                    <a:lnL w="12700" cap="flat" cmpd="sng" algn="ctr">
+                      <a:solidFill>
+                        <a:schemeClr val="tx1"/>
+                      </a:solidFill>
+                      <a:prstDash val="solid"/>
+                      <a:round/>
+                      <a:headEnd type="none" w="med" len="med"/>
+                      <a:tailEnd type="none" w="med" len="med"/>
+                    </a:lnL>
+                    <a:lnR w="12700" cap="flat" cmpd="sng" algn="ctr">
+                      <a:solidFill>
+                        <a:schemeClr val="tx1"/>
+                      </a:solidFill>
+                      <a:prstDash val="solid"/>
+                      <a:round/>
+                      <a:headEnd type="none" w="med" len="med"/>
+                      <a:tailEnd type="none" w="med" len="med"/>
+                    </a:lnR>
+                    <a:lnT w="12700" cap="flat" cmpd="sng" algn="ctr">
+                      <a:solidFill>
+                        <a:schemeClr val="tx1"/>
+                      </a:solidFill>
+                      <a:prstDash val="solid"/>
+                      <a:round/>
+                      <a:headEnd type="none" w="med" len="med"/>
+                      <a:tailEnd type="none" w="med" len="med"/>
+                    </a:lnT>
+                    <a:lnB w="12700" cap="flat" cmpd="sng" algn="ctr">
+                      <a:solidFill>
+                        <a:schemeClr val="tx1"/>
+                      </a:solidFill>
+                      <a:prstDash val="solid"/>
+                      <a:round/>
+                      <a:headEnd type="none" w="med" len="med"/>
+                      <a:tailEnd type="none" w="med" len="med"/>
+                    </a:lnB>
+                    <a:lnTlToBr w="12700" cmpd="sng">
+                      <a:noFill/>
+                      <a:prstDash val="solid"/>
+                    </a:lnTlToBr>
+                    <a:lnBlToTr w="12700" cmpd="sng">
+                      <a:noFill/>
+                      <a:prstDash val="solid"/>
+                    </a:lnBlToTr>
+                  </a:tcPr>
+                </a:tc>
+                <a:tc>
+                  <a:txBody>
+                    <a:bodyPr/>
+                    <a:lstStyle/>
+                    <a:p>
+                      <a:pPr algn="ctr"/>
+                      <a:endParaRPr lang="en-US" sz="1200" b="1" dirty="0"/>
+                    </a:p>
+                  </a:txBody>
+                  <a:tcPr anchor="ctr">
+                    <a:lnL w="12700" cap="flat" cmpd="sng" algn="ctr">
+                      <a:solidFill>
+                        <a:schemeClr val="tx1"/>
+                      </a:solidFill>
+                      <a:prstDash val="solid"/>
+                      <a:round/>
+                      <a:headEnd type="none" w="med" len="med"/>
+                      <a:tailEnd type="none" w="med" len="med"/>
+                    </a:lnL>
+                    <a:lnR w="12700" cap="flat" cmpd="sng" algn="ctr">
+                      <a:solidFill>
+                        <a:schemeClr val="tx1"/>
+                      </a:solidFill>
+                      <a:prstDash val="solid"/>
+                      <a:round/>
+                      <a:headEnd type="none" w="med" len="med"/>
+                      <a:tailEnd type="none" w="med" len="med"/>
+                    </a:lnR>
+                    <a:lnT w="12700" cap="flat" cmpd="sng" algn="ctr">
+                      <a:solidFill>
+                        <a:schemeClr val="tx1"/>
+                      </a:solidFill>
+                      <a:prstDash val="solid"/>
+                      <a:round/>
+                      <a:headEnd type="none" w="med" len="med"/>
+                      <a:tailEnd type="none" w="med" len="med"/>
+                    </a:lnT>
+                    <a:lnB w="12700" cap="flat" cmpd="sng" algn="ctr">
+                      <a:solidFill>
+                        <a:schemeClr val="tx1"/>
+                      </a:solidFill>
+                      <a:prstDash val="solid"/>
+                      <a:round/>
+                      <a:headEnd type="none" w="med" len="med"/>
+                      <a:tailEnd type="none" w="med" len="med"/>
+                    </a:lnB>
+                    <a:lnTlToBr w="12700" cmpd="sng">
+                      <a:noFill/>
+                      <a:prstDash val="solid"/>
+                    </a:lnTlToBr>
+                    <a:lnBlToTr w="12700" cmpd="sng">
+                      <a:noFill/>
+                      <a:prstDash val="solid"/>
+                    </a:lnBlToTr>
+                  </a:tcPr>
+                </a:tc>
+                <a:tc>
+                  <a:txBody>
+                    <a:bodyPr/>
+                    <a:lstStyle/>
+                    <a:p>
+                      <a:pPr algn="ctr"/>
+                      <a:r>
+                        <a:rPr lang="en-US" sz="1200" baseline="0" dirty="0"/>
+                        <a:t>32*</a:t>
+                      </a:r>
+                    </a:p>
+                  </a:txBody>
+                  <a:tcPr anchor="ctr">
+                    <a:lnL w="12700" cap="flat" cmpd="sng" algn="ctr">
+                      <a:solidFill>
+                        <a:schemeClr val="tx1"/>
+                      </a:solidFill>
+                      <a:prstDash val="solid"/>
+                      <a:round/>
+                      <a:headEnd type="none" w="med" len="med"/>
+                      <a:tailEnd type="none" w="med" len="med"/>
+                    </a:lnL>
+                    <a:lnR w="12700" cap="flat" cmpd="sng" algn="ctr">
+                      <a:solidFill>
+                        <a:schemeClr val="tx1"/>
+                      </a:solidFill>
+                      <a:prstDash val="solid"/>
+                      <a:round/>
+                      <a:headEnd type="none" w="med" len="med"/>
+                      <a:tailEnd type="none" w="med" len="med"/>
+                    </a:lnR>
+                    <a:lnT w="12700" cap="flat" cmpd="sng" algn="ctr">
+                      <a:solidFill>
+                        <a:schemeClr val="tx1"/>
+                      </a:solidFill>
+                      <a:prstDash val="solid"/>
+                      <a:round/>
+                      <a:headEnd type="none" w="med" len="med"/>
+                      <a:tailEnd type="none" w="med" len="med"/>
+                    </a:lnT>
+                    <a:lnB w="12700" cap="flat" cmpd="sng" algn="ctr">
+                      <a:solidFill>
+                        <a:schemeClr val="tx1"/>
+                      </a:solidFill>
+                      <a:prstDash val="solid"/>
+                      <a:round/>
+                      <a:headEnd type="none" w="med" len="med"/>
+                      <a:tailEnd type="none" w="med" len="med"/>
+                    </a:lnB>
+                    <a:lnTlToBr w="12700" cmpd="sng">
+                      <a:noFill/>
+                      <a:prstDash val="solid"/>
+                    </a:lnTlToBr>
+                    <a:lnBlToTr w="12700" cmpd="sng">
+                      <a:noFill/>
+                      <a:prstDash val="solid"/>
+                    </a:lnBlToTr>
+                  </a:tcPr>
+                </a:tc>
+                <a:tc>
+                  <a:txBody>
+                    <a:bodyPr/>
+                    <a:lstStyle/>
+                    <a:p>
+                      <a:pPr algn="ctr"/>
+                      <a:r>
+                        <a:rPr lang="en-US" sz="1200" baseline="0" dirty="0"/>
+                        <a:t>37</a:t>
+                      </a:r>
+                    </a:p>
+                  </a:txBody>
+                  <a:tcPr anchor="ctr">
+                    <a:lnL w="12700" cap="flat" cmpd="sng" algn="ctr">
+                      <a:solidFill>
+                        <a:schemeClr val="tx1"/>
+                      </a:solidFill>
+                      <a:prstDash val="solid"/>
+                      <a:round/>
+                      <a:headEnd type="none" w="med" len="med"/>
+                      <a:tailEnd type="none" w="med" len="med"/>
+                    </a:lnL>
+                    <a:lnR w="12700" cap="flat" cmpd="sng" algn="ctr">
+                      <a:solidFill>
+                        <a:schemeClr val="tx1"/>
+                      </a:solidFill>
+                      <a:prstDash val="solid"/>
+                      <a:round/>
+                      <a:headEnd type="none" w="med" len="med"/>
+                      <a:tailEnd type="none" w="med" len="med"/>
+                    </a:lnR>
+                    <a:lnT w="12700" cap="flat" cmpd="sng" algn="ctr">
+                      <a:solidFill>
+                        <a:schemeClr val="tx1"/>
+                      </a:solidFill>
+                      <a:prstDash val="solid"/>
+                      <a:round/>
+                      <a:headEnd type="none" w="med" len="med"/>
+                      <a:tailEnd type="none" w="med" len="med"/>
+                    </a:lnT>
+                    <a:lnB w="12700" cap="flat" cmpd="sng" algn="ctr">
+                      <a:solidFill>
+                        <a:schemeClr val="tx1"/>
+                      </a:solidFill>
+                      <a:prstDash val="solid"/>
+                      <a:round/>
+                      <a:headEnd type="none" w="med" len="med"/>
+                      <a:tailEnd type="none" w="med" len="med"/>
+                    </a:lnB>
+                    <a:lnTlToBr w="12700" cmpd="sng">
+                      <a:noFill/>
+                      <a:prstDash val="solid"/>
+                    </a:lnTlToBr>
+                    <a:lnBlToTr w="12700" cmpd="sng">
+                      <a:noFill/>
+                      <a:prstDash val="solid"/>
+                    </a:lnBlToTr>
+                  </a:tcPr>
+                </a:tc>
+                <a:tc>
+                  <a:txBody>
+                    <a:bodyPr/>
+                    <a:lstStyle/>
+                    <a:p>
+                      <a:pPr marL="0" marR="0" lvl="0" indent="0" algn="ctr" defTabSz="914377" rtl="0" eaLnBrk="1" fontAlgn="auto" latinLnBrk="0" hangingPunct="1">
+                        <a:lnSpc>
+                          <a:spcPct val="100000"/>
+                        </a:lnSpc>
+                        <a:spcBef>
+                          <a:spcPts val="0"/>
+                        </a:spcBef>
+                        <a:spcAft>
+                          <a:spcPts val="0"/>
+                        </a:spcAft>
+                        <a:buClrTx/>
+                        <a:buSzTx/>
+                        <a:buFontTx/>
+                        <a:buNone/>
+                        <a:tabLst/>
+                        <a:defRPr/>
+                      </a:pPr>
+                      <a:r>
+                        <a:rPr lang="en-US" sz="1200" dirty="0"/>
+                        <a:t>47</a:t>
+                      </a:r>
+                    </a:p>
+                  </a:txBody>
+                  <a:tcPr anchor="ctr">
+                    <a:lnL w="12700" cap="flat" cmpd="sng" algn="ctr">
+                      <a:solidFill>
+                        <a:schemeClr val="tx1"/>
+                      </a:solidFill>
+                      <a:prstDash val="solid"/>
+                      <a:round/>
+                      <a:headEnd type="none" w="med" len="med"/>
+                      <a:tailEnd type="none" w="med" len="med"/>
+                    </a:lnL>
+                    <a:lnR w="12700" cap="flat" cmpd="sng" algn="ctr">
+                      <a:solidFill>
+                        <a:schemeClr val="tx1"/>
+                      </a:solidFill>
+                      <a:prstDash val="solid"/>
+                      <a:round/>
+                      <a:headEnd type="none" w="med" len="med"/>
+                      <a:tailEnd type="none" w="med" len="med"/>
+                    </a:lnR>
+                    <a:lnT w="12700" cap="flat" cmpd="sng" algn="ctr">
+                      <a:solidFill>
+                        <a:schemeClr val="tx1"/>
+                      </a:solidFill>
+                      <a:prstDash val="solid"/>
+                      <a:round/>
+                      <a:headEnd type="none" w="med" len="med"/>
+                      <a:tailEnd type="none" w="med" len="med"/>
+                    </a:lnT>
+                    <a:lnB w="12700" cap="flat" cmpd="sng" algn="ctr">
+                      <a:solidFill>
+                        <a:schemeClr val="tx1"/>
+                      </a:solidFill>
+                      <a:prstDash val="solid"/>
+                      <a:round/>
+                      <a:headEnd type="none" w="med" len="med"/>
+                      <a:tailEnd type="none" w="med" len="med"/>
+                    </a:lnB>
+                    <a:lnTlToBr w="12700" cmpd="sng">
+                      <a:noFill/>
+                      <a:prstDash val="solid"/>
+                    </a:lnTlToBr>
+                    <a:lnBlToTr w="12700" cmpd="sng">
+                      <a:noFill/>
+                      <a:prstDash val="solid"/>
+                    </a:lnBlToTr>
+                  </a:tcPr>
+                </a:tc>
+                <a:tc>
+                  <a:txBody>
+                    <a:bodyPr/>
+                    <a:lstStyle/>
+                    <a:p>
+                      <a:pPr algn="ctr"/>
+                      <a:r>
+                        <a:rPr lang="en-US" sz="1200" dirty="0"/>
+                        <a:t>18</a:t>
+                      </a:r>
+                    </a:p>
+                  </a:txBody>
+                  <a:tcPr anchor="ctr">
+                    <a:lnL w="12700" cap="flat" cmpd="sng" algn="ctr">
+                      <a:solidFill>
+                        <a:schemeClr val="tx1"/>
+                      </a:solidFill>
+                      <a:prstDash val="solid"/>
+                      <a:round/>
+                      <a:headEnd type="none" w="med" len="med"/>
+                      <a:tailEnd type="none" w="med" len="med"/>
+                    </a:lnL>
+                    <a:lnR w="12700" cap="flat" cmpd="sng" algn="ctr">
+                      <a:solidFill>
+                        <a:schemeClr val="tx1"/>
+                      </a:solidFill>
+                      <a:prstDash val="solid"/>
+                      <a:round/>
+                      <a:headEnd type="none" w="med" len="med"/>
+                      <a:tailEnd type="none" w="med" len="med"/>
+                    </a:lnR>
+                    <a:lnT w="12700" cap="flat" cmpd="sng" algn="ctr">
+                      <a:solidFill>
+                        <a:schemeClr val="tx1"/>
+                      </a:solidFill>
+                      <a:prstDash val="solid"/>
+                      <a:round/>
+                      <a:headEnd type="none" w="med" len="med"/>
+                      <a:tailEnd type="none" w="med" len="med"/>
+                    </a:lnT>
+                    <a:lnB w="12700" cap="flat" cmpd="sng" algn="ctr">
+                      <a:solidFill>
+                        <a:schemeClr val="tx1"/>
+                      </a:solidFill>
+                      <a:prstDash val="solid"/>
+                      <a:round/>
+                      <a:headEnd type="none" w="med" len="med"/>
+                      <a:tailEnd type="none" w="med" len="med"/>
+                    </a:lnB>
+                    <a:lnTlToBr w="12700" cmpd="sng">
+                      <a:noFill/>
+                      <a:prstDash val="solid"/>
+                    </a:lnTlToBr>
+                    <a:lnBlToTr w="12700" cmpd="sng">
+                      <a:noFill/>
+                      <a:prstDash val="solid"/>
+                    </a:lnBlToTr>
+                  </a:tcPr>
+                </a:tc>
+                <a:tc>
+                  <a:txBody>
+                    <a:bodyPr/>
+                    <a:lstStyle/>
+                    <a:p>
+                      <a:pPr algn="ctr"/>
+                      <a:r>
+                        <a:rPr lang="en-US" sz="1200" dirty="0"/>
+                        <a:t>99</a:t>
+                      </a:r>
+                    </a:p>
+                  </a:txBody>
+                  <a:tcPr anchor="ctr">
+                    <a:lnL w="12700" cap="flat" cmpd="sng" algn="ctr">
+                      <a:solidFill>
+                        <a:schemeClr val="tx1"/>
+                      </a:solidFill>
+                      <a:prstDash val="solid"/>
+                      <a:round/>
+                      <a:headEnd type="none" w="med" len="med"/>
+                      <a:tailEnd type="none" w="med" len="med"/>
+                    </a:lnL>
+                    <a:lnR w="12700" cap="flat" cmpd="sng" algn="ctr">
+                      <a:solidFill>
+                        <a:schemeClr val="tx1"/>
+                      </a:solidFill>
+                      <a:prstDash val="solid"/>
+                      <a:round/>
+                      <a:headEnd type="none" w="med" len="med"/>
+                      <a:tailEnd type="none" w="med" len="med"/>
+                    </a:lnR>
+                    <a:lnT w="12700" cap="flat" cmpd="sng" algn="ctr">
+                      <a:solidFill>
+                        <a:schemeClr val="tx1"/>
+                      </a:solidFill>
+                      <a:prstDash val="solid"/>
+                      <a:round/>
+                      <a:headEnd type="none" w="med" len="med"/>
+                      <a:tailEnd type="none" w="med" len="med"/>
+                    </a:lnT>
+                    <a:lnB w="12700" cap="flat" cmpd="sng" algn="ctr">
+                      <a:solidFill>
+                        <a:schemeClr val="tx1"/>
+                      </a:solidFill>
+                      <a:prstDash val="solid"/>
+                      <a:round/>
+                      <a:headEnd type="none" w="med" len="med"/>
+                      <a:tailEnd type="none" w="med" len="med"/>
+                    </a:lnB>
+                    <a:lnTlToBr w="12700" cmpd="sng">
+                      <a:noFill/>
+                      <a:prstDash val="solid"/>
+                    </a:lnTlToBr>
+                    <a:lnBlToTr w="12700" cmpd="sng">
+                      <a:noFill/>
+                      <a:prstDash val="solid"/>
+                    </a:lnBlToTr>
+                    <a:noFill/>
+                  </a:tcPr>
+                </a:tc>
+                <a:extLst>
+                  <a:ext uri="{0D108BD9-81ED-4DB2-BD59-A6C34878D82A}">
+                    <a16:rowId xmlns:a16="http://schemas.microsoft.com/office/drawing/2014/main" val="2564085025"/>
+                  </a:ext>
+                </a:extLst>
+              </a:tr>
+              <a:tr h="457200">
+                <a:tc vMerge="1">
+                  <a:txBody>
+                    <a:bodyPr/>
+                    <a:lstStyle/>
+                    <a:p>
+                      <a:pPr algn="ctr"/>
+                      <a:endParaRPr lang="en-US" sz="1200" dirty="0"/>
+                    </a:p>
+                  </a:txBody>
+                  <a:tcPr anchor="ctr">
+                    <a:lnR w="12700" cap="flat" cmpd="sng" algn="ctr">
+                      <a:solidFill>
+                        <a:schemeClr val="tx1"/>
+                      </a:solidFill>
+                      <a:prstDash val="solid"/>
+                      <a:round/>
+                      <a:headEnd type="none" w="med" len="med"/>
+                      <a:tailEnd type="none" w="med" len="med"/>
+                    </a:lnR>
+                    <a:noFill/>
+                  </a:tcPr>
+                </a:tc>
+                <a:tc>
+                  <a:txBody>
+                    <a:bodyPr/>
+                    <a:lstStyle/>
+                    <a:p>
+                      <a:pPr algn="ctr"/>
+                      <a:r>
+                        <a:rPr lang="en-US" sz="1200" b="1" dirty="0"/>
+                        <a:t>813</a:t>
+                      </a:r>
+                    </a:p>
+                  </a:txBody>
+                  <a:tcPr anchor="ctr">
+                    <a:lnL w="12700" cap="flat" cmpd="sng" algn="ctr">
+                      <a:solidFill>
+                        <a:schemeClr val="tx1"/>
+                      </a:solidFill>
+                      <a:prstDash val="solid"/>
+                      <a:round/>
+                      <a:headEnd type="none" w="med" len="med"/>
+                      <a:tailEnd type="none" w="med" len="med"/>
+                    </a:lnL>
+                    <a:lnR w="12700" cap="flat" cmpd="sng" algn="ctr">
+                      <a:solidFill>
+                        <a:schemeClr val="tx1"/>
+                      </a:solidFill>
+                      <a:prstDash val="solid"/>
+                      <a:round/>
+                      <a:headEnd type="none" w="med" len="med"/>
+                      <a:tailEnd type="none" w="med" len="med"/>
+                    </a:lnR>
+                    <a:lnT w="12700" cap="flat" cmpd="sng" algn="ctr">
+                      <a:solidFill>
+                        <a:schemeClr val="tx1"/>
+                      </a:solidFill>
+                      <a:prstDash val="solid"/>
+                      <a:round/>
+                      <a:headEnd type="none" w="med" len="med"/>
+                      <a:tailEnd type="none" w="med" len="med"/>
+                    </a:lnT>
+                    <a:lnB w="12700" cap="flat" cmpd="sng" algn="ctr">
+                      <a:solidFill>
+                        <a:schemeClr val="tx1"/>
+                      </a:solidFill>
+                      <a:prstDash val="solid"/>
+                      <a:round/>
+                      <a:headEnd type="none" w="med" len="med"/>
+                      <a:tailEnd type="none" w="med" len="med"/>
+                    </a:lnB>
+                    <a:lnTlToBr w="12700" cmpd="sng">
+                      <a:noFill/>
+                      <a:prstDash val="solid"/>
+                    </a:lnTlToBr>
+                    <a:lnBlToTr w="12700" cmpd="sng">
+                      <a:noFill/>
+                      <a:prstDash val="solid"/>
+                    </a:lnBlToTr>
+                  </a:tcPr>
+                </a:tc>
+                <a:tc>
+                  <a:txBody>
+                    <a:bodyPr/>
+                    <a:lstStyle/>
+                    <a:p>
+                      <a:pPr algn="ctr"/>
+                      <a:endParaRPr lang="en-US" sz="1200" b="1" dirty="0"/>
+                    </a:p>
+                  </a:txBody>
+                  <a:tcPr anchor="ctr">
+                    <a:lnL w="12700" cap="flat" cmpd="sng" algn="ctr">
+                      <a:solidFill>
+                        <a:schemeClr val="tx1"/>
+                      </a:solidFill>
+                      <a:prstDash val="solid"/>
+                      <a:round/>
+                      <a:headEnd type="none" w="med" len="med"/>
+                      <a:tailEnd type="none" w="med" len="med"/>
+                    </a:lnL>
+                    <a:lnR w="12700" cap="flat" cmpd="sng" algn="ctr">
+                      <a:solidFill>
+                        <a:schemeClr val="tx1"/>
+                      </a:solidFill>
+                      <a:prstDash val="solid"/>
+                      <a:round/>
+                      <a:headEnd type="none" w="med" len="med"/>
+                      <a:tailEnd type="none" w="med" len="med"/>
+                    </a:lnR>
+                    <a:lnT w="12700" cap="flat" cmpd="sng" algn="ctr">
+                      <a:solidFill>
+                        <a:schemeClr val="tx1"/>
+                      </a:solidFill>
+                      <a:prstDash val="solid"/>
+                      <a:round/>
+                      <a:headEnd type="none" w="med" len="med"/>
+                      <a:tailEnd type="none" w="med" len="med"/>
+                    </a:lnT>
+                    <a:lnB w="12700" cap="flat" cmpd="sng" algn="ctr">
+                      <a:solidFill>
+                        <a:schemeClr val="tx1"/>
+                      </a:solidFill>
+                      <a:prstDash val="solid"/>
+                      <a:round/>
+                      <a:headEnd type="none" w="med" len="med"/>
+                      <a:tailEnd type="none" w="med" len="med"/>
+                    </a:lnB>
+                    <a:lnTlToBr w="12700" cmpd="sng">
+                      <a:noFill/>
+                      <a:prstDash val="solid"/>
+                    </a:lnTlToBr>
+                    <a:lnBlToTr w="12700" cmpd="sng">
+                      <a:noFill/>
+                      <a:prstDash val="solid"/>
+                    </a:lnBlToTr>
+                  </a:tcPr>
+                </a:tc>
+                <a:tc>
+                  <a:txBody>
+                    <a:bodyPr/>
+                    <a:lstStyle/>
+                    <a:p>
+                      <a:pPr algn="ctr"/>
+                      <a:r>
+                        <a:rPr lang="en-US" sz="1200" baseline="0" dirty="0"/>
+                        <a:t>32*</a:t>
+                      </a:r>
+                    </a:p>
+                  </a:txBody>
+                  <a:tcPr anchor="ctr">
+                    <a:lnL w="12700" cap="flat" cmpd="sng" algn="ctr">
+                      <a:solidFill>
+                        <a:schemeClr val="tx1"/>
+                      </a:solidFill>
+                      <a:prstDash val="solid"/>
+                      <a:round/>
+                      <a:headEnd type="none" w="med" len="med"/>
+                      <a:tailEnd type="none" w="med" len="med"/>
+                    </a:lnL>
+                    <a:lnR w="12700" cap="flat" cmpd="sng" algn="ctr">
+                      <a:solidFill>
+                        <a:schemeClr val="tx1"/>
+                      </a:solidFill>
+                      <a:prstDash val="solid"/>
+                      <a:round/>
+                      <a:headEnd type="none" w="med" len="med"/>
+                      <a:tailEnd type="none" w="med" len="med"/>
+                    </a:lnR>
+                    <a:lnT w="12700" cap="flat" cmpd="sng" algn="ctr">
+                      <a:solidFill>
+                        <a:schemeClr val="tx1"/>
+                      </a:solidFill>
+                      <a:prstDash val="solid"/>
+                      <a:round/>
+                      <a:headEnd type="none" w="med" len="med"/>
+                      <a:tailEnd type="none" w="med" len="med"/>
+                    </a:lnT>
+                    <a:lnB w="12700" cap="flat" cmpd="sng" algn="ctr">
+                      <a:solidFill>
+                        <a:schemeClr val="tx1"/>
+                      </a:solidFill>
+                      <a:prstDash val="solid"/>
+                      <a:round/>
+                      <a:headEnd type="none" w="med" len="med"/>
+                      <a:tailEnd type="none" w="med" len="med"/>
+                    </a:lnB>
+                    <a:lnTlToBr w="12700" cmpd="sng">
+                      <a:noFill/>
+                      <a:prstDash val="solid"/>
+                    </a:lnTlToBr>
+                    <a:lnBlToTr w="12700" cmpd="sng">
+                      <a:noFill/>
+                      <a:prstDash val="solid"/>
+                    </a:lnBlToTr>
+                  </a:tcPr>
+                </a:tc>
+                <a:tc>
+                  <a:txBody>
+                    <a:bodyPr/>
+                    <a:lstStyle/>
+                    <a:p>
+                      <a:pPr algn="ctr"/>
+                      <a:r>
+                        <a:rPr lang="en-US" sz="1200" baseline="0" dirty="0"/>
+                        <a:t>47</a:t>
+                      </a:r>
+                    </a:p>
+                  </a:txBody>
+                  <a:tcPr anchor="ctr">
+                    <a:lnL w="12700" cap="flat" cmpd="sng" algn="ctr">
+                      <a:solidFill>
+                        <a:schemeClr val="tx1"/>
+                      </a:solidFill>
+                      <a:prstDash val="solid"/>
+                      <a:round/>
+                      <a:headEnd type="none" w="med" len="med"/>
+                      <a:tailEnd type="none" w="med" len="med"/>
+                    </a:lnL>
+                    <a:lnR w="12700" cap="flat" cmpd="sng" algn="ctr">
+                      <a:solidFill>
+                        <a:schemeClr val="tx1"/>
+                      </a:solidFill>
+                      <a:prstDash val="solid"/>
+                      <a:round/>
+                      <a:headEnd type="none" w="med" len="med"/>
+                      <a:tailEnd type="none" w="med" len="med"/>
+                    </a:lnR>
+                    <a:lnT w="12700" cap="flat" cmpd="sng" algn="ctr">
+                      <a:solidFill>
+                        <a:schemeClr val="tx1"/>
+                      </a:solidFill>
+                      <a:prstDash val="solid"/>
+                      <a:round/>
+                      <a:headEnd type="none" w="med" len="med"/>
+                      <a:tailEnd type="none" w="med" len="med"/>
+                    </a:lnT>
+                    <a:lnB w="12700" cap="flat" cmpd="sng" algn="ctr">
+                      <a:solidFill>
+                        <a:schemeClr val="tx1"/>
+                      </a:solidFill>
+                      <a:prstDash val="solid"/>
+                      <a:round/>
+                      <a:headEnd type="none" w="med" len="med"/>
+                      <a:tailEnd type="none" w="med" len="med"/>
+                    </a:lnB>
+                    <a:lnTlToBr w="12700" cmpd="sng">
+                      <a:noFill/>
+                      <a:prstDash val="solid"/>
+                    </a:lnTlToBr>
+                    <a:lnBlToTr w="12700" cmpd="sng">
+                      <a:noFill/>
+                      <a:prstDash val="solid"/>
+                    </a:lnBlToTr>
+                  </a:tcPr>
+                </a:tc>
+                <a:tc>
+                  <a:txBody>
+                    <a:bodyPr/>
+                    <a:lstStyle/>
+                    <a:p>
+                      <a:pPr marL="0" marR="0" lvl="0" indent="0" algn="ctr" defTabSz="914377" rtl="0" eaLnBrk="1" fontAlgn="auto" latinLnBrk="0" hangingPunct="1">
+                        <a:lnSpc>
+                          <a:spcPct val="100000"/>
+                        </a:lnSpc>
+                        <a:spcBef>
+                          <a:spcPts val="0"/>
+                        </a:spcBef>
+                        <a:spcAft>
+                          <a:spcPts val="0"/>
+                        </a:spcAft>
+                        <a:buClrTx/>
+                        <a:buSzTx/>
+                        <a:buFontTx/>
+                        <a:buNone/>
+                        <a:tabLst/>
+                        <a:defRPr/>
+                      </a:pPr>
+                      <a:r>
+                        <a:rPr lang="en-US" sz="1200" dirty="0"/>
+                        <a:t>37</a:t>
+                      </a:r>
+                    </a:p>
+                  </a:txBody>
+                  <a:tcPr anchor="ctr">
+                    <a:lnL w="12700" cap="flat" cmpd="sng" algn="ctr">
+                      <a:solidFill>
+                        <a:schemeClr val="tx1"/>
+                      </a:solidFill>
+                      <a:prstDash val="solid"/>
+                      <a:round/>
+                      <a:headEnd type="none" w="med" len="med"/>
+                      <a:tailEnd type="none" w="med" len="med"/>
+                    </a:lnL>
+                    <a:lnR w="12700" cap="flat" cmpd="sng" algn="ctr">
+                      <a:solidFill>
+                        <a:schemeClr val="tx1"/>
+                      </a:solidFill>
+                      <a:prstDash val="solid"/>
+                      <a:round/>
+                      <a:headEnd type="none" w="med" len="med"/>
+                      <a:tailEnd type="none" w="med" len="med"/>
+                    </a:lnR>
+                    <a:lnT w="12700" cap="flat" cmpd="sng" algn="ctr">
+                      <a:solidFill>
+                        <a:schemeClr val="tx1"/>
+                      </a:solidFill>
+                      <a:prstDash val="solid"/>
+                      <a:round/>
+                      <a:headEnd type="none" w="med" len="med"/>
+                      <a:tailEnd type="none" w="med" len="med"/>
+                    </a:lnT>
+                    <a:lnB w="12700" cap="flat" cmpd="sng" algn="ctr">
+                      <a:solidFill>
+                        <a:schemeClr val="tx1"/>
+                      </a:solidFill>
+                      <a:prstDash val="solid"/>
+                      <a:round/>
+                      <a:headEnd type="none" w="med" len="med"/>
+                      <a:tailEnd type="none" w="med" len="med"/>
+                    </a:lnB>
+                    <a:lnTlToBr w="12700" cmpd="sng">
+                      <a:noFill/>
+                      <a:prstDash val="solid"/>
+                    </a:lnTlToBr>
+                    <a:lnBlToTr w="12700" cmpd="sng">
+                      <a:noFill/>
+                      <a:prstDash val="solid"/>
+                    </a:lnBlToTr>
+                  </a:tcPr>
+                </a:tc>
+                <a:tc>
+                  <a:txBody>
+                    <a:bodyPr/>
+                    <a:lstStyle/>
+                    <a:p>
+                      <a:pPr algn="ctr"/>
+                      <a:r>
+                        <a:rPr lang="en-US" sz="1200" dirty="0"/>
+                        <a:t>23</a:t>
+                      </a:r>
+                    </a:p>
+                  </a:txBody>
+                  <a:tcPr anchor="ctr">
+                    <a:lnL w="12700" cap="flat" cmpd="sng" algn="ctr">
+                      <a:solidFill>
+                        <a:schemeClr val="tx1"/>
+                      </a:solidFill>
+                      <a:prstDash val="solid"/>
+                      <a:round/>
+                      <a:headEnd type="none" w="med" len="med"/>
+                      <a:tailEnd type="none" w="med" len="med"/>
+                    </a:lnL>
+                    <a:lnR w="12700" cap="flat" cmpd="sng" algn="ctr">
+                      <a:solidFill>
+                        <a:schemeClr val="tx1"/>
+                      </a:solidFill>
+                      <a:prstDash val="solid"/>
+                      <a:round/>
+                      <a:headEnd type="none" w="med" len="med"/>
+                      <a:tailEnd type="none" w="med" len="med"/>
+                    </a:lnR>
+                    <a:lnT w="12700" cap="flat" cmpd="sng" algn="ctr">
+                      <a:solidFill>
+                        <a:schemeClr val="tx1"/>
+                      </a:solidFill>
+                      <a:prstDash val="solid"/>
+                      <a:round/>
+                      <a:headEnd type="none" w="med" len="med"/>
+                      <a:tailEnd type="none" w="med" len="med"/>
+                    </a:lnT>
+                    <a:lnB w="12700" cap="flat" cmpd="sng" algn="ctr">
+                      <a:solidFill>
+                        <a:schemeClr val="tx1"/>
+                      </a:solidFill>
+                      <a:prstDash val="solid"/>
+                      <a:round/>
+                      <a:headEnd type="none" w="med" len="med"/>
+                      <a:tailEnd type="none" w="med" len="med"/>
+                    </a:lnB>
+                    <a:lnTlToBr w="12700" cmpd="sng">
+                      <a:noFill/>
+                      <a:prstDash val="solid"/>
+                    </a:lnTlToBr>
+                    <a:lnBlToTr w="12700" cmpd="sng">
+                      <a:noFill/>
+                      <a:prstDash val="solid"/>
+                    </a:lnBlToTr>
+                  </a:tcPr>
+                </a:tc>
+                <a:tc>
+                  <a:txBody>
+                    <a:bodyPr/>
+                    <a:lstStyle/>
+                    <a:p>
+                      <a:pPr algn="ctr"/>
+                      <a:r>
+                        <a:rPr lang="en-US" sz="1200" dirty="0"/>
+                        <a:t>74</a:t>
+                      </a:r>
+                    </a:p>
+                  </a:txBody>
+                  <a:tcPr anchor="ctr">
+                    <a:lnL w="12700" cap="flat" cmpd="sng" algn="ctr">
+                      <a:solidFill>
+                        <a:schemeClr val="tx1"/>
+                      </a:solidFill>
+                      <a:prstDash val="solid"/>
+                      <a:round/>
+                      <a:headEnd type="none" w="med" len="med"/>
+                      <a:tailEnd type="none" w="med" len="med"/>
+                    </a:lnL>
+                    <a:lnR w="12700" cap="flat" cmpd="sng" algn="ctr">
+                      <a:solidFill>
+                        <a:schemeClr val="tx1"/>
+                      </a:solidFill>
+                      <a:prstDash val="solid"/>
+                      <a:round/>
+                      <a:headEnd type="none" w="med" len="med"/>
+                      <a:tailEnd type="none" w="med" len="med"/>
+                    </a:lnR>
+                    <a:lnT w="12700" cap="flat" cmpd="sng" algn="ctr">
+                      <a:solidFill>
+                        <a:schemeClr val="tx1"/>
+                      </a:solidFill>
+                      <a:prstDash val="solid"/>
+                      <a:round/>
+                      <a:headEnd type="none" w="med" len="med"/>
+                      <a:tailEnd type="none" w="med" len="med"/>
+                    </a:lnT>
+                    <a:lnB w="12700" cap="flat" cmpd="sng" algn="ctr">
+                      <a:solidFill>
+                        <a:schemeClr val="tx1"/>
+                      </a:solidFill>
+                      <a:prstDash val="solid"/>
+                      <a:round/>
+                      <a:headEnd type="none" w="med" len="med"/>
+                      <a:tailEnd type="none" w="med" len="med"/>
+                    </a:lnB>
+                    <a:lnTlToBr w="12700" cmpd="sng">
+                      <a:noFill/>
+                      <a:prstDash val="solid"/>
+                    </a:lnTlToBr>
+                    <a:lnBlToTr w="12700" cmpd="sng">
+                      <a:noFill/>
+                      <a:prstDash val="solid"/>
+                    </a:lnBlToTr>
+                    <a:noFill/>
+                  </a:tcPr>
+                </a:tc>
+                <a:extLst>
+                  <a:ext uri="{0D108BD9-81ED-4DB2-BD59-A6C34878D82A}">
+                    <a16:rowId xmlns:a16="http://schemas.microsoft.com/office/drawing/2014/main" val="893197791"/>
+                  </a:ext>
+                </a:extLst>
+              </a:tr>
+            </a:tbl>
+          </a:graphicData>
+        </a:graphic>
+      </p:graphicFrame>
+      <p:graphicFrame>
+        <p:nvGraphicFramePr>
+          <p:cNvPr id="9" name="Object 8">
+            <a:extLst>
+              <a:ext uri="{FF2B5EF4-FFF2-40B4-BE49-F238E27FC236}">
+                <a16:creationId xmlns:a16="http://schemas.microsoft.com/office/drawing/2014/main" id="{80BA0D54-9F1B-4387-8840-9341633367A7}"/>
+              </a:ext>
+            </a:extLst>
+          </p:cNvPr>
+          <p:cNvGraphicFramePr>
+            <a:graphicFrameLocks noChangeAspect="1"/>
+          </p:cNvGraphicFramePr>
+          <p:nvPr>
+            <p:extLst>
+              <p:ext uri="{D42A27DB-BD31-4B8C-83A1-F6EECF244321}">
+                <p14:modId xmlns:p14="http://schemas.microsoft.com/office/powerpoint/2010/main" val="1915681744"/>
+              </p:ext>
+            </p:extLst>
+          </p:nvPr>
+        </p:nvGraphicFramePr>
+        <p:xfrm>
+          <a:off x="2489200" y="1971675"/>
+          <a:ext cx="758825" cy="581025"/>
+        </p:xfrm>
+        <a:graphic>
+          <a:graphicData uri="http://schemas.openxmlformats.org/presentationml/2006/ole">
+            <mc:AlternateContent xmlns:mc="http://schemas.openxmlformats.org/markup-compatibility/2006">
+              <mc:Choice xmlns:v="urn:schemas-microsoft-com:vml" Requires="v">
+                <p:oleObj spid="_x0000_s7432" name="CS ChemDraw Drawing" r:id="rId3" imgW="1014794" imgH="773971" progId="ChemDraw.Document.6.0">
+                  <p:embed/>
+                </p:oleObj>
+              </mc:Choice>
+              <mc:Fallback>
+                <p:oleObj name="CS ChemDraw Drawing" r:id="rId3" imgW="1014794" imgH="773971" progId="ChemDraw.Document.6.0">
+                  <p:embed/>
+                  <p:pic>
+                    <p:nvPicPr>
+                      <p:cNvPr id="38" name="Object 37">
+                        <a:extLst>
+                          <a:ext uri="{FF2B5EF4-FFF2-40B4-BE49-F238E27FC236}">
+                            <a16:creationId xmlns:a16="http://schemas.microsoft.com/office/drawing/2014/main" id="{6820A6DE-0FBF-4FB1-A122-F665D73683F6}"/>
+                          </a:ext>
+                        </a:extLst>
+                      </p:cNvPr>
+                      <p:cNvPicPr/>
+                      <p:nvPr/>
+                    </p:nvPicPr>
+                    <p:blipFill>
+                      <a:blip r:embed="rId4"/>
+                      <a:stretch>
+                        <a:fillRect/>
+                      </a:stretch>
+                    </p:blipFill>
+                    <p:spPr>
+                      <a:xfrm>
+                        <a:off x="2489200" y="1971675"/>
+                        <a:ext cx="758825" cy="581025"/>
+                      </a:xfrm>
+                      <a:prstGeom prst="rect">
+                        <a:avLst/>
+                      </a:prstGeom>
+                    </p:spPr>
+                  </p:pic>
+                </p:oleObj>
+              </mc:Fallback>
+            </mc:AlternateContent>
+          </a:graphicData>
+        </a:graphic>
+      </p:graphicFrame>
+      <p:graphicFrame>
+        <p:nvGraphicFramePr>
+          <p:cNvPr id="10" name="Object 9">
+            <a:extLst>
+              <a:ext uri="{FF2B5EF4-FFF2-40B4-BE49-F238E27FC236}">
+                <a16:creationId xmlns:a16="http://schemas.microsoft.com/office/drawing/2014/main" id="{6D827AAB-7E7F-4D37-9EA7-0DFE270A92F2}"/>
+              </a:ext>
+            </a:extLst>
+          </p:cNvPr>
+          <p:cNvGraphicFramePr>
+            <a:graphicFrameLocks noChangeAspect="1"/>
+          </p:cNvGraphicFramePr>
+          <p:nvPr>
+            <p:extLst>
+              <p:ext uri="{D42A27DB-BD31-4B8C-83A1-F6EECF244321}">
+                <p14:modId xmlns:p14="http://schemas.microsoft.com/office/powerpoint/2010/main" val="1343377931"/>
+              </p:ext>
+            </p:extLst>
+          </p:nvPr>
+        </p:nvGraphicFramePr>
+        <p:xfrm>
+          <a:off x="4057650" y="1854200"/>
+          <a:ext cx="649288" cy="401638"/>
+        </p:xfrm>
+        <a:graphic>
+          <a:graphicData uri="http://schemas.openxmlformats.org/presentationml/2006/ole">
+            <mc:AlternateContent xmlns:mc="http://schemas.openxmlformats.org/markup-compatibility/2006">
+              <mc:Choice xmlns:v="urn:schemas-microsoft-com:vml" Requires="v">
+                <p:oleObj spid="_x0000_s7433" name="CS ChemDraw Drawing" r:id="rId5" imgW="866527" imgH="532910" progId="ChemDraw.Document.6.0">
+                  <p:embed/>
+                </p:oleObj>
+              </mc:Choice>
+              <mc:Fallback>
+                <p:oleObj name="CS ChemDraw Drawing" r:id="rId5" imgW="866527" imgH="532910" progId="ChemDraw.Document.6.0">
+                  <p:embed/>
+                  <p:pic>
+                    <p:nvPicPr>
+                      <p:cNvPr id="41" name="Object 40">
+                        <a:extLst>
+                          <a:ext uri="{FF2B5EF4-FFF2-40B4-BE49-F238E27FC236}">
+                            <a16:creationId xmlns:a16="http://schemas.microsoft.com/office/drawing/2014/main" id="{7D1BFB03-E474-4745-A52D-F68A2548DEB8}"/>
+                          </a:ext>
+                        </a:extLst>
+                      </p:cNvPr>
+                      <p:cNvPicPr/>
+                      <p:nvPr/>
+                    </p:nvPicPr>
+                    <p:blipFill>
+                      <a:blip r:embed="rId6"/>
+                      <a:stretch>
+                        <a:fillRect/>
+                      </a:stretch>
+                    </p:blipFill>
+                    <p:spPr>
+                      <a:xfrm>
+                        <a:off x="4057650" y="1854200"/>
+                        <a:ext cx="649288" cy="401638"/>
+                      </a:xfrm>
+                      <a:prstGeom prst="rect">
+                        <a:avLst/>
+                      </a:prstGeom>
+                    </p:spPr>
+                  </p:pic>
+                </p:oleObj>
+              </mc:Fallback>
+            </mc:AlternateContent>
+          </a:graphicData>
+        </a:graphic>
+      </p:graphicFrame>
+      <p:graphicFrame>
+        <p:nvGraphicFramePr>
+          <p:cNvPr id="13" name="Object 12">
+            <a:extLst>
+              <a:ext uri="{FF2B5EF4-FFF2-40B4-BE49-F238E27FC236}">
+                <a16:creationId xmlns:a16="http://schemas.microsoft.com/office/drawing/2014/main" id="{12028276-2D79-4C64-BDA6-2A189781B75C}"/>
+              </a:ext>
+            </a:extLst>
+          </p:cNvPr>
+          <p:cNvGraphicFramePr>
+            <a:graphicFrameLocks noChangeAspect="1"/>
+          </p:cNvGraphicFramePr>
+          <p:nvPr>
+            <p:extLst>
+              <p:ext uri="{D42A27DB-BD31-4B8C-83A1-F6EECF244321}">
+                <p14:modId xmlns:p14="http://schemas.microsoft.com/office/powerpoint/2010/main" val="2645730224"/>
+              </p:ext>
+            </p:extLst>
+          </p:nvPr>
+        </p:nvGraphicFramePr>
+        <p:xfrm>
+          <a:off x="2489200" y="3228975"/>
+          <a:ext cx="896937" cy="828675"/>
+        </p:xfrm>
+        <a:graphic>
+          <a:graphicData uri="http://schemas.openxmlformats.org/presentationml/2006/ole">
+            <mc:AlternateContent xmlns:mc="http://schemas.openxmlformats.org/markup-compatibility/2006">
+              <mc:Choice xmlns:v="urn:schemas-microsoft-com:vml" Requires="v">
+                <p:oleObj spid="_x0000_s7434" name="CS ChemDraw Drawing" r:id="rId7" imgW="1202018" imgH="1110546" progId="ChemDraw.Document.6.0">
+                  <p:embed/>
+                </p:oleObj>
+              </mc:Choice>
+              <mc:Fallback>
+                <p:oleObj name="CS ChemDraw Drawing" r:id="rId7" imgW="1202018" imgH="1110546" progId="ChemDraw.Document.6.0">
+                  <p:embed/>
+                  <p:pic>
+                    <p:nvPicPr>
+                      <p:cNvPr id="9" name="Object 8">
+                        <a:extLst>
+                          <a:ext uri="{FF2B5EF4-FFF2-40B4-BE49-F238E27FC236}">
+                            <a16:creationId xmlns:a16="http://schemas.microsoft.com/office/drawing/2014/main" id="{80BA0D54-9F1B-4387-8840-9341633367A7}"/>
+                          </a:ext>
+                        </a:extLst>
+                      </p:cNvPr>
+                      <p:cNvPicPr/>
+                      <p:nvPr/>
+                    </p:nvPicPr>
+                    <p:blipFill>
+                      <a:blip r:embed="rId8"/>
+                      <a:stretch>
+                        <a:fillRect/>
+                      </a:stretch>
+                    </p:blipFill>
+                    <p:spPr>
+                      <a:xfrm>
+                        <a:off x="2489200" y="3228975"/>
+                        <a:ext cx="896937" cy="828675"/>
+                      </a:xfrm>
+                      <a:prstGeom prst="rect">
+                        <a:avLst/>
+                      </a:prstGeom>
+                    </p:spPr>
+                  </p:pic>
+                </p:oleObj>
+              </mc:Fallback>
+            </mc:AlternateContent>
+          </a:graphicData>
+        </a:graphic>
+      </p:graphicFrame>
+      <p:graphicFrame>
+        <p:nvGraphicFramePr>
+          <p:cNvPr id="14" name="Object 13">
+            <a:extLst>
+              <a:ext uri="{FF2B5EF4-FFF2-40B4-BE49-F238E27FC236}">
+                <a16:creationId xmlns:a16="http://schemas.microsoft.com/office/drawing/2014/main" id="{4F099E24-6D08-4BBE-AA5A-616B97C87055}"/>
+              </a:ext>
+            </a:extLst>
+          </p:cNvPr>
+          <p:cNvGraphicFramePr>
+            <a:graphicFrameLocks noChangeAspect="1"/>
+          </p:cNvGraphicFramePr>
+          <p:nvPr>
+            <p:extLst>
+              <p:ext uri="{D42A27DB-BD31-4B8C-83A1-F6EECF244321}">
+                <p14:modId xmlns:p14="http://schemas.microsoft.com/office/powerpoint/2010/main" val="666165767"/>
+              </p:ext>
+            </p:extLst>
+          </p:nvPr>
+        </p:nvGraphicFramePr>
+        <p:xfrm>
+          <a:off x="4057650" y="2316590"/>
+          <a:ext cx="649288" cy="401637"/>
+        </p:xfrm>
+        <a:graphic>
+          <a:graphicData uri="http://schemas.openxmlformats.org/presentationml/2006/ole">
+            <mc:AlternateContent xmlns:mc="http://schemas.openxmlformats.org/markup-compatibility/2006">
+              <mc:Choice xmlns:v="urn:schemas-microsoft-com:vml" Requires="v">
+                <p:oleObj spid="_x0000_s7435" name="CS ChemDraw Drawing" r:id="rId9" imgW="868419" imgH="532910" progId="ChemDraw.Document.6.0">
+                  <p:embed/>
+                </p:oleObj>
+              </mc:Choice>
+              <mc:Fallback>
+                <p:oleObj name="CS ChemDraw Drawing" r:id="rId9" imgW="868419" imgH="532910" progId="ChemDraw.Document.6.0">
+                  <p:embed/>
+                  <p:pic>
+                    <p:nvPicPr>
+                      <p:cNvPr id="10" name="Object 9">
+                        <a:extLst>
+                          <a:ext uri="{FF2B5EF4-FFF2-40B4-BE49-F238E27FC236}">
+                            <a16:creationId xmlns:a16="http://schemas.microsoft.com/office/drawing/2014/main" id="{6D827AAB-7E7F-4D37-9EA7-0DFE270A92F2}"/>
+                          </a:ext>
+                        </a:extLst>
+                      </p:cNvPr>
+                      <p:cNvPicPr/>
+                      <p:nvPr/>
+                    </p:nvPicPr>
+                    <p:blipFill>
+                      <a:blip r:embed="rId10"/>
+                      <a:stretch>
+                        <a:fillRect/>
+                      </a:stretch>
+                    </p:blipFill>
+                    <p:spPr>
+                      <a:xfrm>
+                        <a:off x="4057650" y="2316590"/>
+                        <a:ext cx="649288" cy="401637"/>
+                      </a:xfrm>
+                      <a:prstGeom prst="rect">
+                        <a:avLst/>
+                      </a:prstGeom>
+                    </p:spPr>
+                  </p:pic>
+                </p:oleObj>
+              </mc:Fallback>
+            </mc:AlternateContent>
+          </a:graphicData>
+        </a:graphic>
+      </p:graphicFrame>
+      <p:graphicFrame>
+        <p:nvGraphicFramePr>
+          <p:cNvPr id="15" name="Object 14">
+            <a:extLst>
+              <a:ext uri="{FF2B5EF4-FFF2-40B4-BE49-F238E27FC236}">
+                <a16:creationId xmlns:a16="http://schemas.microsoft.com/office/drawing/2014/main" id="{F4BF4076-F6DE-4D46-9351-C0D58A0FC9D6}"/>
+              </a:ext>
+            </a:extLst>
+          </p:cNvPr>
+          <p:cNvGraphicFramePr>
+            <a:graphicFrameLocks noChangeAspect="1"/>
+          </p:cNvGraphicFramePr>
+          <p:nvPr>
+            <p:extLst>
+              <p:ext uri="{D42A27DB-BD31-4B8C-83A1-F6EECF244321}">
+                <p14:modId xmlns:p14="http://schemas.microsoft.com/office/powerpoint/2010/main" val="4163343240"/>
+              </p:ext>
+            </p:extLst>
+          </p:nvPr>
+        </p:nvGraphicFramePr>
+        <p:xfrm>
+          <a:off x="4057650" y="2778552"/>
+          <a:ext cx="649288" cy="401637"/>
+        </p:xfrm>
+        <a:graphic>
+          <a:graphicData uri="http://schemas.openxmlformats.org/presentationml/2006/ole">
+            <mc:AlternateContent xmlns:mc="http://schemas.openxmlformats.org/markup-compatibility/2006">
+              <mc:Choice xmlns:v="urn:schemas-microsoft-com:vml" Requires="v">
+                <p:oleObj spid="_x0000_s7436" name="CS ChemDraw Drawing" r:id="rId11" imgW="868419" imgH="532910" progId="ChemDraw.Document.6.0">
+                  <p:embed/>
+                </p:oleObj>
+              </mc:Choice>
+              <mc:Fallback>
+                <p:oleObj name="CS ChemDraw Drawing" r:id="rId11" imgW="868419" imgH="532910" progId="ChemDraw.Document.6.0">
+                  <p:embed/>
+                  <p:pic>
+                    <p:nvPicPr>
+                      <p:cNvPr id="14" name="Object 13">
+                        <a:extLst>
+                          <a:ext uri="{FF2B5EF4-FFF2-40B4-BE49-F238E27FC236}">
+                            <a16:creationId xmlns:a16="http://schemas.microsoft.com/office/drawing/2014/main" id="{4F099E24-6D08-4BBE-AA5A-616B97C87055}"/>
+                          </a:ext>
+                        </a:extLst>
+                      </p:cNvPr>
+                      <p:cNvPicPr/>
+                      <p:nvPr/>
+                    </p:nvPicPr>
+                    <p:blipFill>
+                      <a:blip r:embed="rId12"/>
+                      <a:stretch>
+                        <a:fillRect/>
+                      </a:stretch>
+                    </p:blipFill>
+                    <p:spPr>
+                      <a:xfrm>
+                        <a:off x="4057650" y="2778552"/>
+                        <a:ext cx="649288" cy="401637"/>
+                      </a:xfrm>
+                      <a:prstGeom prst="rect">
+                        <a:avLst/>
+                      </a:prstGeom>
+                    </p:spPr>
+                  </p:pic>
+                </p:oleObj>
+              </mc:Fallback>
+            </mc:AlternateContent>
+          </a:graphicData>
+        </a:graphic>
+      </p:graphicFrame>
+      <p:graphicFrame>
+        <p:nvGraphicFramePr>
+          <p:cNvPr id="16" name="Object 15">
+            <a:extLst>
+              <a:ext uri="{FF2B5EF4-FFF2-40B4-BE49-F238E27FC236}">
+                <a16:creationId xmlns:a16="http://schemas.microsoft.com/office/drawing/2014/main" id="{714BB626-8859-4CB6-BB18-BAEF317749CA}"/>
+              </a:ext>
+            </a:extLst>
+          </p:cNvPr>
+          <p:cNvGraphicFramePr>
+            <a:graphicFrameLocks noChangeAspect="1"/>
+          </p:cNvGraphicFramePr>
+          <p:nvPr>
+            <p:extLst>
+              <p:ext uri="{D42A27DB-BD31-4B8C-83A1-F6EECF244321}">
+                <p14:modId xmlns:p14="http://schemas.microsoft.com/office/powerpoint/2010/main" val="3876930934"/>
+              </p:ext>
+            </p:extLst>
+          </p:nvPr>
+        </p:nvGraphicFramePr>
+        <p:xfrm>
+          <a:off x="4225132" y="3284910"/>
+          <a:ext cx="314325" cy="274637"/>
+        </p:xfrm>
+        <a:graphic>
+          <a:graphicData uri="http://schemas.openxmlformats.org/presentationml/2006/ole">
+            <mc:AlternateContent xmlns:mc="http://schemas.openxmlformats.org/markup-compatibility/2006">
+              <mc:Choice xmlns:v="urn:schemas-microsoft-com:vml" Requires="v">
+                <p:oleObj spid="_x0000_s7437" name="CS ChemDraw Drawing" r:id="rId13" imgW="417189" imgH="366897" progId="ChemDraw.Document.6.0">
+                  <p:embed/>
+                </p:oleObj>
+              </mc:Choice>
+              <mc:Fallback>
+                <p:oleObj name="CS ChemDraw Drawing" r:id="rId13" imgW="417189" imgH="366897" progId="ChemDraw.Document.6.0">
+                  <p:embed/>
+                  <p:pic>
+                    <p:nvPicPr>
+                      <p:cNvPr id="9" name="Object 8">
+                        <a:extLst>
+                          <a:ext uri="{FF2B5EF4-FFF2-40B4-BE49-F238E27FC236}">
+                            <a16:creationId xmlns:a16="http://schemas.microsoft.com/office/drawing/2014/main" id="{80BA0D54-9F1B-4387-8840-9341633367A7}"/>
+                          </a:ext>
+                        </a:extLst>
+                      </p:cNvPr>
+                      <p:cNvPicPr/>
+                      <p:nvPr/>
+                    </p:nvPicPr>
+                    <p:blipFill>
+                      <a:blip r:embed="rId14"/>
+                      <a:stretch>
+                        <a:fillRect/>
+                      </a:stretch>
+                    </p:blipFill>
+                    <p:spPr>
+                      <a:xfrm>
+                        <a:off x="4225132" y="3284910"/>
+                        <a:ext cx="314325" cy="274637"/>
+                      </a:xfrm>
+                      <a:prstGeom prst="rect">
+                        <a:avLst/>
+                      </a:prstGeom>
+                    </p:spPr>
+                  </p:pic>
+                </p:oleObj>
+              </mc:Fallback>
+            </mc:AlternateContent>
+          </a:graphicData>
+        </a:graphic>
+      </p:graphicFrame>
+      <p:graphicFrame>
+        <p:nvGraphicFramePr>
+          <p:cNvPr id="17" name="Object 16">
+            <a:extLst>
+              <a:ext uri="{FF2B5EF4-FFF2-40B4-BE49-F238E27FC236}">
+                <a16:creationId xmlns:a16="http://schemas.microsoft.com/office/drawing/2014/main" id="{F72C4426-EE9B-4C1B-8D82-7890C740CCF5}"/>
+              </a:ext>
+            </a:extLst>
+          </p:cNvPr>
+          <p:cNvGraphicFramePr>
+            <a:graphicFrameLocks noChangeAspect="1"/>
+          </p:cNvGraphicFramePr>
+          <p:nvPr>
+            <p:extLst>
+              <p:ext uri="{D42A27DB-BD31-4B8C-83A1-F6EECF244321}">
+                <p14:modId xmlns:p14="http://schemas.microsoft.com/office/powerpoint/2010/main" val="3875306616"/>
+              </p:ext>
+            </p:extLst>
+          </p:nvPr>
+        </p:nvGraphicFramePr>
+        <p:xfrm>
+          <a:off x="4255294" y="3797300"/>
+          <a:ext cx="254000" cy="260350"/>
+        </p:xfrm>
+        <a:graphic>
+          <a:graphicData uri="http://schemas.openxmlformats.org/presentationml/2006/ole">
+            <mc:AlternateContent xmlns:mc="http://schemas.openxmlformats.org/markup-compatibility/2006">
+              <mc:Choice xmlns:v="urn:schemas-microsoft-com:vml" Requires="v">
+                <p:oleObj spid="_x0000_s7438" name="CS ChemDraw Drawing" r:id="rId15" imgW="339273" imgH="345672" progId="ChemDraw.Document.6.0">
+                  <p:embed/>
+                </p:oleObj>
+              </mc:Choice>
+              <mc:Fallback>
+                <p:oleObj name="CS ChemDraw Drawing" r:id="rId15" imgW="339273" imgH="345672" progId="ChemDraw.Document.6.0">
+                  <p:embed/>
+                  <p:pic>
+                    <p:nvPicPr>
+                      <p:cNvPr id="9" name="Object 8">
+                        <a:extLst>
+                          <a:ext uri="{FF2B5EF4-FFF2-40B4-BE49-F238E27FC236}">
+                            <a16:creationId xmlns:a16="http://schemas.microsoft.com/office/drawing/2014/main" id="{80BA0D54-9F1B-4387-8840-9341633367A7}"/>
+                          </a:ext>
+                        </a:extLst>
+                      </p:cNvPr>
+                      <p:cNvPicPr/>
+                      <p:nvPr/>
+                    </p:nvPicPr>
+                    <p:blipFill>
+                      <a:blip r:embed="rId16"/>
+                      <a:stretch>
+                        <a:fillRect/>
+                      </a:stretch>
+                    </p:blipFill>
+                    <p:spPr>
+                      <a:xfrm>
+                        <a:off x="4255294" y="3797300"/>
+                        <a:ext cx="254000" cy="260350"/>
+                      </a:xfrm>
+                      <a:prstGeom prst="rect">
+                        <a:avLst/>
+                      </a:prstGeom>
+                    </p:spPr>
+                  </p:pic>
+                </p:oleObj>
+              </mc:Fallback>
+            </mc:AlternateContent>
+          </a:graphicData>
+        </a:graphic>
+      </p:graphicFrame>
+    </p:spTree>
+    <p:extLst>
+      <p:ext uri="{BB962C8B-B14F-4D97-AF65-F5344CB8AC3E}">
+        <p14:creationId xmlns:p14="http://schemas.microsoft.com/office/powerpoint/2010/main" val="3490551429"/>
+      </p:ext>
+    </p:extLst>
+  </p:cSld>
+  <p:clrMapOvr>
+    <a:masterClrMapping/>
+  </p:clrMapOvr>
+</p:sld>
+</file>
+
 <file path=ppt/slides/slide2.xml><?xml version="1.0" encoding="utf-8"?>
 <p:sld xmlns:a="http://schemas.openxmlformats.org/drawingml/2006/main" xmlns:r="http://schemas.openxmlformats.org/officeDocument/2006/relationships" xmlns:p="http://schemas.openxmlformats.org/presentationml/2006/main">
   <p:cSld>
@@ -3125,7 +5947,7 @@
           <a:graphicData uri="http://schemas.openxmlformats.org/presentationml/2006/ole">
             <mc:AlternateContent xmlns:mc="http://schemas.openxmlformats.org/markup-compatibility/2006">
               <mc:Choice xmlns:v="urn:schemas-microsoft-com:vml" Requires="v">
-                <p:oleObj spid="_x0000_s1075" name="CS ChemDraw Drawing" r:id="rId3" imgW="1157760" imgH="1275120" progId="ChemDraw.Document.6.0">
+                <p:oleObj spid="_x0000_s1077" name="CS ChemDraw Drawing" r:id="rId3" imgW="1157760" imgH="1275120" progId="ChemDraw.Document.6.0">
                   <p:embed/>
                 </p:oleObj>
               </mc:Choice>
@@ -5187,7 +8009,7 @@
           <a:graphicData uri="http://schemas.openxmlformats.org/presentationml/2006/ole">
             <mc:AlternateContent xmlns:mc="http://schemas.openxmlformats.org/markup-compatibility/2006">
               <mc:Choice xmlns:v="urn:schemas-microsoft-com:vml" Requires="v">
-                <p:oleObj spid="_x0000_s2736" name="CS ChemDraw Drawing" r:id="rId3" imgW="1012903" imgH="773752" progId="ChemDraw.Document.6.0">
+                <p:oleObj spid="_x0000_s2764" name="CS ChemDraw Drawing" r:id="rId3" imgW="1012903" imgH="773752" progId="ChemDraw.Document.6.0">
                   <p:embed/>
                 </p:oleObj>
               </mc:Choice>
@@ -5256,7 +8078,7 @@
           <a:graphicData uri="http://schemas.openxmlformats.org/presentationml/2006/ole">
             <mc:AlternateContent xmlns:mc="http://schemas.openxmlformats.org/markup-compatibility/2006">
               <mc:Choice xmlns:v="urn:schemas-microsoft-com:vml" Requires="v">
-                <p:oleObj spid="_x0000_s2737" name="CS ChemDraw Drawing" r:id="rId5" imgW="902081" imgH="567871" progId="ChemDraw.Document.6.0">
+                <p:oleObj spid="_x0000_s2765" name="CS ChemDraw Drawing" r:id="rId5" imgW="902081" imgH="567871" progId="ChemDraw.Document.6.0">
                   <p:embed/>
                 </p:oleObj>
               </mc:Choice>
@@ -5325,7 +8147,7 @@
           <a:graphicData uri="http://schemas.openxmlformats.org/presentationml/2006/ole">
             <mc:AlternateContent xmlns:mc="http://schemas.openxmlformats.org/markup-compatibility/2006">
               <mc:Choice xmlns:v="urn:schemas-microsoft-com:vml" Requires="v">
-                <p:oleObj spid="_x0000_s2738" name="CS ChemDraw Drawing" r:id="rId7" imgW="866906" imgH="532803" progId="ChemDraw.Document.6.0">
+                <p:oleObj spid="_x0000_s2766" name="CS ChemDraw Drawing" r:id="rId7" imgW="866906" imgH="532803" progId="ChemDraw.Document.6.0">
                   <p:embed/>
                 </p:oleObj>
               </mc:Choice>
@@ -5394,7 +8216,7 @@
           <a:graphicData uri="http://schemas.openxmlformats.org/presentationml/2006/ole">
             <mc:AlternateContent xmlns:mc="http://schemas.openxmlformats.org/markup-compatibility/2006">
               <mc:Choice xmlns:v="urn:schemas-microsoft-com:vml" Requires="v">
-                <p:oleObj spid="_x0000_s2739" name="CS ChemDraw Drawing" r:id="rId9" imgW="868419" imgH="533180" progId="ChemDraw.Document.6.0">
+                <p:oleObj spid="_x0000_s2767" name="CS ChemDraw Drawing" r:id="rId9" imgW="868419" imgH="533180" progId="ChemDraw.Document.6.0">
                   <p:embed/>
                 </p:oleObj>
               </mc:Choice>
@@ -5463,7 +8285,7 @@
           <a:graphicData uri="http://schemas.openxmlformats.org/presentationml/2006/ole">
             <mc:AlternateContent xmlns:mc="http://schemas.openxmlformats.org/markup-compatibility/2006">
               <mc:Choice xmlns:v="urn:schemas-microsoft-com:vml" Requires="v">
-                <p:oleObj spid="_x0000_s2740" name="CS ChemDraw Drawing" r:id="rId11" imgW="866906" imgH="513195" progId="ChemDraw.Document.6.0">
+                <p:oleObj spid="_x0000_s2768" name="CS ChemDraw Drawing" r:id="rId11" imgW="866906" imgH="513195" progId="ChemDraw.Document.6.0">
                   <p:embed/>
                 </p:oleObj>
               </mc:Choice>
@@ -5532,7 +8354,7 @@
           <a:graphicData uri="http://schemas.openxmlformats.org/presentationml/2006/ole">
             <mc:AlternateContent xmlns:mc="http://schemas.openxmlformats.org/markup-compatibility/2006">
               <mc:Choice xmlns:v="urn:schemas-microsoft-com:vml" Requires="v">
-                <p:oleObj spid="_x0000_s2741" name="CS ChemDraw Drawing" r:id="rId13" imgW="868040" imgH="513195" progId="ChemDraw.Document.6.0">
+                <p:oleObj spid="_x0000_s2769" name="CS ChemDraw Drawing" r:id="rId13" imgW="868040" imgH="513195" progId="ChemDraw.Document.6.0">
                   <p:embed/>
                 </p:oleObj>
               </mc:Choice>
@@ -5601,7 +8423,7 @@
           <a:graphicData uri="http://schemas.openxmlformats.org/presentationml/2006/ole">
             <mc:AlternateContent xmlns:mc="http://schemas.openxmlformats.org/markup-compatibility/2006">
               <mc:Choice xmlns:v="urn:schemas-microsoft-com:vml" Requires="v">
-                <p:oleObj spid="_x0000_s2742" name="CS ChemDraw Drawing" r:id="rId15" imgW="866527" imgH="533180" progId="ChemDraw.Document.6.0">
+                <p:oleObj spid="_x0000_s2770" name="CS ChemDraw Drawing" r:id="rId15" imgW="866527" imgH="533180" progId="ChemDraw.Document.6.0">
                   <p:embed/>
                 </p:oleObj>
               </mc:Choice>
@@ -5670,7 +8492,7 @@
           <a:graphicData uri="http://schemas.openxmlformats.org/presentationml/2006/ole">
             <mc:AlternateContent xmlns:mc="http://schemas.openxmlformats.org/markup-compatibility/2006">
               <mc:Choice xmlns:v="urn:schemas-microsoft-com:vml" Requires="v">
-                <p:oleObj spid="_x0000_s2743" name="CS ChemDraw Drawing" r:id="rId17" imgW="868419" imgH="531672" progId="ChemDraw.Document.6.0">
+                <p:oleObj spid="_x0000_s2771" name="CS ChemDraw Drawing" r:id="rId17" imgW="868419" imgH="531672" progId="ChemDraw.Document.6.0">
                   <p:embed/>
                 </p:oleObj>
               </mc:Choice>
@@ -5739,7 +8561,7 @@
           <a:graphicData uri="http://schemas.openxmlformats.org/presentationml/2006/ole">
             <mc:AlternateContent xmlns:mc="http://schemas.openxmlformats.org/markup-compatibility/2006">
               <mc:Choice xmlns:v="urn:schemas-microsoft-com:vml" Requires="v">
-                <p:oleObj spid="_x0000_s2744" name="CS ChemDraw Drawing" r:id="rId19" imgW="868419" imgH="513195" progId="ChemDraw.Document.6.0">
+                <p:oleObj spid="_x0000_s2772" name="CS ChemDraw Drawing" r:id="rId19" imgW="868419" imgH="513195" progId="ChemDraw.Document.6.0">
                   <p:embed/>
                 </p:oleObj>
               </mc:Choice>
@@ -5808,7 +8630,7 @@
           <a:graphicData uri="http://schemas.openxmlformats.org/presentationml/2006/ole">
             <mc:AlternateContent xmlns:mc="http://schemas.openxmlformats.org/markup-compatibility/2006">
               <mc:Choice xmlns:v="urn:schemas-microsoft-com:vml" Requires="v">
-                <p:oleObj spid="_x0000_s2745" name="CS ChemDraw Drawing" r:id="rId21" imgW="1122590" imgH="584837" progId="ChemDraw.Document.6.0">
+                <p:oleObj spid="_x0000_s2773" name="CS ChemDraw Drawing" r:id="rId21" imgW="1122590" imgH="584837" progId="ChemDraw.Document.6.0">
                   <p:embed/>
                 </p:oleObj>
               </mc:Choice>
@@ -5877,7 +8699,7 @@
           <a:graphicData uri="http://schemas.openxmlformats.org/presentationml/2006/ole">
             <mc:AlternateContent xmlns:mc="http://schemas.openxmlformats.org/markup-compatibility/2006">
               <mc:Choice xmlns:v="urn:schemas-microsoft-com:vml" Requires="v">
-                <p:oleObj spid="_x0000_s2746" name="CS ChemDraw Drawing" r:id="rId23" imgW="700484" imgH="615382" progId="ChemDraw.Document.6.0">
+                <p:oleObj spid="_x0000_s2774" name="CS ChemDraw Drawing" r:id="rId23" imgW="700484" imgH="615382" progId="ChemDraw.Document.6.0">
                   <p:embed/>
                 </p:oleObj>
               </mc:Choice>
@@ -5946,7 +8768,7 @@
           <a:graphicData uri="http://schemas.openxmlformats.org/presentationml/2006/ole">
             <mc:AlternateContent xmlns:mc="http://schemas.openxmlformats.org/markup-compatibility/2006">
               <mc:Choice xmlns:v="urn:schemas-microsoft-com:vml" Requires="v">
-                <p:oleObj spid="_x0000_s2747" name="CS ChemDraw Drawing" r:id="rId25" imgW="901703" imgH="513195" progId="ChemDraw.Document.6.0">
+                <p:oleObj spid="_x0000_s2775" name="CS ChemDraw Drawing" r:id="rId25" imgW="901703" imgH="513195" progId="ChemDraw.Document.6.0">
                   <p:embed/>
                 </p:oleObj>
               </mc:Choice>
@@ -6015,7 +8837,7 @@
           <a:graphicData uri="http://schemas.openxmlformats.org/presentationml/2006/ole">
             <mc:AlternateContent xmlns:mc="http://schemas.openxmlformats.org/markup-compatibility/2006">
               <mc:Choice xmlns:v="urn:schemas-microsoft-com:vml" Requires="v">
-                <p:oleObj spid="_x0000_s2748" name="CS ChemDraw Drawing" r:id="rId27" imgW="868419" imgH="531672" progId="ChemDraw.Document.6.0">
+                <p:oleObj spid="_x0000_s2776" name="CS ChemDraw Drawing" r:id="rId27" imgW="868419" imgH="531672" progId="ChemDraw.Document.6.0">
                   <p:embed/>
                 </p:oleObj>
               </mc:Choice>
@@ -6084,7 +8906,7 @@
           <a:graphicData uri="http://schemas.openxmlformats.org/presentationml/2006/ole">
             <mc:AlternateContent xmlns:mc="http://schemas.openxmlformats.org/markup-compatibility/2006">
               <mc:Choice xmlns:v="urn:schemas-microsoft-com:vml" Requires="v">
-                <p:oleObj spid="_x0000_s2749" name="CS ChemDraw Drawing" r:id="rId29" imgW="1045053" imgH="531672" progId="ChemDraw.Document.6.0">
+                <p:oleObj spid="_x0000_s2777" name="CS ChemDraw Drawing" r:id="rId29" imgW="1045053" imgH="531672" progId="ChemDraw.Document.6.0">
                   <p:embed/>
                 </p:oleObj>
               </mc:Choice>
@@ -9339,7 +12161,7 @@
           <a:graphicData uri="http://schemas.openxmlformats.org/presentationml/2006/ole">
             <mc:AlternateContent xmlns:mc="http://schemas.openxmlformats.org/markup-compatibility/2006">
               <mc:Choice xmlns:v="urn:schemas-microsoft-com:vml" Requires="v">
-                <p:oleObj spid="_x0000_s16166" name="CS ChemDraw Drawing" r:id="rId3" imgW="1118051" imgH="1022233" progId="ChemDraw.Document.6.0">
+                <p:oleObj spid="_x0000_s16172" name="CS ChemDraw Drawing" r:id="rId3" imgW="1118051" imgH="1022233" progId="ChemDraw.Document.6.0">
                   <p:embed/>
                 </p:oleObj>
               </mc:Choice>
@@ -9443,7 +12265,7 @@
           <a:graphicData uri="http://schemas.openxmlformats.org/presentationml/2006/ole">
             <mc:AlternateContent xmlns:mc="http://schemas.openxmlformats.org/markup-compatibility/2006">
               <mc:Choice xmlns:v="urn:schemas-microsoft-com:vml" Requires="v">
-                <p:oleObj spid="_x0000_s16167" name="CS ChemDraw Drawing" r:id="rId5" imgW="1180459" imgH="1140868" progId="ChemDraw.Document.6.0">
+                <p:oleObj spid="_x0000_s16173" name="CS ChemDraw Drawing" r:id="rId5" imgW="1180459" imgH="1140868" progId="ChemDraw.Document.6.0">
                   <p:embed/>
                 </p:oleObj>
               </mc:Choice>
@@ -9512,7 +12334,7 @@
           <a:graphicData uri="http://schemas.openxmlformats.org/presentationml/2006/ole">
             <mc:AlternateContent xmlns:mc="http://schemas.openxmlformats.org/markup-compatibility/2006">
               <mc:Choice xmlns:v="urn:schemas-microsoft-com:vml" Requires="v">
-                <p:oleObj spid="_x0000_s16168" name="CS ChemDraw Drawing" r:id="rId7" imgW="743224" imgH="514717" progId="ChemDraw.Document.6.0">
+                <p:oleObj spid="_x0000_s16174" name="CS ChemDraw Drawing" r:id="rId7" imgW="743224" imgH="514717" progId="ChemDraw.Document.6.0">
                   <p:embed/>
                 </p:oleObj>
               </mc:Choice>
@@ -11559,7 +14381,7 @@
           <a:graphicData uri="http://schemas.openxmlformats.org/presentationml/2006/ole">
             <mc:AlternateContent xmlns:mc="http://schemas.openxmlformats.org/markup-compatibility/2006">
               <mc:Choice xmlns:v="urn:schemas-microsoft-com:vml" Requires="v">
-                <p:oleObj spid="_x0000_s16954" name="CS ChemDraw Drawing" r:id="rId3" imgW="1042027" imgH="1087804" progId="ChemDraw.Document.6.0">
+                <p:oleObj spid="_x0000_s16980" name="CS ChemDraw Drawing" r:id="rId3" imgW="1042027" imgH="1087804" progId="ChemDraw.Document.6.0">
                   <p:embed/>
                 </p:oleObj>
               </mc:Choice>
@@ -11628,7 +14450,7 @@
           <a:graphicData uri="http://schemas.openxmlformats.org/presentationml/2006/ole">
             <mc:AlternateContent xmlns:mc="http://schemas.openxmlformats.org/markup-compatibility/2006">
               <mc:Choice xmlns:v="urn:schemas-microsoft-com:vml" Requires="v">
-                <p:oleObj spid="_x0000_s16955" name="CS ChemDraw Drawing" r:id="rId5" imgW="517798" imgH="508274" progId="ChemDraw.Document.6.0">
+                <p:oleObj spid="_x0000_s16981" name="CS ChemDraw Drawing" r:id="rId5" imgW="517798" imgH="508274" progId="ChemDraw.Document.6.0">
                   <p:embed/>
                 </p:oleObj>
               </mc:Choice>
@@ -11697,7 +14519,7 @@
           <a:graphicData uri="http://schemas.openxmlformats.org/presentationml/2006/ole">
             <mc:AlternateContent xmlns:mc="http://schemas.openxmlformats.org/markup-compatibility/2006">
               <mc:Choice xmlns:v="urn:schemas-microsoft-com:vml" Requires="v">
-                <p:oleObj spid="_x0000_s16956" name="CS ChemDraw Drawing" r:id="rId7" imgW="595336" imgH="522298" progId="ChemDraw.Document.6.0">
+                <p:oleObj spid="_x0000_s16982" name="CS ChemDraw Drawing" r:id="rId7" imgW="595336" imgH="522298" progId="ChemDraw.Document.6.0">
                   <p:embed/>
                 </p:oleObj>
               </mc:Choice>
@@ -11766,7 +14588,7 @@
           <a:graphicData uri="http://schemas.openxmlformats.org/presentationml/2006/ole">
             <mc:AlternateContent xmlns:mc="http://schemas.openxmlformats.org/markup-compatibility/2006">
               <mc:Choice xmlns:v="urn:schemas-microsoft-com:vml" Requires="v">
-                <p:oleObj spid="_x0000_s16957" name="CS ChemDraw Drawing" r:id="rId9" imgW="847238" imgH="523814" progId="ChemDraw.Document.6.0">
+                <p:oleObj spid="_x0000_s16983" name="CS ChemDraw Drawing" r:id="rId9" imgW="847238" imgH="523814" progId="ChemDraw.Document.6.0">
                   <p:embed/>
                 </p:oleObj>
               </mc:Choice>
@@ -11835,7 +14657,7 @@
           <a:graphicData uri="http://schemas.openxmlformats.org/presentationml/2006/ole">
             <mc:AlternateContent xmlns:mc="http://schemas.openxmlformats.org/markup-compatibility/2006">
               <mc:Choice xmlns:v="urn:schemas-microsoft-com:vml" Requires="v">
-                <p:oleObj spid="_x0000_s16958" name="CS ChemDraw Drawing" r:id="rId11" imgW="909646" imgH="522298" progId="ChemDraw.Document.6.0">
+                <p:oleObj spid="_x0000_s16984" name="CS ChemDraw Drawing" r:id="rId11" imgW="909646" imgH="522298" progId="ChemDraw.Document.6.0">
                   <p:embed/>
                 </p:oleObj>
               </mc:Choice>
@@ -11904,7 +14726,7 @@
           <a:graphicData uri="http://schemas.openxmlformats.org/presentationml/2006/ole">
             <mc:AlternateContent xmlns:mc="http://schemas.openxmlformats.org/markup-compatibility/2006">
               <mc:Choice xmlns:v="urn:schemas-microsoft-com:vml" Requires="v">
-                <p:oleObj spid="_x0000_s16959" name="CS ChemDraw Drawing" r:id="rId13" imgW="1276908" imgH="523814" progId="ChemDraw.Document.6.0">
+                <p:oleObj spid="_x0000_s16985" name="CS ChemDraw Drawing" r:id="rId13" imgW="1276908" imgH="523814" progId="ChemDraw.Document.6.0">
                   <p:embed/>
                 </p:oleObj>
               </mc:Choice>
@@ -11973,7 +14795,7 @@
           <a:graphicData uri="http://schemas.openxmlformats.org/presentationml/2006/ole">
             <mc:AlternateContent xmlns:mc="http://schemas.openxmlformats.org/markup-compatibility/2006">
               <mc:Choice xmlns:v="urn:schemas-microsoft-com:vml" Requires="v">
-                <p:oleObj spid="_x0000_s16960" name="CS ChemDraw Drawing" r:id="rId15" imgW="1055643" imgH="575740" progId="ChemDraw.Document.6.0">
+                <p:oleObj spid="_x0000_s16986" name="CS ChemDraw Drawing" r:id="rId15" imgW="1055643" imgH="575740" progId="ChemDraw.Document.6.0">
                   <p:embed/>
                 </p:oleObj>
               </mc:Choice>
@@ -12042,7 +14864,7 @@
           <a:graphicData uri="http://schemas.openxmlformats.org/presentationml/2006/ole">
             <mc:AlternateContent xmlns:mc="http://schemas.openxmlformats.org/markup-compatibility/2006">
               <mc:Choice xmlns:v="urn:schemas-microsoft-com:vml" Requires="v">
-                <p:oleObj spid="_x0000_s16961" name="CS ChemDraw Drawing" r:id="rId17" imgW="1202018" imgH="1110925" progId="ChemDraw.Document.6.0">
+                <p:oleObj spid="_x0000_s16987" name="CS ChemDraw Drawing" r:id="rId17" imgW="1202018" imgH="1110925" progId="ChemDraw.Document.6.0">
                   <p:embed/>
                 </p:oleObj>
               </mc:Choice>
@@ -12111,7 +14933,7 @@
           <a:graphicData uri="http://schemas.openxmlformats.org/presentationml/2006/ole">
             <mc:AlternateContent xmlns:mc="http://schemas.openxmlformats.org/markup-compatibility/2006">
               <mc:Choice xmlns:v="urn:schemas-microsoft-com:vml" Requires="v">
-                <p:oleObj spid="_x0000_s16962" name="CS ChemDraw Drawing" r:id="rId19" imgW="1078715" imgH="1141247" progId="ChemDraw.Document.6.0">
+                <p:oleObj spid="_x0000_s16988" name="CS ChemDraw Drawing" r:id="rId19" imgW="1078715" imgH="1141247" progId="ChemDraw.Document.6.0">
                   <p:embed/>
                 </p:oleObj>
               </mc:Choice>
@@ -12180,7 +15002,7 @@
           <a:graphicData uri="http://schemas.openxmlformats.org/presentationml/2006/ole">
             <mc:AlternateContent xmlns:mc="http://schemas.openxmlformats.org/markup-compatibility/2006">
               <mc:Choice xmlns:v="urn:schemas-microsoft-com:vml" Requires="v">
-                <p:oleObj spid="_x0000_s16963" name="CS ChemDraw Drawing" r:id="rId21" imgW="595336" imgH="522298" progId="ChemDraw.Document.6.0">
+                <p:oleObj spid="_x0000_s16989" name="CS ChemDraw Drawing" r:id="rId21" imgW="595336" imgH="522298" progId="ChemDraw.Document.6.0">
                   <p:embed/>
                 </p:oleObj>
               </mc:Choice>
@@ -12249,7 +15071,7 @@
           <a:graphicData uri="http://schemas.openxmlformats.org/presentationml/2006/ole">
             <mc:AlternateContent xmlns:mc="http://schemas.openxmlformats.org/markup-compatibility/2006">
               <mc:Choice xmlns:v="urn:schemas-microsoft-com:vml" Requires="v">
-                <p:oleObj spid="_x0000_s16964" name="CS ChemDraw Drawing" r:id="rId22" imgW="595336" imgH="522298" progId="ChemDraw.Document.6.0">
+                <p:oleObj spid="_x0000_s16990" name="CS ChemDraw Drawing" r:id="rId22" imgW="595336" imgH="522298" progId="ChemDraw.Document.6.0">
                   <p:embed/>
                 </p:oleObj>
               </mc:Choice>
@@ -12318,7 +15140,7 @@
           <a:graphicData uri="http://schemas.openxmlformats.org/presentationml/2006/ole">
             <mc:AlternateContent xmlns:mc="http://schemas.openxmlformats.org/markup-compatibility/2006">
               <mc:Choice xmlns:v="urn:schemas-microsoft-com:vml" Requires="v">
-                <p:oleObj spid="_x0000_s16965" name="CS ChemDraw Drawing" r:id="rId24" imgW="839673" imgH="462791" progId="ChemDraw.Document.6.0">
+                <p:oleObj spid="_x0000_s16991" name="CS ChemDraw Drawing" r:id="rId24" imgW="839673" imgH="462791" progId="ChemDraw.Document.6.0">
                   <p:embed/>
                 </p:oleObj>
               </mc:Choice>
@@ -12387,7 +15209,7 @@
           <a:graphicData uri="http://schemas.openxmlformats.org/presentationml/2006/ole">
             <mc:AlternateContent xmlns:mc="http://schemas.openxmlformats.org/markup-compatibility/2006">
               <mc:Choice xmlns:v="urn:schemas-microsoft-com:vml" Requires="v">
-                <p:oleObj spid="_x0000_s16966" name="CS ChemDraw Drawing" r:id="rId5" imgW="517798" imgH="508274" progId="ChemDraw.Document.6.0">
+                <p:oleObj spid="_x0000_s16992" name="CS ChemDraw Drawing" r:id="rId5" imgW="517798" imgH="508274" progId="ChemDraw.Document.6.0">
                   <p:embed/>
                 </p:oleObj>
               </mc:Choice>
@@ -14015,7 +16837,7 @@
           <a:graphicData uri="http://schemas.openxmlformats.org/presentationml/2006/ole">
             <mc:AlternateContent xmlns:mc="http://schemas.openxmlformats.org/markup-compatibility/2006">
               <mc:Choice xmlns:v="urn:schemas-microsoft-com:vml" Requires="v">
-                <p:oleObj spid="_x0000_s30764" name="CS ChemDraw Drawing" r:id="rId3" imgW="1208070" imgH="1489951" progId="ChemDraw.Document.6.0">
+                <p:oleObj spid="_x0000_s30778" name="CS ChemDraw Drawing" r:id="rId3" imgW="1208070" imgH="1489951" progId="ChemDraw.Document.6.0">
                   <p:embed/>
                 </p:oleObj>
               </mc:Choice>
@@ -14084,7 +16906,7 @@
           <a:graphicData uri="http://schemas.openxmlformats.org/presentationml/2006/ole">
             <mc:AlternateContent xmlns:mc="http://schemas.openxmlformats.org/markup-compatibility/2006">
               <mc:Choice xmlns:v="urn:schemas-microsoft-com:vml" Requires="v">
-                <p:oleObj spid="_x0000_s30765" name="CS ChemDraw Drawing" r:id="rId5" imgW="761757" imgH="638280" progId="ChemDraw.Document.6.0">
+                <p:oleObj spid="_x0000_s30779" name="CS ChemDraw Drawing" r:id="rId5" imgW="761757" imgH="638280" progId="ChemDraw.Document.6.0">
                   <p:embed/>
                 </p:oleObj>
               </mc:Choice>
@@ -15419,7 +18241,7 @@
           <a:graphicData uri="http://schemas.openxmlformats.org/presentationml/2006/ole">
             <mc:AlternateContent xmlns:mc="http://schemas.openxmlformats.org/markup-compatibility/2006">
               <mc:Choice xmlns:v="urn:schemas-microsoft-com:vml" Requires="v">
-                <p:oleObj spid="_x0000_s30766" name="CS ChemDraw Drawing" r:id="rId7" imgW="1089306" imgH="1488814" progId="ChemDraw.Document.6.0">
+                <p:oleObj spid="_x0000_s30780" name="CS ChemDraw Drawing" r:id="rId7" imgW="1089306" imgH="1488814" progId="ChemDraw.Document.6.0">
                   <p:embed/>
                 </p:oleObj>
               </mc:Choice>
@@ -15488,7 +18310,7 @@
           <a:graphicData uri="http://schemas.openxmlformats.org/presentationml/2006/ole">
             <mc:AlternateContent xmlns:mc="http://schemas.openxmlformats.org/markup-compatibility/2006">
               <mc:Choice xmlns:v="urn:schemas-microsoft-com:vml" Requires="v">
-                <p:oleObj spid="_x0000_s30767" name="CS ChemDraw Drawing" r:id="rId9" imgW="613491" imgH="310422" progId="ChemDraw.Document.6.0">
+                <p:oleObj spid="_x0000_s30781" name="CS ChemDraw Drawing" r:id="rId9" imgW="613491" imgH="310422" progId="ChemDraw.Document.6.0">
                   <p:embed/>
                 </p:oleObj>
               </mc:Choice>
@@ -15557,7 +18379,7 @@
           <a:graphicData uri="http://schemas.openxmlformats.org/presentationml/2006/ole">
             <mc:AlternateContent xmlns:mc="http://schemas.openxmlformats.org/markup-compatibility/2006">
               <mc:Choice xmlns:v="urn:schemas-microsoft-com:vml" Requires="v">
-                <p:oleObj spid="_x0000_s30768" name="CS ChemDraw Drawing" r:id="rId11" imgW="426266" imgH="246367" progId="ChemDraw.Document.6.0">
+                <p:oleObj spid="_x0000_s30782" name="CS ChemDraw Drawing" r:id="rId11" imgW="426266" imgH="246367" progId="ChemDraw.Document.6.0">
                   <p:embed/>
                 </p:oleObj>
               </mc:Choice>
@@ -15626,7 +18448,7 @@
           <a:graphicData uri="http://schemas.openxmlformats.org/presentationml/2006/ole">
             <mc:AlternateContent xmlns:mc="http://schemas.openxmlformats.org/markup-compatibility/2006">
               <mc:Choice xmlns:v="urn:schemas-microsoft-com:vml" Requires="v">
-                <p:oleObj spid="_x0000_s30769" name="CS ChemDraw Drawing" r:id="rId13" imgW="585124" imgH="246746" progId="ChemDraw.Document.6.0">
+                <p:oleObj spid="_x0000_s30783" name="CS ChemDraw Drawing" r:id="rId13" imgW="585124" imgH="246746" progId="ChemDraw.Document.6.0">
                   <p:embed/>
                 </p:oleObj>
               </mc:Choice>
@@ -15695,7 +18517,7 @@
           <a:graphicData uri="http://schemas.openxmlformats.org/presentationml/2006/ole">
             <mc:AlternateContent xmlns:mc="http://schemas.openxmlformats.org/markup-compatibility/2006">
               <mc:Choice xmlns:v="urn:schemas-microsoft-com:vml" Requires="v">
-                <p:oleObj spid="_x0000_s30770" name="CS ChemDraw Drawing" r:id="rId15" imgW="585124" imgH="327478" progId="ChemDraw.Document.6.0">
+                <p:oleObj spid="_x0000_s30784" name="CS ChemDraw Drawing" r:id="rId15" imgW="585124" imgH="327478" progId="ChemDraw.Document.6.0">
                   <p:embed/>
                 </p:oleObj>
               </mc:Choice>
@@ -17932,7 +20754,7 @@
           <a:graphicData uri="http://schemas.openxmlformats.org/presentationml/2006/ole">
             <mc:AlternateContent xmlns:mc="http://schemas.openxmlformats.org/markup-compatibility/2006">
               <mc:Choice xmlns:v="urn:schemas-microsoft-com:vml" Requires="v">
-                <p:oleObj spid="_x0000_s5951" name="CS ChemDraw Drawing" r:id="rId3" imgW="1222065" imgH="881972" progId="ChemDraw.Document.6.0">
+                <p:oleObj spid="_x0000_s5985" name="CS ChemDraw Drawing" r:id="rId3" imgW="1222065" imgH="881972" progId="ChemDraw.Document.6.0">
                   <p:embed/>
                 </p:oleObj>
               </mc:Choice>
@@ -18001,7 +20823,7 @@
           <a:graphicData uri="http://schemas.openxmlformats.org/presentationml/2006/ole">
             <mc:AlternateContent xmlns:mc="http://schemas.openxmlformats.org/markup-compatibility/2006">
               <mc:Choice xmlns:v="urn:schemas-microsoft-com:vml" Requires="v">
-                <p:oleObj spid="_x0000_s5952" name="CS ChemDraw Drawing" r:id="rId5" imgW="589284" imgH="514704" progId="ChemDraw.Document.6.0">
+                <p:oleObj spid="_x0000_s5986" name="CS ChemDraw Drawing" r:id="rId5" imgW="589284" imgH="514704" progId="ChemDraw.Document.6.0">
                   <p:embed/>
                 </p:oleObj>
               </mc:Choice>
@@ -18070,7 +20892,7 @@
           <a:graphicData uri="http://schemas.openxmlformats.org/presentationml/2006/ole">
             <mc:AlternateContent xmlns:mc="http://schemas.openxmlformats.org/markup-compatibility/2006">
               <mc:Choice xmlns:v="urn:schemas-microsoft-com:vml" Requires="v">
-                <p:oleObj spid="_x0000_s5953" name="CS ChemDraw Drawing" r:id="rId7" imgW="630511" imgH="514704" progId="ChemDraw.Document.6.0">
+                <p:oleObj spid="_x0000_s5987" name="CS ChemDraw Drawing" r:id="rId7" imgW="630511" imgH="514704" progId="ChemDraw.Document.6.0">
                   <p:embed/>
                 </p:oleObj>
               </mc:Choice>
@@ -18139,7 +20961,7 @@
           <a:graphicData uri="http://schemas.openxmlformats.org/presentationml/2006/ole">
             <mc:AlternateContent xmlns:mc="http://schemas.openxmlformats.org/markup-compatibility/2006">
               <mc:Choice xmlns:v="urn:schemas-microsoft-com:vml" Requires="v">
-                <p:oleObj spid="_x0000_s5954" name="CS ChemDraw Drawing" r:id="rId9" imgW="630511" imgH="514704" progId="ChemDraw.Document.6.0">
+                <p:oleObj spid="_x0000_s5988" name="CS ChemDraw Drawing" r:id="rId9" imgW="630511" imgH="514704" progId="ChemDraw.Document.6.0">
                   <p:embed/>
                 </p:oleObj>
               </mc:Choice>
@@ -18208,7 +21030,7 @@
           <a:graphicData uri="http://schemas.openxmlformats.org/presentationml/2006/ole">
             <mc:AlternateContent xmlns:mc="http://schemas.openxmlformats.org/markup-compatibility/2006">
               <mc:Choice xmlns:v="urn:schemas-microsoft-com:vml" Requires="v">
-                <p:oleObj spid="_x0000_s5955" name="CS ChemDraw Drawing" r:id="rId11" imgW="587771" imgH="514704" progId="ChemDraw.Document.6.0">
+                <p:oleObj spid="_x0000_s5989" name="CS ChemDraw Drawing" r:id="rId11" imgW="587771" imgH="514704" progId="ChemDraw.Document.6.0">
                   <p:embed/>
                 </p:oleObj>
               </mc:Choice>
@@ -18277,7 +21099,7 @@
           <a:graphicData uri="http://schemas.openxmlformats.org/presentationml/2006/ole">
             <mc:AlternateContent xmlns:mc="http://schemas.openxmlformats.org/markup-compatibility/2006">
               <mc:Choice xmlns:v="urn:schemas-microsoft-com:vml" Requires="v">
-                <p:oleObj spid="_x0000_s5956" name="CS ChemDraw Drawing" r:id="rId13" imgW="589284" imgH="560200" progId="ChemDraw.Document.6.0">
+                <p:oleObj spid="_x0000_s5990" name="CS ChemDraw Drawing" r:id="rId13" imgW="589284" imgH="560200" progId="ChemDraw.Document.6.0">
                   <p:embed/>
                 </p:oleObj>
               </mc:Choice>
@@ -18346,7 +21168,7 @@
           <a:graphicData uri="http://schemas.openxmlformats.org/presentationml/2006/ole">
             <mc:AlternateContent xmlns:mc="http://schemas.openxmlformats.org/markup-compatibility/2006">
               <mc:Choice xmlns:v="urn:schemas-microsoft-com:vml" Requires="v">
-                <p:oleObj spid="_x0000_s5957" name="CS ChemDraw Drawing" r:id="rId15" imgW="630511" imgH="560579" progId="ChemDraw.Document.6.0">
+                <p:oleObj spid="_x0000_s5991" name="CS ChemDraw Drawing" r:id="rId15" imgW="630511" imgH="560579" progId="ChemDraw.Document.6.0">
                   <p:embed/>
                 </p:oleObj>
               </mc:Choice>
@@ -18415,7 +21237,7 @@
           <a:graphicData uri="http://schemas.openxmlformats.org/presentationml/2006/ole">
             <mc:AlternateContent xmlns:mc="http://schemas.openxmlformats.org/markup-compatibility/2006">
               <mc:Choice xmlns:v="urn:schemas-microsoft-com:vml" Requires="v">
-                <p:oleObj spid="_x0000_s5958" name="CS ChemDraw Drawing" r:id="rId17" imgW="947469" imgH="1259882" progId="ChemDraw.Document.6.0">
+                <p:oleObj spid="_x0000_s5992" name="CS ChemDraw Drawing" r:id="rId17" imgW="947469" imgH="1259882" progId="ChemDraw.Document.6.0">
                   <p:embed/>
                 </p:oleObj>
               </mc:Choice>
@@ -18484,7 +21306,7 @@
           <a:graphicData uri="http://schemas.openxmlformats.org/presentationml/2006/ole">
             <mc:AlternateContent xmlns:mc="http://schemas.openxmlformats.org/markup-compatibility/2006">
               <mc:Choice xmlns:v="urn:schemas-microsoft-com:vml" Requires="v">
-                <p:oleObj spid="_x0000_s5959" name="CS ChemDraw Drawing" r:id="rId5" imgW="589284" imgH="514704" progId="ChemDraw.Document.6.0">
+                <p:oleObj spid="_x0000_s5993" name="CS ChemDraw Drawing" r:id="rId5" imgW="589284" imgH="514704" progId="ChemDraw.Document.6.0">
                   <p:embed/>
                 </p:oleObj>
               </mc:Choice>
@@ -18553,7 +21375,7 @@
           <a:graphicData uri="http://schemas.openxmlformats.org/presentationml/2006/ole">
             <mc:AlternateContent xmlns:mc="http://schemas.openxmlformats.org/markup-compatibility/2006">
               <mc:Choice xmlns:v="urn:schemas-microsoft-com:vml" Requires="v">
-                <p:oleObj spid="_x0000_s5960" name="CS ChemDraw Drawing" r:id="rId19" imgW="562051" imgH="504104" progId="ChemDraw.Document.6.0">
+                <p:oleObj spid="_x0000_s5994" name="CS ChemDraw Drawing" r:id="rId19" imgW="562051" imgH="504104" progId="ChemDraw.Document.6.0">
                   <p:embed/>
                 </p:oleObj>
               </mc:Choice>
@@ -18622,7 +21444,7 @@
           <a:graphicData uri="http://schemas.openxmlformats.org/presentationml/2006/ole">
             <mc:AlternateContent xmlns:mc="http://schemas.openxmlformats.org/markup-compatibility/2006">
               <mc:Choice xmlns:v="urn:schemas-microsoft-com:vml" Requires="v">
-                <p:oleObj spid="_x0000_s5961" name="CS ChemDraw Drawing" r:id="rId21" imgW="562051" imgH="467339" progId="ChemDraw.Document.6.0">
+                <p:oleObj spid="_x0000_s5995" name="CS ChemDraw Drawing" r:id="rId21" imgW="562051" imgH="467339" progId="ChemDraw.Document.6.0">
                   <p:embed/>
                 </p:oleObj>
               </mc:Choice>
@@ -18691,7 +21513,7 @@
           <a:graphicData uri="http://schemas.openxmlformats.org/presentationml/2006/ole">
             <mc:AlternateContent xmlns:mc="http://schemas.openxmlformats.org/markup-compatibility/2006">
               <mc:Choice xmlns:v="urn:schemas-microsoft-com:vml" Requires="v">
-                <p:oleObj spid="_x0000_s5962" name="CS ChemDraw Drawing" r:id="rId23" imgW="589284" imgH="788753" progId="ChemDraw.Document.6.0">
+                <p:oleObj spid="_x0000_s5996" name="CS ChemDraw Drawing" r:id="rId23" imgW="589284" imgH="788753" progId="ChemDraw.Document.6.0">
                   <p:embed/>
                 </p:oleObj>
               </mc:Choice>
@@ -18760,7 +21582,7 @@
           <a:graphicData uri="http://schemas.openxmlformats.org/presentationml/2006/ole">
             <mc:AlternateContent xmlns:mc="http://schemas.openxmlformats.org/markup-compatibility/2006">
               <mc:Choice xmlns:v="urn:schemas-microsoft-com:vml" Requires="v">
-                <p:oleObj spid="_x0000_s5963" name="CS ChemDraw Drawing" r:id="rId25" imgW="562051" imgH="528362" progId="ChemDraw.Document.6.0">
+                <p:oleObj spid="_x0000_s5997" name="CS ChemDraw Drawing" r:id="rId25" imgW="562051" imgH="528362" progId="ChemDraw.Document.6.0">
                   <p:embed/>
                 </p:oleObj>
               </mc:Choice>
@@ -18829,7 +21651,7 @@
           <a:graphicData uri="http://schemas.openxmlformats.org/presentationml/2006/ole">
             <mc:AlternateContent xmlns:mc="http://schemas.openxmlformats.org/markup-compatibility/2006">
               <mc:Choice xmlns:v="urn:schemas-microsoft-com:vml" Requires="v">
-                <p:oleObj spid="_x0000_s5964" name="CS ChemDraw Drawing" r:id="rId27" imgW="903216" imgH="514717" progId="ChemDraw.Document.6.0">
+                <p:oleObj spid="_x0000_s5998" name="CS ChemDraw Drawing" r:id="rId27" imgW="903216" imgH="514717" progId="ChemDraw.Document.6.0">
                   <p:embed/>
                 </p:oleObj>
               </mc:Choice>
@@ -18898,7 +21720,7 @@
           <a:graphicData uri="http://schemas.openxmlformats.org/presentationml/2006/ole">
             <mc:AlternateContent xmlns:mc="http://schemas.openxmlformats.org/markup-compatibility/2006">
               <mc:Choice xmlns:v="urn:schemas-microsoft-com:vml" Requires="v">
-                <p:oleObj spid="_x0000_s5965" name="CS ChemDraw Drawing" r:id="rId29" imgW="903216" imgH="561716" progId="ChemDraw.Document.6.0">
+                <p:oleObj spid="_x0000_s5999" name="CS ChemDraw Drawing" r:id="rId29" imgW="903216" imgH="561716" progId="ChemDraw.Document.6.0">
                   <p:embed/>
                 </p:oleObj>
               </mc:Choice>
@@ -18967,7 +21789,7 @@
           <a:graphicData uri="http://schemas.openxmlformats.org/presentationml/2006/ole">
             <mc:AlternateContent xmlns:mc="http://schemas.openxmlformats.org/markup-compatibility/2006">
               <mc:Choice xmlns:v="urn:schemas-microsoft-com:vml" Requires="v">
-                <p:oleObj spid="_x0000_s5966" name="CS ChemDraw Drawing" r:id="rId5" imgW="589284" imgH="514704" progId="ChemDraw.Document.6.0">
+                <p:oleObj spid="_x0000_s6000" name="CS ChemDraw Drawing" r:id="rId5" imgW="589284" imgH="514704" progId="ChemDraw.Document.6.0">
                   <p:embed/>
                 </p:oleObj>
               </mc:Choice>
@@ -19036,7 +21858,7 @@
           <a:graphicData uri="http://schemas.openxmlformats.org/presentationml/2006/ole">
             <mc:AlternateContent xmlns:mc="http://schemas.openxmlformats.org/markup-compatibility/2006">
               <mc:Choice xmlns:v="urn:schemas-microsoft-com:vml" Requires="v">
-                <p:oleObj spid="_x0000_s5967" name="CS ChemDraw Drawing" r:id="rId5" imgW="589284" imgH="514704" progId="ChemDraw.Document.6.0">
+                <p:oleObj spid="_x0000_s6001" name="CS ChemDraw Drawing" r:id="rId5" imgW="589284" imgH="514704" progId="ChemDraw.Document.6.0">
                   <p:embed/>
                 </p:oleObj>
               </mc:Choice>
@@ -20942,7 +23764,7 @@
           <a:graphicData uri="http://schemas.openxmlformats.org/presentationml/2006/ole">
             <mc:AlternateContent xmlns:mc="http://schemas.openxmlformats.org/markup-compatibility/2006">
               <mc:Choice xmlns:v="urn:schemas-microsoft-com:vml" Requires="v">
-                <p:oleObj spid="_x0000_s26820" name="CS ChemDraw Drawing" r:id="rId3" imgW="1089306" imgH="795196" progId="ChemDraw.Document.6.0">
+                <p:oleObj spid="_x0000_s26844" name="CS ChemDraw Drawing" r:id="rId3" imgW="1089306" imgH="795196" progId="ChemDraw.Document.6.0">
                   <p:embed/>
                 </p:oleObj>
               </mc:Choice>
@@ -21005,7 +23827,7 @@
           <a:graphicData uri="http://schemas.openxmlformats.org/presentationml/2006/ole">
             <mc:AlternateContent xmlns:mc="http://schemas.openxmlformats.org/markup-compatibility/2006">
               <mc:Choice xmlns:v="urn:schemas-microsoft-com:vml" Requires="v">
-                <p:oleObj spid="_x0000_s26821" name="CS ChemDraw Drawing" r:id="rId5" imgW="1089306" imgH="952113" progId="ChemDraw.Document.6.0">
+                <p:oleObj spid="_x0000_s26845" name="CS ChemDraw Drawing" r:id="rId5" imgW="1089306" imgH="952113" progId="ChemDraw.Document.6.0">
                   <p:embed/>
                 </p:oleObj>
               </mc:Choice>
@@ -21068,7 +23890,7 @@
           <a:graphicData uri="http://schemas.openxmlformats.org/presentationml/2006/ole">
             <mc:AlternateContent xmlns:mc="http://schemas.openxmlformats.org/markup-compatibility/2006">
               <mc:Choice xmlns:v="urn:schemas-microsoft-com:vml" Requires="v">
-                <p:oleObj spid="_x0000_s26822" name="CS ChemDraw Drawing" r:id="rId7" imgW="1089306" imgH="1074159" progId="ChemDraw.Document.6.0">
+                <p:oleObj spid="_x0000_s26846" name="CS ChemDraw Drawing" r:id="rId7" imgW="1089306" imgH="1074159" progId="ChemDraw.Document.6.0">
                   <p:embed/>
                 </p:oleObj>
               </mc:Choice>
@@ -21131,7 +23953,7 @@
           <a:graphicData uri="http://schemas.openxmlformats.org/presentationml/2006/ole">
             <mc:AlternateContent xmlns:mc="http://schemas.openxmlformats.org/markup-compatibility/2006">
               <mc:Choice xmlns:v="urn:schemas-microsoft-com:vml" Requires="v">
-                <p:oleObj spid="_x0000_s26823" name="CS ChemDraw Drawing" r:id="rId9" imgW="779913" imgH="566644" progId="ChemDraw.Document.6.0">
+                <p:oleObj spid="_x0000_s26847" name="CS ChemDraw Drawing" r:id="rId9" imgW="779913" imgH="566644" progId="ChemDraw.Document.6.0">
                   <p:embed/>
                 </p:oleObj>
               </mc:Choice>
@@ -21194,7 +24016,7 @@
           <a:graphicData uri="http://schemas.openxmlformats.org/presentationml/2006/ole">
             <mc:AlternateContent xmlns:mc="http://schemas.openxmlformats.org/markup-compatibility/2006">
               <mc:Choice xmlns:v="urn:schemas-microsoft-com:vml" Requires="v">
-                <p:oleObj spid="_x0000_s26824" name="CS ChemDraw Drawing" r:id="rId11" imgW="743224" imgH="514717" progId="ChemDraw.Document.6.0">
+                <p:oleObj spid="_x0000_s26848" name="CS ChemDraw Drawing" r:id="rId11" imgW="743224" imgH="514717" progId="ChemDraw.Document.6.0">
                   <p:embed/>
                 </p:oleObj>
               </mc:Choice>
@@ -21257,7 +24079,7 @@
           <a:graphicData uri="http://schemas.openxmlformats.org/presentationml/2006/ole">
             <mc:AlternateContent xmlns:mc="http://schemas.openxmlformats.org/markup-compatibility/2006">
               <mc:Choice xmlns:v="urn:schemas-microsoft-com:vml" Requires="v">
-                <p:oleObj spid="_x0000_s26825" name="CS ChemDraw Drawing" r:id="rId13" imgW="879009" imgH="568160" progId="ChemDraw.Document.6.0">
+                <p:oleObj spid="_x0000_s26849" name="CS ChemDraw Drawing" r:id="rId13" imgW="879009" imgH="568160" progId="ChemDraw.Document.6.0">
                   <p:embed/>
                 </p:oleObj>
               </mc:Choice>
@@ -21320,7 +24142,7 @@
           <a:graphicData uri="http://schemas.openxmlformats.org/presentationml/2006/ole">
             <mc:AlternateContent xmlns:mc="http://schemas.openxmlformats.org/markup-compatibility/2006">
               <mc:Choice xmlns:v="urn:schemas-microsoft-com:vml" Requires="v">
-                <p:oleObj spid="_x0000_s26826" name="CS ChemDraw Drawing" r:id="rId15" imgW="1089306" imgH="1074159" progId="ChemDraw.Document.6.0">
+                <p:oleObj spid="_x0000_s26850" name="CS ChemDraw Drawing" r:id="rId15" imgW="1089306" imgH="1074159" progId="ChemDraw.Document.6.0">
                   <p:embed/>
                 </p:oleObj>
               </mc:Choice>
@@ -23720,7 +26542,7 @@
           <a:graphicData uri="http://schemas.openxmlformats.org/presentationml/2006/ole">
             <mc:AlternateContent xmlns:mc="http://schemas.openxmlformats.org/markup-compatibility/2006">
               <mc:Choice xmlns:v="urn:schemas-microsoft-com:vml" Requires="v">
-                <p:oleObj spid="_x0000_s26827" name="CS ChemDraw Drawing" r:id="rId17" imgW="1089306" imgH="952113" progId="ChemDraw.Document.6.0">
+                <p:oleObj spid="_x0000_s26851" name="CS ChemDraw Drawing" r:id="rId17" imgW="1089306" imgH="952113" progId="ChemDraw.Document.6.0">
                   <p:embed/>
                 </p:oleObj>
               </mc:Choice>
@@ -23789,7 +26611,7 @@
           <a:graphicData uri="http://schemas.openxmlformats.org/presentationml/2006/ole">
             <mc:AlternateContent xmlns:mc="http://schemas.openxmlformats.org/markup-compatibility/2006">
               <mc:Choice xmlns:v="urn:schemas-microsoft-com:vml" Requires="v">
-                <p:oleObj spid="_x0000_s26828" name="CS ChemDraw Drawing" r:id="rId19" imgW="1089306" imgH="795196" progId="ChemDraw.Document.6.0">
+                <p:oleObj spid="_x0000_s26852" name="CS ChemDraw Drawing" r:id="rId19" imgW="1089306" imgH="795196" progId="ChemDraw.Document.6.0">
                   <p:embed/>
                 </p:oleObj>
               </mc:Choice>
@@ -23858,7 +26680,7 @@
           <a:graphicData uri="http://schemas.openxmlformats.org/presentationml/2006/ole">
             <mc:AlternateContent xmlns:mc="http://schemas.openxmlformats.org/markup-compatibility/2006">
               <mc:Choice xmlns:v="urn:schemas-microsoft-com:vml" Requires="v">
-                <p:oleObj spid="_x0000_s26829" name="CS ChemDraw Drawing" r:id="rId21" imgW="1267452" imgH="795196" progId="ChemDraw.Document.6.0">
+                <p:oleObj spid="_x0000_s26853" name="CS ChemDraw Drawing" r:id="rId21" imgW="1267452" imgH="795196" progId="ChemDraw.Document.6.0">
                   <p:embed/>
                 </p:oleObj>
               </mc:Choice>
@@ -23927,7 +26749,7 @@
           <a:graphicData uri="http://schemas.openxmlformats.org/presentationml/2006/ole">
             <mc:AlternateContent xmlns:mc="http://schemas.openxmlformats.org/markup-compatibility/2006">
               <mc:Choice xmlns:v="urn:schemas-microsoft-com:vml" Requires="v">
-                <p:oleObj spid="_x0000_s26830" name="CS ChemDraw Drawing" r:id="rId23" imgW="942930" imgH="841058" progId="ChemDraw.Document.6.0">
+                <p:oleObj spid="_x0000_s26854" name="CS ChemDraw Drawing" r:id="rId23" imgW="942930" imgH="841058" progId="ChemDraw.Document.6.0">
                   <p:embed/>
                 </p:oleObj>
               </mc:Choice>
@@ -23996,7 +26818,7 @@
           <a:graphicData uri="http://schemas.openxmlformats.org/presentationml/2006/ole">
             <mc:AlternateContent xmlns:mc="http://schemas.openxmlformats.org/markup-compatibility/2006">
               <mc:Choice xmlns:v="urn:schemas-microsoft-com:vml" Requires="v">
-                <p:oleObj spid="_x0000_s26831" name="CS ChemDraw Drawing" r:id="rId25" imgW="1081741" imgH="789132" progId="ChemDraw.Document.6.0">
+                <p:oleObj spid="_x0000_s26855" name="CS ChemDraw Drawing" r:id="rId25" imgW="1081741" imgH="789132" progId="ChemDraw.Document.6.0">
                   <p:embed/>
                 </p:oleObj>
               </mc:Choice>
@@ -24053,14 +26875,6 @@
 <file path=ppt/slides/slide9.xml><?xml version="1.0" encoding="utf-8"?>
 <p:sld xmlns:a="http://schemas.openxmlformats.org/drawingml/2006/main" xmlns:r="http://schemas.openxmlformats.org/officeDocument/2006/relationships" xmlns:p="http://schemas.openxmlformats.org/presentationml/2006/main">
   <p:cSld>
-    <p:bg>
-      <p:bgPr>
-        <a:solidFill>
-          <a:schemeClr val="bg1"/>
-        </a:solidFill>
-        <a:effectLst/>
-      </p:bgPr>
-    </p:bg>
     <p:spTree>
       <p:nvGrpSpPr>
         <p:cNvPr id="1" name=""/>
@@ -24122,13 +26936,7 @@
           <p:cNvGraphicFramePr>
             <a:graphicFrameLocks noGrp="1"/>
           </p:cNvGraphicFramePr>
-          <p:nvPr>
-            <p:extLst>
-              <p:ext uri="{D42A27DB-BD31-4B8C-83A1-F6EECF244321}">
-                <p14:modId xmlns:p14="http://schemas.microsoft.com/office/powerpoint/2010/main" val="2042171143"/>
-              </p:ext>
-            </p:extLst>
-          </p:nvPr>
+          <p:nvPr/>
         </p:nvGraphicFramePr>
         <p:xfrm>
           <a:off x="2355917" y="725543"/>
@@ -26060,13 +28868,7 @@
           <p:cNvGraphicFramePr>
             <a:graphicFrameLocks noChangeAspect="1"/>
           </p:cNvGraphicFramePr>
-          <p:nvPr>
-            <p:extLst>
-              <p:ext uri="{D42A27DB-BD31-4B8C-83A1-F6EECF244321}">
-                <p14:modId xmlns:p14="http://schemas.microsoft.com/office/powerpoint/2010/main" val="3799936727"/>
-              </p:ext>
-            </p:extLst>
-          </p:nvPr>
+          <p:nvPr/>
         </p:nvGraphicFramePr>
         <p:xfrm>
           <a:off x="2721689" y="1281310"/>
@@ -26076,7 +28878,7 @@
           <a:graphicData uri="http://schemas.openxmlformats.org/presentationml/2006/ole">
             <mc:AlternateContent xmlns:mc="http://schemas.openxmlformats.org/markup-compatibility/2006">
               <mc:Choice xmlns:v="urn:schemas-microsoft-com:vml" Requires="v">
-                <p:oleObj spid="_x0000_s7420" name="CS ChemDraw Drawing" r:id="rId3" imgW="1362010" imgH="1607449" progId="ChemDraw.Document.6.0">
+                <p:oleObj spid="_x0000_s31751" name="CS ChemDraw Drawing" r:id="rId3" imgW="1362010" imgH="1607449" progId="ChemDraw.Document.6.0">
                   <p:embed/>
                 </p:oleObj>
               </mc:Choice>
@@ -26085,10 +28887,10 @@
                   <p:embed/>
                   <p:pic>
                     <p:nvPicPr>
-                      <p:cNvPr id="3" name="Object 2">
+                      <p:cNvPr id="12" name="Object 11">
                         <a:extLst>
                           <a:ext uri="{FF2B5EF4-FFF2-40B4-BE49-F238E27FC236}">
-                            <a16:creationId xmlns:a16="http://schemas.microsoft.com/office/drawing/2014/main" id="{2C53DDA7-C131-49BE-BB35-D4B282F574DC}"/>
+                            <a16:creationId xmlns:a16="http://schemas.microsoft.com/office/drawing/2014/main" id="{D2D32A24-6B27-448E-9768-FDBB154999AA}"/>
                           </a:ext>
                         </a:extLst>
                       </p:cNvPr>
@@ -26129,13 +28931,7 @@
           <p:cNvGraphicFramePr>
             <a:graphicFrameLocks noChangeAspect="1"/>
           </p:cNvGraphicFramePr>
-          <p:nvPr>
-            <p:extLst>
-              <p:ext uri="{D42A27DB-BD31-4B8C-83A1-F6EECF244321}">
-                <p14:modId xmlns:p14="http://schemas.microsoft.com/office/powerpoint/2010/main" val="98599594"/>
-              </p:ext>
-            </p:extLst>
-          </p:nvPr>
+          <p:nvPr/>
         </p:nvGraphicFramePr>
         <p:xfrm>
           <a:off x="2584448" y="2781373"/>
@@ -26145,7 +28941,7 @@
           <a:graphicData uri="http://schemas.openxmlformats.org/presentationml/2006/ole">
             <mc:AlternateContent xmlns:mc="http://schemas.openxmlformats.org/markup-compatibility/2006">
               <mc:Choice xmlns:v="urn:schemas-microsoft-com:vml" Requires="v">
-                <p:oleObj spid="_x0000_s7421" name="CS ChemDraw Drawing" r:id="rId5" imgW="1468671" imgH="1424379" progId="ChemDraw.Document.6.0">
+                <p:oleObj spid="_x0000_s31752" name="CS ChemDraw Drawing" r:id="rId5" imgW="1468671" imgH="1424379" progId="ChemDraw.Document.6.0">
                   <p:embed/>
                 </p:oleObj>
               </mc:Choice>
@@ -26154,10 +28950,10 @@
                   <p:embed/>
                   <p:pic>
                     <p:nvPicPr>
-                      <p:cNvPr id="12" name="Object 11">
+                      <p:cNvPr id="21" name="Object 20">
                         <a:extLst>
                           <a:ext uri="{FF2B5EF4-FFF2-40B4-BE49-F238E27FC236}">
-                            <a16:creationId xmlns:a16="http://schemas.microsoft.com/office/drawing/2014/main" id="{D2D32A24-6B27-448E-9768-FDBB154999AA}"/>
+                            <a16:creationId xmlns:a16="http://schemas.microsoft.com/office/drawing/2014/main" id="{391CC932-30F2-4E32-88A1-C9A2BE1AF7EE}"/>
                           </a:ext>
                         </a:extLst>
                       </p:cNvPr>
@@ -26198,13 +28994,7 @@
           <p:cNvGraphicFramePr>
             <a:graphicFrameLocks noChangeAspect="1"/>
           </p:cNvGraphicFramePr>
-          <p:nvPr>
-            <p:extLst>
-              <p:ext uri="{D42A27DB-BD31-4B8C-83A1-F6EECF244321}">
-                <p14:modId xmlns:p14="http://schemas.microsoft.com/office/powerpoint/2010/main" val="2785207059"/>
-              </p:ext>
-            </p:extLst>
-          </p:nvPr>
+          <p:nvPr/>
         </p:nvGraphicFramePr>
         <p:xfrm>
           <a:off x="2774718" y="4171464"/>
@@ -26214,7 +29004,7 @@
           <a:graphicData uri="http://schemas.openxmlformats.org/presentationml/2006/ole">
             <mc:AlternateContent xmlns:mc="http://schemas.openxmlformats.org/markup-compatibility/2006">
               <mc:Choice xmlns:v="urn:schemas-microsoft-com:vml" Requires="v">
-                <p:oleObj spid="_x0000_s7422" name="CS ChemDraw Drawing" r:id="rId7" imgW="1089306" imgH="1068095" progId="ChemDraw.Document.6.0">
+                <p:oleObj spid="_x0000_s31753" name="CS ChemDraw Drawing" r:id="rId7" imgW="1089306" imgH="1068095" progId="ChemDraw.Document.6.0">
                   <p:embed/>
                 </p:oleObj>
               </mc:Choice>
@@ -26223,10 +29013,10 @@
                   <p:embed/>
                   <p:pic>
                     <p:nvPicPr>
-                      <p:cNvPr id="21" name="Object 20">
+                      <p:cNvPr id="25" name="Object 24">
                         <a:extLst>
                           <a:ext uri="{FF2B5EF4-FFF2-40B4-BE49-F238E27FC236}">
-                            <a16:creationId xmlns:a16="http://schemas.microsoft.com/office/drawing/2014/main" id="{391CC932-30F2-4E32-88A1-C9A2BE1AF7EE}"/>
+                            <a16:creationId xmlns:a16="http://schemas.microsoft.com/office/drawing/2014/main" id="{D6539795-FB1E-46F3-9EA0-595C2405B329}"/>
                           </a:ext>
                         </a:extLst>
                       </p:cNvPr>
@@ -26267,13 +29057,7 @@
           <p:cNvGraphicFramePr>
             <a:graphicFrameLocks noChangeAspect="1"/>
           </p:cNvGraphicFramePr>
-          <p:nvPr>
-            <p:extLst>
-              <p:ext uri="{D42A27DB-BD31-4B8C-83A1-F6EECF244321}">
-                <p14:modId xmlns:p14="http://schemas.microsoft.com/office/powerpoint/2010/main" val="1668826399"/>
-              </p:ext>
-            </p:extLst>
-          </p:nvPr>
+          <p:nvPr/>
         </p:nvGraphicFramePr>
         <p:xfrm>
           <a:off x="5644458" y="4226292"/>
@@ -26283,7 +29067,7 @@
           <a:graphicData uri="http://schemas.openxmlformats.org/presentationml/2006/ole">
             <mc:AlternateContent xmlns:mc="http://schemas.openxmlformats.org/markup-compatibility/2006">
               <mc:Choice xmlns:v="urn:schemas-microsoft-com:vml" Requires="v">
-                <p:oleObj spid="_x0000_s7423" name="CS ChemDraw Drawing" r:id="rId9" imgW="904729" imgH="567781" progId="ChemDraw.Document.6.0">
+                <p:oleObj spid="_x0000_s31754" name="CS ChemDraw Drawing" r:id="rId9" imgW="904729" imgH="567781" progId="ChemDraw.Document.6.0">
                   <p:embed/>
                 </p:oleObj>
               </mc:Choice>
@@ -26292,10 +29076,10 @@
                   <p:embed/>
                   <p:pic>
                     <p:nvPicPr>
-                      <p:cNvPr id="25" name="Object 24">
+                      <p:cNvPr id="26" name="Object 25">
                         <a:extLst>
                           <a:ext uri="{FF2B5EF4-FFF2-40B4-BE49-F238E27FC236}">
-                            <a16:creationId xmlns:a16="http://schemas.microsoft.com/office/drawing/2014/main" id="{D6539795-FB1E-46F3-9EA0-595C2405B329}"/>
+                            <a16:creationId xmlns:a16="http://schemas.microsoft.com/office/drawing/2014/main" id="{7BC1E390-7A92-4EC1-A961-25749F2AC010}"/>
                           </a:ext>
                         </a:extLst>
                       </p:cNvPr>
@@ -26336,13 +29120,7 @@
           <p:cNvGraphicFramePr>
             <a:graphicFrameLocks noChangeAspect="1"/>
           </p:cNvGraphicFramePr>
-          <p:nvPr>
-            <p:extLst>
-              <p:ext uri="{D42A27DB-BD31-4B8C-83A1-F6EECF244321}">
-                <p14:modId xmlns:p14="http://schemas.microsoft.com/office/powerpoint/2010/main" val="4276248505"/>
-              </p:ext>
-            </p:extLst>
-          </p:nvPr>
+          <p:nvPr/>
         </p:nvGraphicFramePr>
         <p:xfrm>
           <a:off x="5728513" y="4753633"/>
@@ -26352,7 +29130,7 @@
           <a:graphicData uri="http://schemas.openxmlformats.org/presentationml/2006/ole">
             <mc:AlternateContent xmlns:mc="http://schemas.openxmlformats.org/markup-compatibility/2006">
               <mc:Choice xmlns:v="urn:schemas-microsoft-com:vml" Requires="v">
-                <p:oleObj spid="_x0000_s7424" name="CS ChemDraw Drawing" r:id="rId11" imgW="746250" imgH="423372" progId="ChemDraw.Document.6.0">
+                <p:oleObj spid="_x0000_s31755" name="CS ChemDraw Drawing" r:id="rId11" imgW="746250" imgH="423372" progId="ChemDraw.Document.6.0">
                   <p:embed/>
                 </p:oleObj>
               </mc:Choice>
@@ -26361,10 +29139,10 @@
                   <p:embed/>
                   <p:pic>
                     <p:nvPicPr>
-                      <p:cNvPr id="26" name="Object 25">
+                      <p:cNvPr id="27" name="Object 26">
                         <a:extLst>
                           <a:ext uri="{FF2B5EF4-FFF2-40B4-BE49-F238E27FC236}">
-                            <a16:creationId xmlns:a16="http://schemas.microsoft.com/office/drawing/2014/main" id="{7BC1E390-7A92-4EC1-A961-25749F2AC010}"/>
+                            <a16:creationId xmlns:a16="http://schemas.microsoft.com/office/drawing/2014/main" id="{058DCA4B-7807-4A14-B7DF-BEE033F744D7}"/>
                           </a:ext>
                         </a:extLst>
                       </p:cNvPr>
@@ -26396,7 +29174,7 @@
     </p:spTree>
     <p:extLst>
       <p:ext uri="{BB962C8B-B14F-4D97-AF65-F5344CB8AC3E}">
-        <p14:creationId xmlns:p14="http://schemas.microsoft.com/office/powerpoint/2010/main" val="3490551429"/>
+        <p14:creationId xmlns:p14="http://schemas.microsoft.com/office/powerpoint/2010/main" val="3953670976"/>
       </p:ext>
     </p:extLst>
   </p:cSld>

--- a/Paper files/SAR_Tables_Paper.pptx
+++ b/Paper files/SAR_Tables_Paper.pptx
@@ -252,7 +252,7 @@
           <a:p>
             <a:fld id="{2D85E8BA-DC60-4B90-B41C-2E99493F9ADA}" type="datetimeFigureOut">
               <a:rPr lang="en-US" smtClean="0"/>
-              <a:t>1/4/2022</a:t>
+              <a:t>1/19/2022</a:t>
             </a:fld>
             <a:endParaRPr lang="en-US"/>
           </a:p>
@@ -422,7 +422,7 @@
           <a:p>
             <a:fld id="{2D85E8BA-DC60-4B90-B41C-2E99493F9ADA}" type="datetimeFigureOut">
               <a:rPr lang="en-US" smtClean="0"/>
-              <a:t>1/4/2022</a:t>
+              <a:t>1/19/2022</a:t>
             </a:fld>
             <a:endParaRPr lang="en-US"/>
           </a:p>
@@ -602,7 +602,7 @@
           <a:p>
             <a:fld id="{2D85E8BA-DC60-4B90-B41C-2E99493F9ADA}" type="datetimeFigureOut">
               <a:rPr lang="en-US" smtClean="0"/>
-              <a:t>1/4/2022</a:t>
+              <a:t>1/19/2022</a:t>
             </a:fld>
             <a:endParaRPr lang="en-US"/>
           </a:p>
@@ -772,7 +772,7 @@
           <a:p>
             <a:fld id="{2D85E8BA-DC60-4B90-B41C-2E99493F9ADA}" type="datetimeFigureOut">
               <a:rPr lang="en-US" smtClean="0"/>
-              <a:t>1/4/2022</a:t>
+              <a:t>1/19/2022</a:t>
             </a:fld>
             <a:endParaRPr lang="en-US"/>
           </a:p>
@@ -1016,7 +1016,7 @@
           <a:p>
             <a:fld id="{2D85E8BA-DC60-4B90-B41C-2E99493F9ADA}" type="datetimeFigureOut">
               <a:rPr lang="en-US" smtClean="0"/>
-              <a:t>1/4/2022</a:t>
+              <a:t>1/19/2022</a:t>
             </a:fld>
             <a:endParaRPr lang="en-US"/>
           </a:p>
@@ -1248,7 +1248,7 @@
           <a:p>
             <a:fld id="{2D85E8BA-DC60-4B90-B41C-2E99493F9ADA}" type="datetimeFigureOut">
               <a:rPr lang="en-US" smtClean="0"/>
-              <a:t>1/4/2022</a:t>
+              <a:t>1/19/2022</a:t>
             </a:fld>
             <a:endParaRPr lang="en-US"/>
           </a:p>
@@ -1615,7 +1615,7 @@
           <a:p>
             <a:fld id="{2D85E8BA-DC60-4B90-B41C-2E99493F9ADA}" type="datetimeFigureOut">
               <a:rPr lang="en-US" smtClean="0"/>
-              <a:t>1/4/2022</a:t>
+              <a:t>1/19/2022</a:t>
             </a:fld>
             <a:endParaRPr lang="en-US"/>
           </a:p>
@@ -1733,7 +1733,7 @@
           <a:p>
             <a:fld id="{2D85E8BA-DC60-4B90-B41C-2E99493F9ADA}" type="datetimeFigureOut">
               <a:rPr lang="en-US" smtClean="0"/>
-              <a:t>1/4/2022</a:t>
+              <a:t>1/19/2022</a:t>
             </a:fld>
             <a:endParaRPr lang="en-US"/>
           </a:p>
@@ -1828,7 +1828,7 @@
           <a:p>
             <a:fld id="{2D85E8BA-DC60-4B90-B41C-2E99493F9ADA}" type="datetimeFigureOut">
               <a:rPr lang="en-US" smtClean="0"/>
-              <a:t>1/4/2022</a:t>
+              <a:t>1/19/2022</a:t>
             </a:fld>
             <a:endParaRPr lang="en-US"/>
           </a:p>
@@ -2105,7 +2105,7 @@
           <a:p>
             <a:fld id="{2D85E8BA-DC60-4B90-B41C-2E99493F9ADA}" type="datetimeFigureOut">
               <a:rPr lang="en-US" smtClean="0"/>
-              <a:t>1/4/2022</a:t>
+              <a:t>1/19/2022</a:t>
             </a:fld>
             <a:endParaRPr lang="en-US"/>
           </a:p>
@@ -2362,7 +2362,7 @@
           <a:p>
             <a:fld id="{2D85E8BA-DC60-4B90-B41C-2E99493F9ADA}" type="datetimeFigureOut">
               <a:rPr lang="en-US" smtClean="0"/>
-              <a:t>1/4/2022</a:t>
+              <a:t>1/19/2022</a:t>
             </a:fld>
             <a:endParaRPr lang="en-US"/>
           </a:p>
@@ -2575,7 +2575,7 @@
           <a:p>
             <a:fld id="{2D85E8BA-DC60-4B90-B41C-2E99493F9ADA}" type="datetimeFigureOut">
               <a:rPr lang="en-US" smtClean="0"/>
-              <a:t>1/4/2022</a:t>
+              <a:t>1/19/2022</a:t>
             </a:fld>
             <a:endParaRPr lang="en-US"/>
           </a:p>
@@ -5406,7 +5406,7 @@
           <a:graphicData uri="http://schemas.openxmlformats.org/presentationml/2006/ole">
             <mc:AlternateContent xmlns:mc="http://schemas.openxmlformats.org/markup-compatibility/2006">
               <mc:Choice xmlns:v="urn:schemas-microsoft-com:vml" Requires="v">
-                <p:oleObj spid="_x0000_s7432" name="CS ChemDraw Drawing" r:id="rId3" imgW="1014794" imgH="773971" progId="ChemDraw.Document.6.0">
+                <p:oleObj spid="_x0000_s7439" name="CS ChemDraw Drawing" r:id="rId3" imgW="1014794" imgH="773971" progId="ChemDraw.Document.6.0">
                   <p:embed/>
                 </p:oleObj>
               </mc:Choice>
@@ -5475,7 +5475,7 @@
           <a:graphicData uri="http://schemas.openxmlformats.org/presentationml/2006/ole">
             <mc:AlternateContent xmlns:mc="http://schemas.openxmlformats.org/markup-compatibility/2006">
               <mc:Choice xmlns:v="urn:schemas-microsoft-com:vml" Requires="v">
-                <p:oleObj spid="_x0000_s7433" name="CS ChemDraw Drawing" r:id="rId5" imgW="866527" imgH="532910" progId="ChemDraw.Document.6.0">
+                <p:oleObj spid="_x0000_s7440" name="CS ChemDraw Drawing" r:id="rId5" imgW="866527" imgH="532910" progId="ChemDraw.Document.6.0">
                   <p:embed/>
                 </p:oleObj>
               </mc:Choice>
@@ -5544,7 +5544,7 @@
           <a:graphicData uri="http://schemas.openxmlformats.org/presentationml/2006/ole">
             <mc:AlternateContent xmlns:mc="http://schemas.openxmlformats.org/markup-compatibility/2006">
               <mc:Choice xmlns:v="urn:schemas-microsoft-com:vml" Requires="v">
-                <p:oleObj spid="_x0000_s7434" name="CS ChemDraw Drawing" r:id="rId7" imgW="1202018" imgH="1110546" progId="ChemDraw.Document.6.0">
+                <p:oleObj spid="_x0000_s7441" name="CS ChemDraw Drawing" r:id="rId7" imgW="1202018" imgH="1110546" progId="ChemDraw.Document.6.0">
                   <p:embed/>
                 </p:oleObj>
               </mc:Choice>
@@ -5613,7 +5613,7 @@
           <a:graphicData uri="http://schemas.openxmlformats.org/presentationml/2006/ole">
             <mc:AlternateContent xmlns:mc="http://schemas.openxmlformats.org/markup-compatibility/2006">
               <mc:Choice xmlns:v="urn:schemas-microsoft-com:vml" Requires="v">
-                <p:oleObj spid="_x0000_s7435" name="CS ChemDraw Drawing" r:id="rId9" imgW="868419" imgH="532910" progId="ChemDraw.Document.6.0">
+                <p:oleObj spid="_x0000_s7442" name="CS ChemDraw Drawing" r:id="rId9" imgW="868419" imgH="532910" progId="ChemDraw.Document.6.0">
                   <p:embed/>
                 </p:oleObj>
               </mc:Choice>
@@ -5682,7 +5682,7 @@
           <a:graphicData uri="http://schemas.openxmlformats.org/presentationml/2006/ole">
             <mc:AlternateContent xmlns:mc="http://schemas.openxmlformats.org/markup-compatibility/2006">
               <mc:Choice xmlns:v="urn:schemas-microsoft-com:vml" Requires="v">
-                <p:oleObj spid="_x0000_s7436" name="CS ChemDraw Drawing" r:id="rId11" imgW="868419" imgH="532910" progId="ChemDraw.Document.6.0">
+                <p:oleObj spid="_x0000_s7443" name="CS ChemDraw Drawing" r:id="rId11" imgW="868419" imgH="532910" progId="ChemDraw.Document.6.0">
                   <p:embed/>
                 </p:oleObj>
               </mc:Choice>
@@ -5751,7 +5751,7 @@
           <a:graphicData uri="http://schemas.openxmlformats.org/presentationml/2006/ole">
             <mc:AlternateContent xmlns:mc="http://schemas.openxmlformats.org/markup-compatibility/2006">
               <mc:Choice xmlns:v="urn:schemas-microsoft-com:vml" Requires="v">
-                <p:oleObj spid="_x0000_s7437" name="CS ChemDraw Drawing" r:id="rId13" imgW="417189" imgH="366897" progId="ChemDraw.Document.6.0">
+                <p:oleObj spid="_x0000_s7444" name="CS ChemDraw Drawing" r:id="rId13" imgW="417189" imgH="366897" progId="ChemDraw.Document.6.0">
                   <p:embed/>
                 </p:oleObj>
               </mc:Choice>
@@ -5820,7 +5820,7 @@
           <a:graphicData uri="http://schemas.openxmlformats.org/presentationml/2006/ole">
             <mc:AlternateContent xmlns:mc="http://schemas.openxmlformats.org/markup-compatibility/2006">
               <mc:Choice xmlns:v="urn:schemas-microsoft-com:vml" Requires="v">
-                <p:oleObj spid="_x0000_s7438" name="CS ChemDraw Drawing" r:id="rId15" imgW="339273" imgH="345672" progId="ChemDraw.Document.6.0">
+                <p:oleObj spid="_x0000_s7445" name="CS ChemDraw Drawing" r:id="rId15" imgW="339273" imgH="345672" progId="ChemDraw.Document.6.0">
                   <p:embed/>
                 </p:oleObj>
               </mc:Choice>
@@ -5947,7 +5947,7 @@
           <a:graphicData uri="http://schemas.openxmlformats.org/presentationml/2006/ole">
             <mc:AlternateContent xmlns:mc="http://schemas.openxmlformats.org/markup-compatibility/2006">
               <mc:Choice xmlns:v="urn:schemas-microsoft-com:vml" Requires="v">
-                <p:oleObj spid="_x0000_s1077" name="CS ChemDraw Drawing" r:id="rId3" imgW="1157760" imgH="1275120" progId="ChemDraw.Document.6.0">
+                <p:oleObj spid="_x0000_s1078" name="CS ChemDraw Drawing" r:id="rId3" imgW="1157760" imgH="1275120" progId="ChemDraw.Document.6.0">
                   <p:embed/>
                 </p:oleObj>
               </mc:Choice>
@@ -8009,7 +8009,7 @@
           <a:graphicData uri="http://schemas.openxmlformats.org/presentationml/2006/ole">
             <mc:AlternateContent xmlns:mc="http://schemas.openxmlformats.org/markup-compatibility/2006">
               <mc:Choice xmlns:v="urn:schemas-microsoft-com:vml" Requires="v">
-                <p:oleObj spid="_x0000_s2764" name="CS ChemDraw Drawing" r:id="rId3" imgW="1012903" imgH="773752" progId="ChemDraw.Document.6.0">
+                <p:oleObj spid="_x0000_s2778" name="CS ChemDraw Drawing" r:id="rId3" imgW="1012903" imgH="773752" progId="ChemDraw.Document.6.0">
                   <p:embed/>
                 </p:oleObj>
               </mc:Choice>
@@ -8078,7 +8078,7 @@
           <a:graphicData uri="http://schemas.openxmlformats.org/presentationml/2006/ole">
             <mc:AlternateContent xmlns:mc="http://schemas.openxmlformats.org/markup-compatibility/2006">
               <mc:Choice xmlns:v="urn:schemas-microsoft-com:vml" Requires="v">
-                <p:oleObj spid="_x0000_s2765" name="CS ChemDraw Drawing" r:id="rId5" imgW="902081" imgH="567871" progId="ChemDraw.Document.6.0">
+                <p:oleObj spid="_x0000_s2779" name="CS ChemDraw Drawing" r:id="rId5" imgW="902081" imgH="567871" progId="ChemDraw.Document.6.0">
                   <p:embed/>
                 </p:oleObj>
               </mc:Choice>
@@ -8147,7 +8147,7 @@
           <a:graphicData uri="http://schemas.openxmlformats.org/presentationml/2006/ole">
             <mc:AlternateContent xmlns:mc="http://schemas.openxmlformats.org/markup-compatibility/2006">
               <mc:Choice xmlns:v="urn:schemas-microsoft-com:vml" Requires="v">
-                <p:oleObj spid="_x0000_s2766" name="CS ChemDraw Drawing" r:id="rId7" imgW="866906" imgH="532803" progId="ChemDraw.Document.6.0">
+                <p:oleObj spid="_x0000_s2780" name="CS ChemDraw Drawing" r:id="rId7" imgW="866906" imgH="532803" progId="ChemDraw.Document.6.0">
                   <p:embed/>
                 </p:oleObj>
               </mc:Choice>
@@ -8216,7 +8216,7 @@
           <a:graphicData uri="http://schemas.openxmlformats.org/presentationml/2006/ole">
             <mc:AlternateContent xmlns:mc="http://schemas.openxmlformats.org/markup-compatibility/2006">
               <mc:Choice xmlns:v="urn:schemas-microsoft-com:vml" Requires="v">
-                <p:oleObj spid="_x0000_s2767" name="CS ChemDraw Drawing" r:id="rId9" imgW="868419" imgH="533180" progId="ChemDraw.Document.6.0">
+                <p:oleObj spid="_x0000_s2781" name="CS ChemDraw Drawing" r:id="rId9" imgW="868419" imgH="533180" progId="ChemDraw.Document.6.0">
                   <p:embed/>
                 </p:oleObj>
               </mc:Choice>
@@ -8285,7 +8285,7 @@
           <a:graphicData uri="http://schemas.openxmlformats.org/presentationml/2006/ole">
             <mc:AlternateContent xmlns:mc="http://schemas.openxmlformats.org/markup-compatibility/2006">
               <mc:Choice xmlns:v="urn:schemas-microsoft-com:vml" Requires="v">
-                <p:oleObj spid="_x0000_s2768" name="CS ChemDraw Drawing" r:id="rId11" imgW="866906" imgH="513195" progId="ChemDraw.Document.6.0">
+                <p:oleObj spid="_x0000_s2782" name="CS ChemDraw Drawing" r:id="rId11" imgW="866906" imgH="513195" progId="ChemDraw.Document.6.0">
                   <p:embed/>
                 </p:oleObj>
               </mc:Choice>
@@ -8354,7 +8354,7 @@
           <a:graphicData uri="http://schemas.openxmlformats.org/presentationml/2006/ole">
             <mc:AlternateContent xmlns:mc="http://schemas.openxmlformats.org/markup-compatibility/2006">
               <mc:Choice xmlns:v="urn:schemas-microsoft-com:vml" Requires="v">
-                <p:oleObj spid="_x0000_s2769" name="CS ChemDraw Drawing" r:id="rId13" imgW="868040" imgH="513195" progId="ChemDraw.Document.6.0">
+                <p:oleObj spid="_x0000_s2783" name="CS ChemDraw Drawing" r:id="rId13" imgW="868040" imgH="513195" progId="ChemDraw.Document.6.0">
                   <p:embed/>
                 </p:oleObj>
               </mc:Choice>
@@ -8423,7 +8423,7 @@
           <a:graphicData uri="http://schemas.openxmlformats.org/presentationml/2006/ole">
             <mc:AlternateContent xmlns:mc="http://schemas.openxmlformats.org/markup-compatibility/2006">
               <mc:Choice xmlns:v="urn:schemas-microsoft-com:vml" Requires="v">
-                <p:oleObj spid="_x0000_s2770" name="CS ChemDraw Drawing" r:id="rId15" imgW="866527" imgH="533180" progId="ChemDraw.Document.6.0">
+                <p:oleObj spid="_x0000_s2784" name="CS ChemDraw Drawing" r:id="rId15" imgW="866527" imgH="533180" progId="ChemDraw.Document.6.0">
                   <p:embed/>
                 </p:oleObj>
               </mc:Choice>
@@ -8492,7 +8492,7 @@
           <a:graphicData uri="http://schemas.openxmlformats.org/presentationml/2006/ole">
             <mc:AlternateContent xmlns:mc="http://schemas.openxmlformats.org/markup-compatibility/2006">
               <mc:Choice xmlns:v="urn:schemas-microsoft-com:vml" Requires="v">
-                <p:oleObj spid="_x0000_s2771" name="CS ChemDraw Drawing" r:id="rId17" imgW="868419" imgH="531672" progId="ChemDraw.Document.6.0">
+                <p:oleObj spid="_x0000_s2785" name="CS ChemDraw Drawing" r:id="rId17" imgW="868419" imgH="531672" progId="ChemDraw.Document.6.0">
                   <p:embed/>
                 </p:oleObj>
               </mc:Choice>
@@ -8561,7 +8561,7 @@
           <a:graphicData uri="http://schemas.openxmlformats.org/presentationml/2006/ole">
             <mc:AlternateContent xmlns:mc="http://schemas.openxmlformats.org/markup-compatibility/2006">
               <mc:Choice xmlns:v="urn:schemas-microsoft-com:vml" Requires="v">
-                <p:oleObj spid="_x0000_s2772" name="CS ChemDraw Drawing" r:id="rId19" imgW="868419" imgH="513195" progId="ChemDraw.Document.6.0">
+                <p:oleObj spid="_x0000_s2786" name="CS ChemDraw Drawing" r:id="rId19" imgW="868419" imgH="513195" progId="ChemDraw.Document.6.0">
                   <p:embed/>
                 </p:oleObj>
               </mc:Choice>
@@ -8630,7 +8630,7 @@
           <a:graphicData uri="http://schemas.openxmlformats.org/presentationml/2006/ole">
             <mc:AlternateContent xmlns:mc="http://schemas.openxmlformats.org/markup-compatibility/2006">
               <mc:Choice xmlns:v="urn:schemas-microsoft-com:vml" Requires="v">
-                <p:oleObj spid="_x0000_s2773" name="CS ChemDraw Drawing" r:id="rId21" imgW="1122590" imgH="584837" progId="ChemDraw.Document.6.0">
+                <p:oleObj spid="_x0000_s2787" name="CS ChemDraw Drawing" r:id="rId21" imgW="1122590" imgH="584837" progId="ChemDraw.Document.6.0">
                   <p:embed/>
                 </p:oleObj>
               </mc:Choice>
@@ -8699,7 +8699,7 @@
           <a:graphicData uri="http://schemas.openxmlformats.org/presentationml/2006/ole">
             <mc:AlternateContent xmlns:mc="http://schemas.openxmlformats.org/markup-compatibility/2006">
               <mc:Choice xmlns:v="urn:schemas-microsoft-com:vml" Requires="v">
-                <p:oleObj spid="_x0000_s2774" name="CS ChemDraw Drawing" r:id="rId23" imgW="700484" imgH="615382" progId="ChemDraw.Document.6.0">
+                <p:oleObj spid="_x0000_s2788" name="CS ChemDraw Drawing" r:id="rId23" imgW="700484" imgH="615382" progId="ChemDraw.Document.6.0">
                   <p:embed/>
                 </p:oleObj>
               </mc:Choice>
@@ -8768,7 +8768,7 @@
           <a:graphicData uri="http://schemas.openxmlformats.org/presentationml/2006/ole">
             <mc:AlternateContent xmlns:mc="http://schemas.openxmlformats.org/markup-compatibility/2006">
               <mc:Choice xmlns:v="urn:schemas-microsoft-com:vml" Requires="v">
-                <p:oleObj spid="_x0000_s2775" name="CS ChemDraw Drawing" r:id="rId25" imgW="901703" imgH="513195" progId="ChemDraw.Document.6.0">
+                <p:oleObj spid="_x0000_s2789" name="CS ChemDraw Drawing" r:id="rId25" imgW="901703" imgH="513195" progId="ChemDraw.Document.6.0">
                   <p:embed/>
                 </p:oleObj>
               </mc:Choice>
@@ -8837,7 +8837,7 @@
           <a:graphicData uri="http://schemas.openxmlformats.org/presentationml/2006/ole">
             <mc:AlternateContent xmlns:mc="http://schemas.openxmlformats.org/markup-compatibility/2006">
               <mc:Choice xmlns:v="urn:schemas-microsoft-com:vml" Requires="v">
-                <p:oleObj spid="_x0000_s2776" name="CS ChemDraw Drawing" r:id="rId27" imgW="868419" imgH="531672" progId="ChemDraw.Document.6.0">
+                <p:oleObj spid="_x0000_s2790" name="CS ChemDraw Drawing" r:id="rId27" imgW="868419" imgH="531672" progId="ChemDraw.Document.6.0">
                   <p:embed/>
                 </p:oleObj>
               </mc:Choice>
@@ -8906,7 +8906,7 @@
           <a:graphicData uri="http://schemas.openxmlformats.org/presentationml/2006/ole">
             <mc:AlternateContent xmlns:mc="http://schemas.openxmlformats.org/markup-compatibility/2006">
               <mc:Choice xmlns:v="urn:schemas-microsoft-com:vml" Requires="v">
-                <p:oleObj spid="_x0000_s2777" name="CS ChemDraw Drawing" r:id="rId29" imgW="1045053" imgH="531672" progId="ChemDraw.Document.6.0">
+                <p:oleObj spid="_x0000_s2791" name="CS ChemDraw Drawing" r:id="rId29" imgW="1045053" imgH="531672" progId="ChemDraw.Document.6.0">
                   <p:embed/>
                 </p:oleObj>
               </mc:Choice>
@@ -12161,7 +12161,7 @@
           <a:graphicData uri="http://schemas.openxmlformats.org/presentationml/2006/ole">
             <mc:AlternateContent xmlns:mc="http://schemas.openxmlformats.org/markup-compatibility/2006">
               <mc:Choice xmlns:v="urn:schemas-microsoft-com:vml" Requires="v">
-                <p:oleObj spid="_x0000_s16172" name="CS ChemDraw Drawing" r:id="rId3" imgW="1118051" imgH="1022233" progId="ChemDraw.Document.6.0">
+                <p:oleObj spid="_x0000_s16175" name="CS ChemDraw Drawing" r:id="rId3" imgW="1118051" imgH="1022233" progId="ChemDraw.Document.6.0">
                   <p:embed/>
                 </p:oleObj>
               </mc:Choice>
@@ -12265,7 +12265,7 @@
           <a:graphicData uri="http://schemas.openxmlformats.org/presentationml/2006/ole">
             <mc:AlternateContent xmlns:mc="http://schemas.openxmlformats.org/markup-compatibility/2006">
               <mc:Choice xmlns:v="urn:schemas-microsoft-com:vml" Requires="v">
-                <p:oleObj spid="_x0000_s16173" name="CS ChemDraw Drawing" r:id="rId5" imgW="1180459" imgH="1140868" progId="ChemDraw.Document.6.0">
+                <p:oleObj spid="_x0000_s16176" name="CS ChemDraw Drawing" r:id="rId5" imgW="1180459" imgH="1140868" progId="ChemDraw.Document.6.0">
                   <p:embed/>
                 </p:oleObj>
               </mc:Choice>
@@ -12334,7 +12334,7 @@
           <a:graphicData uri="http://schemas.openxmlformats.org/presentationml/2006/ole">
             <mc:AlternateContent xmlns:mc="http://schemas.openxmlformats.org/markup-compatibility/2006">
               <mc:Choice xmlns:v="urn:schemas-microsoft-com:vml" Requires="v">
-                <p:oleObj spid="_x0000_s16174" name="CS ChemDraw Drawing" r:id="rId7" imgW="743224" imgH="514717" progId="ChemDraw.Document.6.0">
+                <p:oleObj spid="_x0000_s16177" name="CS ChemDraw Drawing" r:id="rId7" imgW="743224" imgH="514717" progId="ChemDraw.Document.6.0">
                   <p:embed/>
                 </p:oleObj>
               </mc:Choice>
@@ -14381,7 +14381,7 @@
           <a:graphicData uri="http://schemas.openxmlformats.org/presentationml/2006/ole">
             <mc:AlternateContent xmlns:mc="http://schemas.openxmlformats.org/markup-compatibility/2006">
               <mc:Choice xmlns:v="urn:schemas-microsoft-com:vml" Requires="v">
-                <p:oleObj spid="_x0000_s16980" name="CS ChemDraw Drawing" r:id="rId3" imgW="1042027" imgH="1087804" progId="ChemDraw.Document.6.0">
+                <p:oleObj spid="_x0000_s16993" name="CS ChemDraw Drawing" r:id="rId3" imgW="1042027" imgH="1087804" progId="ChemDraw.Document.6.0">
                   <p:embed/>
                 </p:oleObj>
               </mc:Choice>
@@ -14450,7 +14450,7 @@
           <a:graphicData uri="http://schemas.openxmlformats.org/presentationml/2006/ole">
             <mc:AlternateContent xmlns:mc="http://schemas.openxmlformats.org/markup-compatibility/2006">
               <mc:Choice xmlns:v="urn:schemas-microsoft-com:vml" Requires="v">
-                <p:oleObj spid="_x0000_s16981" name="CS ChemDraw Drawing" r:id="rId5" imgW="517798" imgH="508274" progId="ChemDraw.Document.6.0">
+                <p:oleObj spid="_x0000_s16994" name="CS ChemDraw Drawing" r:id="rId5" imgW="517798" imgH="508274" progId="ChemDraw.Document.6.0">
                   <p:embed/>
                 </p:oleObj>
               </mc:Choice>
@@ -14519,7 +14519,7 @@
           <a:graphicData uri="http://schemas.openxmlformats.org/presentationml/2006/ole">
             <mc:AlternateContent xmlns:mc="http://schemas.openxmlformats.org/markup-compatibility/2006">
               <mc:Choice xmlns:v="urn:schemas-microsoft-com:vml" Requires="v">
-                <p:oleObj spid="_x0000_s16982" name="CS ChemDraw Drawing" r:id="rId7" imgW="595336" imgH="522298" progId="ChemDraw.Document.6.0">
+                <p:oleObj spid="_x0000_s16995" name="CS ChemDraw Drawing" r:id="rId7" imgW="595336" imgH="522298" progId="ChemDraw.Document.6.0">
                   <p:embed/>
                 </p:oleObj>
               </mc:Choice>
@@ -14588,7 +14588,7 @@
           <a:graphicData uri="http://schemas.openxmlformats.org/presentationml/2006/ole">
             <mc:AlternateContent xmlns:mc="http://schemas.openxmlformats.org/markup-compatibility/2006">
               <mc:Choice xmlns:v="urn:schemas-microsoft-com:vml" Requires="v">
-                <p:oleObj spid="_x0000_s16983" name="CS ChemDraw Drawing" r:id="rId9" imgW="847238" imgH="523814" progId="ChemDraw.Document.6.0">
+                <p:oleObj spid="_x0000_s16996" name="CS ChemDraw Drawing" r:id="rId9" imgW="847238" imgH="523814" progId="ChemDraw.Document.6.0">
                   <p:embed/>
                 </p:oleObj>
               </mc:Choice>
@@ -14657,7 +14657,7 @@
           <a:graphicData uri="http://schemas.openxmlformats.org/presentationml/2006/ole">
             <mc:AlternateContent xmlns:mc="http://schemas.openxmlformats.org/markup-compatibility/2006">
               <mc:Choice xmlns:v="urn:schemas-microsoft-com:vml" Requires="v">
-                <p:oleObj spid="_x0000_s16984" name="CS ChemDraw Drawing" r:id="rId11" imgW="909646" imgH="522298" progId="ChemDraw.Document.6.0">
+                <p:oleObj spid="_x0000_s16997" name="CS ChemDraw Drawing" r:id="rId11" imgW="909646" imgH="522298" progId="ChemDraw.Document.6.0">
                   <p:embed/>
                 </p:oleObj>
               </mc:Choice>
@@ -14726,7 +14726,7 @@
           <a:graphicData uri="http://schemas.openxmlformats.org/presentationml/2006/ole">
             <mc:AlternateContent xmlns:mc="http://schemas.openxmlformats.org/markup-compatibility/2006">
               <mc:Choice xmlns:v="urn:schemas-microsoft-com:vml" Requires="v">
-                <p:oleObj spid="_x0000_s16985" name="CS ChemDraw Drawing" r:id="rId13" imgW="1276908" imgH="523814" progId="ChemDraw.Document.6.0">
+                <p:oleObj spid="_x0000_s16998" name="CS ChemDraw Drawing" r:id="rId13" imgW="1276908" imgH="523814" progId="ChemDraw.Document.6.0">
                   <p:embed/>
                 </p:oleObj>
               </mc:Choice>
@@ -14795,7 +14795,7 @@
           <a:graphicData uri="http://schemas.openxmlformats.org/presentationml/2006/ole">
             <mc:AlternateContent xmlns:mc="http://schemas.openxmlformats.org/markup-compatibility/2006">
               <mc:Choice xmlns:v="urn:schemas-microsoft-com:vml" Requires="v">
-                <p:oleObj spid="_x0000_s16986" name="CS ChemDraw Drawing" r:id="rId15" imgW="1055643" imgH="575740" progId="ChemDraw.Document.6.0">
+                <p:oleObj spid="_x0000_s16999" name="CS ChemDraw Drawing" r:id="rId15" imgW="1055643" imgH="575740" progId="ChemDraw.Document.6.0">
                   <p:embed/>
                 </p:oleObj>
               </mc:Choice>
@@ -14864,7 +14864,7 @@
           <a:graphicData uri="http://schemas.openxmlformats.org/presentationml/2006/ole">
             <mc:AlternateContent xmlns:mc="http://schemas.openxmlformats.org/markup-compatibility/2006">
               <mc:Choice xmlns:v="urn:schemas-microsoft-com:vml" Requires="v">
-                <p:oleObj spid="_x0000_s16987" name="CS ChemDraw Drawing" r:id="rId17" imgW="1202018" imgH="1110925" progId="ChemDraw.Document.6.0">
+                <p:oleObj spid="_x0000_s17000" name="CS ChemDraw Drawing" r:id="rId17" imgW="1202018" imgH="1110925" progId="ChemDraw.Document.6.0">
                   <p:embed/>
                 </p:oleObj>
               </mc:Choice>
@@ -14933,7 +14933,7 @@
           <a:graphicData uri="http://schemas.openxmlformats.org/presentationml/2006/ole">
             <mc:AlternateContent xmlns:mc="http://schemas.openxmlformats.org/markup-compatibility/2006">
               <mc:Choice xmlns:v="urn:schemas-microsoft-com:vml" Requires="v">
-                <p:oleObj spid="_x0000_s16988" name="CS ChemDraw Drawing" r:id="rId19" imgW="1078715" imgH="1141247" progId="ChemDraw.Document.6.0">
+                <p:oleObj spid="_x0000_s17001" name="CS ChemDraw Drawing" r:id="rId19" imgW="1078715" imgH="1141247" progId="ChemDraw.Document.6.0">
                   <p:embed/>
                 </p:oleObj>
               </mc:Choice>
@@ -15002,7 +15002,7 @@
           <a:graphicData uri="http://schemas.openxmlformats.org/presentationml/2006/ole">
             <mc:AlternateContent xmlns:mc="http://schemas.openxmlformats.org/markup-compatibility/2006">
               <mc:Choice xmlns:v="urn:schemas-microsoft-com:vml" Requires="v">
-                <p:oleObj spid="_x0000_s16989" name="CS ChemDraw Drawing" r:id="rId21" imgW="595336" imgH="522298" progId="ChemDraw.Document.6.0">
+                <p:oleObj spid="_x0000_s17002" name="CS ChemDraw Drawing" r:id="rId21" imgW="595336" imgH="522298" progId="ChemDraw.Document.6.0">
                   <p:embed/>
                 </p:oleObj>
               </mc:Choice>
@@ -15071,7 +15071,7 @@
           <a:graphicData uri="http://schemas.openxmlformats.org/presentationml/2006/ole">
             <mc:AlternateContent xmlns:mc="http://schemas.openxmlformats.org/markup-compatibility/2006">
               <mc:Choice xmlns:v="urn:schemas-microsoft-com:vml" Requires="v">
-                <p:oleObj spid="_x0000_s16990" name="CS ChemDraw Drawing" r:id="rId22" imgW="595336" imgH="522298" progId="ChemDraw.Document.6.0">
+                <p:oleObj spid="_x0000_s17003" name="CS ChemDraw Drawing" r:id="rId22" imgW="595336" imgH="522298" progId="ChemDraw.Document.6.0">
                   <p:embed/>
                 </p:oleObj>
               </mc:Choice>
@@ -15140,7 +15140,7 @@
           <a:graphicData uri="http://schemas.openxmlformats.org/presentationml/2006/ole">
             <mc:AlternateContent xmlns:mc="http://schemas.openxmlformats.org/markup-compatibility/2006">
               <mc:Choice xmlns:v="urn:schemas-microsoft-com:vml" Requires="v">
-                <p:oleObj spid="_x0000_s16991" name="CS ChemDraw Drawing" r:id="rId24" imgW="839673" imgH="462791" progId="ChemDraw.Document.6.0">
+                <p:oleObj spid="_x0000_s17004" name="CS ChemDraw Drawing" r:id="rId24" imgW="839673" imgH="462791" progId="ChemDraw.Document.6.0">
                   <p:embed/>
                 </p:oleObj>
               </mc:Choice>
@@ -15209,7 +15209,7 @@
           <a:graphicData uri="http://schemas.openxmlformats.org/presentationml/2006/ole">
             <mc:AlternateContent xmlns:mc="http://schemas.openxmlformats.org/markup-compatibility/2006">
               <mc:Choice xmlns:v="urn:schemas-microsoft-com:vml" Requires="v">
-                <p:oleObj spid="_x0000_s16992" name="CS ChemDraw Drawing" r:id="rId5" imgW="517798" imgH="508274" progId="ChemDraw.Document.6.0">
+                <p:oleObj spid="_x0000_s17005" name="CS ChemDraw Drawing" r:id="rId5" imgW="517798" imgH="508274" progId="ChemDraw.Document.6.0">
                   <p:embed/>
                 </p:oleObj>
               </mc:Choice>
@@ -16837,7 +16837,7 @@
           <a:graphicData uri="http://schemas.openxmlformats.org/presentationml/2006/ole">
             <mc:AlternateContent xmlns:mc="http://schemas.openxmlformats.org/markup-compatibility/2006">
               <mc:Choice xmlns:v="urn:schemas-microsoft-com:vml" Requires="v">
-                <p:oleObj spid="_x0000_s30778" name="CS ChemDraw Drawing" r:id="rId3" imgW="1208070" imgH="1489951" progId="ChemDraw.Document.6.0">
+                <p:oleObj spid="_x0000_s30785" name="CS ChemDraw Drawing" r:id="rId3" imgW="1208070" imgH="1489951" progId="ChemDraw.Document.6.0">
                   <p:embed/>
                 </p:oleObj>
               </mc:Choice>
@@ -16906,7 +16906,7 @@
           <a:graphicData uri="http://schemas.openxmlformats.org/presentationml/2006/ole">
             <mc:AlternateContent xmlns:mc="http://schemas.openxmlformats.org/markup-compatibility/2006">
               <mc:Choice xmlns:v="urn:schemas-microsoft-com:vml" Requires="v">
-                <p:oleObj spid="_x0000_s30779" name="CS ChemDraw Drawing" r:id="rId5" imgW="761757" imgH="638280" progId="ChemDraw.Document.6.0">
+                <p:oleObj spid="_x0000_s30786" name="CS ChemDraw Drawing" r:id="rId5" imgW="761757" imgH="638280" progId="ChemDraw.Document.6.0">
                   <p:embed/>
                 </p:oleObj>
               </mc:Choice>
@@ -18241,7 +18241,7 @@
           <a:graphicData uri="http://schemas.openxmlformats.org/presentationml/2006/ole">
             <mc:AlternateContent xmlns:mc="http://schemas.openxmlformats.org/markup-compatibility/2006">
               <mc:Choice xmlns:v="urn:schemas-microsoft-com:vml" Requires="v">
-                <p:oleObj spid="_x0000_s30780" name="CS ChemDraw Drawing" r:id="rId7" imgW="1089306" imgH="1488814" progId="ChemDraw.Document.6.0">
+                <p:oleObj spid="_x0000_s30787" name="CS ChemDraw Drawing" r:id="rId7" imgW="1089306" imgH="1488814" progId="ChemDraw.Document.6.0">
                   <p:embed/>
                 </p:oleObj>
               </mc:Choice>
@@ -18310,7 +18310,7 @@
           <a:graphicData uri="http://schemas.openxmlformats.org/presentationml/2006/ole">
             <mc:AlternateContent xmlns:mc="http://schemas.openxmlformats.org/markup-compatibility/2006">
               <mc:Choice xmlns:v="urn:schemas-microsoft-com:vml" Requires="v">
-                <p:oleObj spid="_x0000_s30781" name="CS ChemDraw Drawing" r:id="rId9" imgW="613491" imgH="310422" progId="ChemDraw.Document.6.0">
+                <p:oleObj spid="_x0000_s30788" name="CS ChemDraw Drawing" r:id="rId9" imgW="613491" imgH="310422" progId="ChemDraw.Document.6.0">
                   <p:embed/>
                 </p:oleObj>
               </mc:Choice>
@@ -18379,7 +18379,7 @@
           <a:graphicData uri="http://schemas.openxmlformats.org/presentationml/2006/ole">
             <mc:AlternateContent xmlns:mc="http://schemas.openxmlformats.org/markup-compatibility/2006">
               <mc:Choice xmlns:v="urn:schemas-microsoft-com:vml" Requires="v">
-                <p:oleObj spid="_x0000_s30782" name="CS ChemDraw Drawing" r:id="rId11" imgW="426266" imgH="246367" progId="ChemDraw.Document.6.0">
+                <p:oleObj spid="_x0000_s30789" name="CS ChemDraw Drawing" r:id="rId11" imgW="426266" imgH="246367" progId="ChemDraw.Document.6.0">
                   <p:embed/>
                 </p:oleObj>
               </mc:Choice>
@@ -18448,7 +18448,7 @@
           <a:graphicData uri="http://schemas.openxmlformats.org/presentationml/2006/ole">
             <mc:AlternateContent xmlns:mc="http://schemas.openxmlformats.org/markup-compatibility/2006">
               <mc:Choice xmlns:v="urn:schemas-microsoft-com:vml" Requires="v">
-                <p:oleObj spid="_x0000_s30783" name="CS ChemDraw Drawing" r:id="rId13" imgW="585124" imgH="246746" progId="ChemDraw.Document.6.0">
+                <p:oleObj spid="_x0000_s30790" name="CS ChemDraw Drawing" r:id="rId13" imgW="585124" imgH="246746" progId="ChemDraw.Document.6.0">
                   <p:embed/>
                 </p:oleObj>
               </mc:Choice>
@@ -18517,7 +18517,7 @@
           <a:graphicData uri="http://schemas.openxmlformats.org/presentationml/2006/ole">
             <mc:AlternateContent xmlns:mc="http://schemas.openxmlformats.org/markup-compatibility/2006">
               <mc:Choice xmlns:v="urn:schemas-microsoft-com:vml" Requires="v">
-                <p:oleObj spid="_x0000_s30784" name="CS ChemDraw Drawing" r:id="rId15" imgW="585124" imgH="327478" progId="ChemDraw.Document.6.0">
+                <p:oleObj spid="_x0000_s30791" name="CS ChemDraw Drawing" r:id="rId15" imgW="585124" imgH="327478" progId="ChemDraw.Document.6.0">
                   <p:embed/>
                 </p:oleObj>
               </mc:Choice>
@@ -18638,14 +18638,14 @@
           <p:nvPr>
             <p:extLst>
               <p:ext uri="{D42A27DB-BD31-4B8C-83A1-F6EECF244321}">
-                <p14:modId xmlns:p14="http://schemas.microsoft.com/office/powerpoint/2010/main" val="1780021055"/>
+                <p14:modId xmlns:p14="http://schemas.microsoft.com/office/powerpoint/2010/main" val="1154554729"/>
               </p:ext>
             </p:extLst>
           </p:nvPr>
         </p:nvGraphicFramePr>
         <p:xfrm>
           <a:off x="1888958" y="1482868"/>
-          <a:ext cx="7537317" cy="6033827"/>
+          <a:ext cx="7537317" cy="5576627"/>
         </p:xfrm>
         <a:graphic>
           <a:graphicData uri="http://schemas.openxmlformats.org/drawingml/2006/table">
@@ -19370,10 +19370,6 @@
                       <a:pPr algn="ctr"/>
                       <a:endParaRPr lang="en-US" sz="1200" dirty="0"/>
                     </a:p>
-                    <a:p>
-                      <a:pPr algn="ctr"/>
-                      <a:endParaRPr lang="en-US" sz="1200" dirty="0"/>
-                    </a:p>
                   </a:txBody>
                   <a:tcPr anchor="ctr"/>
                 </a:tc>
@@ -19479,165 +19475,6 @@
                       <a:pPr algn="ctr"/>
                       <a:r>
                         <a:rPr lang="en-US" sz="1200" b="1" dirty="0"/>
-                        <a:t>1009</a:t>
-                      </a:r>
-                    </a:p>
-                  </a:txBody>
-                  <a:tcPr anchor="ctr"/>
-                </a:tc>
-                <a:tc>
-                  <a:txBody>
-                    <a:bodyPr/>
-                    <a:lstStyle/>
-                    <a:p>
-                      <a:pPr algn="ctr"/>
-                      <a:r>
-                        <a:rPr lang="en-US" sz="1200" dirty="0"/>
-                        <a:t>&gt;32</a:t>
-                      </a:r>
-                    </a:p>
-                  </a:txBody>
-                  <a:tcPr anchor="ctr">
-                    <a:solidFill>
-                      <a:srgbClr val="FF5050"/>
-                    </a:solidFill>
-                  </a:tcPr>
-                </a:tc>
-                <a:tc>
-                  <a:txBody>
-                    <a:bodyPr/>
-                    <a:lstStyle/>
-                    <a:p>
-                      <a:pPr algn="ctr"/>
-                      <a:r>
-                        <a:rPr lang="en-US" sz="1200" i="1" dirty="0" err="1"/>
-                        <a:t>nd</a:t>
-                      </a:r>
-                      <a:endParaRPr lang="en-US" sz="1200" i="1" dirty="0"/>
-                    </a:p>
-                  </a:txBody>
-                  <a:tcPr anchor="ctr"/>
-                </a:tc>
-                <a:extLst>
-                  <a:ext uri="{0D108BD9-81ED-4DB2-BD59-A6C34878D82A}">
-                    <a16:rowId xmlns:a16="http://schemas.microsoft.com/office/drawing/2014/main" val="246630105"/>
-                  </a:ext>
-                </a:extLst>
-              </a:tr>
-              <a:tr h="457200">
-                <a:tc>
-                  <a:txBody>
-                    <a:bodyPr/>
-                    <a:lstStyle/>
-                    <a:p>
-                      <a:pPr algn="ctr"/>
-                      <a:endParaRPr lang="en-US" sz="1200" dirty="0"/>
-                    </a:p>
-                  </a:txBody>
-                  <a:tcPr anchor="ctr"/>
-                </a:tc>
-                <a:tc>
-                  <a:txBody>
-                    <a:bodyPr/>
-                    <a:lstStyle/>
-                    <a:p>
-                      <a:pPr algn="ctr"/>
-                      <a:r>
-                        <a:rPr lang="en-US" sz="1200" b="1" dirty="0"/>
-                        <a:t>862</a:t>
-                      </a:r>
-                    </a:p>
-                  </a:txBody>
-                  <a:tcPr anchor="ctr"/>
-                </a:tc>
-                <a:tc>
-                  <a:txBody>
-                    <a:bodyPr/>
-                    <a:lstStyle/>
-                    <a:p>
-                      <a:pPr algn="ctr"/>
-                      <a:r>
-                        <a:rPr lang="en-US" sz="1200" dirty="0"/>
-                        <a:t>&gt;32</a:t>
-                      </a:r>
-                    </a:p>
-                  </a:txBody>
-                  <a:tcPr anchor="ctr">
-                    <a:solidFill>
-                      <a:srgbClr val="FF5050"/>
-                    </a:solidFill>
-                  </a:tcPr>
-                </a:tc>
-                <a:tc>
-                  <a:txBody>
-                    <a:bodyPr/>
-                    <a:lstStyle/>
-                    <a:p>
-                      <a:pPr algn="ctr"/>
-                      <a:r>
-                        <a:rPr lang="en-US" sz="1200" dirty="0"/>
-                        <a:t>&gt;32</a:t>
-                      </a:r>
-                    </a:p>
-                  </a:txBody>
-                  <a:tcPr anchor="ctr">
-                    <a:lnR w="28575" cap="flat" cmpd="sng" algn="ctr">
-                      <a:solidFill>
-                        <a:schemeClr val="tx1"/>
-                      </a:solidFill>
-                      <a:prstDash val="solid"/>
-                      <a:round/>
-                      <a:headEnd type="none" w="med" len="med"/>
-                      <a:tailEnd type="none" w="med" len="med"/>
-                    </a:lnR>
-                    <a:solidFill>
-                      <a:srgbClr val="FF5050"/>
-                    </a:solidFill>
-                  </a:tcPr>
-                </a:tc>
-                <a:tc>
-                  <a:txBody>
-                    <a:bodyPr/>
-                    <a:lstStyle/>
-                    <a:p>
-                      <a:pPr algn="ctr"/>
-                      <a:endParaRPr lang="en-US" sz="1200" dirty="0"/>
-                    </a:p>
-                  </a:txBody>
-                  <a:tcPr anchor="ctr">
-                    <a:lnL w="28575" cap="flat" cmpd="sng" algn="ctr">
-                      <a:solidFill>
-                        <a:schemeClr val="tx1"/>
-                      </a:solidFill>
-                      <a:prstDash val="solid"/>
-                      <a:round/>
-                      <a:headEnd type="none" w="med" len="med"/>
-                      <a:tailEnd type="none" w="med" len="med"/>
-                    </a:lnL>
-                  </a:tcPr>
-                </a:tc>
-                <a:tc>
-                  <a:txBody>
-                    <a:bodyPr/>
-                    <a:lstStyle/>
-                    <a:p>
-                      <a:pPr algn="ctr"/>
-                      <a:r>
-                        <a:rPr lang="en-US" sz="1200" dirty="0"/>
-                        <a:t>H</a:t>
-                      </a:r>
-                    </a:p>
-                  </a:txBody>
-                  <a:tcPr anchor="ctr"/>
-                </a:tc>
-                <a:tc>
-                  <a:txBody>
-                    <a:bodyPr/>
-                    <a:lstStyle/>
-                    <a:p>
-                      <a:pPr algn="ctr"/>
-                      <a:r>
-                        <a:rPr lang="en-US" sz="1200" b="1" dirty="0"/>
                         <a:t>1008</a:t>
                       </a:r>
                     </a:p>
@@ -19707,7 +19544,7 @@
                       <a:pPr algn="ctr"/>
                       <a:r>
                         <a:rPr lang="en-US" sz="1200" b="1" dirty="0"/>
-                        <a:t>869</a:t>
+                        <a:t>862</a:t>
                       </a:r>
                     </a:p>
                   </a:txBody>
@@ -19905,7 +19742,7 @@
                       <a:pPr algn="ctr"/>
                       <a:r>
                         <a:rPr lang="en-US" sz="1200" b="1" dirty="0"/>
-                        <a:t>873</a:t>
+                        <a:t>869</a:t>
                       </a:r>
                     </a:p>
                   </a:txBody>
@@ -20074,7 +19911,7 @@
                       <a:pPr algn="ctr"/>
                       <a:r>
                         <a:rPr lang="en-US" sz="1200" b="1" dirty="0"/>
-                        <a:t>874</a:t>
+                        <a:t>873</a:t>
                       </a:r>
                     </a:p>
                   </a:txBody>
@@ -20241,7 +20078,10 @@
                     <a:lstStyle/>
                     <a:p>
                       <a:pPr algn="ctr"/>
-                      <a:endParaRPr lang="en-US" sz="1200" dirty="0"/>
+                      <a:r>
+                        <a:rPr lang="en-US" sz="1200" b="1" dirty="0"/>
+                        <a:t>874</a:t>
+                      </a:r>
                     </a:p>
                   </a:txBody>
                   <a:tcPr anchor="ctr"/>
@@ -20252,7 +20092,10 @@
                     <a:lstStyle/>
                     <a:p>
                       <a:pPr algn="ctr"/>
-                      <a:endParaRPr lang="en-US" sz="1200" dirty="0"/>
+                      <a:r>
+                        <a:rPr lang="en-US" sz="1200" dirty="0"/>
+                        <a:t>&gt;32</a:t>
+                      </a:r>
                     </a:p>
                   </a:txBody>
                   <a:tcPr anchor="ctr"/>
@@ -20263,7 +20106,10 @@
                     <a:lstStyle/>
                     <a:p>
                       <a:pPr algn="ctr"/>
-                      <a:endParaRPr lang="en-US" sz="1200" dirty="0"/>
+                      <a:r>
+                        <a:rPr lang="en-US" sz="1200" dirty="0"/>
+                        <a:t>&gt;32</a:t>
+                      </a:r>
                     </a:p>
                   </a:txBody>
                   <a:tcPr anchor="ctr">
@@ -20754,7 +20600,7 @@
           <a:graphicData uri="http://schemas.openxmlformats.org/presentationml/2006/ole">
             <mc:AlternateContent xmlns:mc="http://schemas.openxmlformats.org/markup-compatibility/2006">
               <mc:Choice xmlns:v="urn:schemas-microsoft-com:vml" Requires="v">
-                <p:oleObj spid="_x0000_s5985" name="CS ChemDraw Drawing" r:id="rId3" imgW="1222065" imgH="881972" progId="ChemDraw.Document.6.0">
+                <p:oleObj spid="_x0000_s6002" name="CS ChemDraw Drawing" r:id="rId3" imgW="1222065" imgH="881972" progId="ChemDraw.Document.6.0">
                   <p:embed/>
                 </p:oleObj>
               </mc:Choice>
@@ -20823,7 +20669,7 @@
           <a:graphicData uri="http://schemas.openxmlformats.org/presentationml/2006/ole">
             <mc:AlternateContent xmlns:mc="http://schemas.openxmlformats.org/markup-compatibility/2006">
               <mc:Choice xmlns:v="urn:schemas-microsoft-com:vml" Requires="v">
-                <p:oleObj spid="_x0000_s5986" name="CS ChemDraw Drawing" r:id="rId5" imgW="589284" imgH="514704" progId="ChemDraw.Document.6.0">
+                <p:oleObj spid="_x0000_s6003" name="CS ChemDraw Drawing" r:id="rId5" imgW="589284" imgH="514704" progId="ChemDraw.Document.6.0">
                   <p:embed/>
                 </p:oleObj>
               </mc:Choice>
@@ -20892,7 +20738,7 @@
           <a:graphicData uri="http://schemas.openxmlformats.org/presentationml/2006/ole">
             <mc:AlternateContent xmlns:mc="http://schemas.openxmlformats.org/markup-compatibility/2006">
               <mc:Choice xmlns:v="urn:schemas-microsoft-com:vml" Requires="v">
-                <p:oleObj spid="_x0000_s5987" name="CS ChemDraw Drawing" r:id="rId7" imgW="630511" imgH="514704" progId="ChemDraw.Document.6.0">
+                <p:oleObj spid="_x0000_s6004" name="CS ChemDraw Drawing" r:id="rId7" imgW="630511" imgH="514704" progId="ChemDraw.Document.6.0">
                   <p:embed/>
                 </p:oleObj>
               </mc:Choice>
@@ -20961,7 +20807,7 @@
           <a:graphicData uri="http://schemas.openxmlformats.org/presentationml/2006/ole">
             <mc:AlternateContent xmlns:mc="http://schemas.openxmlformats.org/markup-compatibility/2006">
               <mc:Choice xmlns:v="urn:schemas-microsoft-com:vml" Requires="v">
-                <p:oleObj spid="_x0000_s5988" name="CS ChemDraw Drawing" r:id="rId9" imgW="630511" imgH="514704" progId="ChemDraw.Document.6.0">
+                <p:oleObj spid="_x0000_s6005" name="CS ChemDraw Drawing" r:id="rId9" imgW="630511" imgH="514704" progId="ChemDraw.Document.6.0">
                   <p:embed/>
                 </p:oleObj>
               </mc:Choice>
@@ -21030,7 +20876,7 @@
           <a:graphicData uri="http://schemas.openxmlformats.org/presentationml/2006/ole">
             <mc:AlternateContent xmlns:mc="http://schemas.openxmlformats.org/markup-compatibility/2006">
               <mc:Choice xmlns:v="urn:schemas-microsoft-com:vml" Requires="v">
-                <p:oleObj spid="_x0000_s5989" name="CS ChemDraw Drawing" r:id="rId11" imgW="587771" imgH="514704" progId="ChemDraw.Document.6.0">
+                <p:oleObj spid="_x0000_s6006" name="CS ChemDraw Drawing" r:id="rId11" imgW="587771" imgH="514704" progId="ChemDraw.Document.6.0">
                   <p:embed/>
                 </p:oleObj>
               </mc:Choice>
@@ -21099,7 +20945,7 @@
           <a:graphicData uri="http://schemas.openxmlformats.org/presentationml/2006/ole">
             <mc:AlternateContent xmlns:mc="http://schemas.openxmlformats.org/markup-compatibility/2006">
               <mc:Choice xmlns:v="urn:schemas-microsoft-com:vml" Requires="v">
-                <p:oleObj spid="_x0000_s5990" name="CS ChemDraw Drawing" r:id="rId13" imgW="589284" imgH="560200" progId="ChemDraw.Document.6.0">
+                <p:oleObj spid="_x0000_s6007" name="CS ChemDraw Drawing" r:id="rId13" imgW="589284" imgH="560200" progId="ChemDraw.Document.6.0">
                   <p:embed/>
                 </p:oleObj>
               </mc:Choice>
@@ -21155,20 +21001,20 @@
           <p:nvPr>
             <p:extLst>
               <p:ext uri="{D42A27DB-BD31-4B8C-83A1-F6EECF244321}">
-                <p14:modId xmlns:p14="http://schemas.microsoft.com/office/powerpoint/2010/main" val="2178986471"/>
+                <p14:modId xmlns:p14="http://schemas.microsoft.com/office/powerpoint/2010/main" val="3709567024"/>
               </p:ext>
             </p:extLst>
           </p:nvPr>
         </p:nvGraphicFramePr>
         <p:xfrm>
-          <a:off x="2031749" y="5445517"/>
+          <a:off x="2031749" y="5520161"/>
           <a:ext cx="474663" cy="419100"/>
         </p:xfrm>
         <a:graphic>
           <a:graphicData uri="http://schemas.openxmlformats.org/presentationml/2006/ole">
             <mc:AlternateContent xmlns:mc="http://schemas.openxmlformats.org/markup-compatibility/2006">
               <mc:Choice xmlns:v="urn:schemas-microsoft-com:vml" Requires="v">
-                <p:oleObj spid="_x0000_s5991" name="CS ChemDraw Drawing" r:id="rId15" imgW="630511" imgH="560579" progId="ChemDraw.Document.6.0">
+                <p:oleObj spid="_x0000_s6008" name="CS ChemDraw Drawing" r:id="rId15" imgW="630511" imgH="560579" progId="ChemDraw.Document.6.0">
                   <p:embed/>
                 </p:oleObj>
               </mc:Choice>
@@ -21195,7 +21041,7 @@
                     </p:blipFill>
                     <p:spPr>
                       <a:xfrm>
-                        <a:off x="2031749" y="5445517"/>
+                        <a:off x="2031749" y="5520161"/>
                         <a:ext cx="474663" cy="419100"/>
                       </a:xfrm>
                       <a:prstGeom prst="rect">
@@ -21237,7 +21083,7 @@
           <a:graphicData uri="http://schemas.openxmlformats.org/presentationml/2006/ole">
             <mc:AlternateContent xmlns:mc="http://schemas.openxmlformats.org/markup-compatibility/2006">
               <mc:Choice xmlns:v="urn:schemas-microsoft-com:vml" Requires="v">
-                <p:oleObj spid="_x0000_s5992" name="CS ChemDraw Drawing" r:id="rId17" imgW="947469" imgH="1259882" progId="ChemDraw.Document.6.0">
+                <p:oleObj spid="_x0000_s6009" name="CS ChemDraw Drawing" r:id="rId17" imgW="947469" imgH="1259882" progId="ChemDraw.Document.6.0">
                   <p:embed/>
                 </p:oleObj>
               </mc:Choice>
@@ -21306,7 +21152,7 @@
           <a:graphicData uri="http://schemas.openxmlformats.org/presentationml/2006/ole">
             <mc:AlternateContent xmlns:mc="http://schemas.openxmlformats.org/markup-compatibility/2006">
               <mc:Choice xmlns:v="urn:schemas-microsoft-com:vml" Requires="v">
-                <p:oleObj spid="_x0000_s5993" name="CS ChemDraw Drawing" r:id="rId5" imgW="589284" imgH="514704" progId="ChemDraw.Document.6.0">
+                <p:oleObj spid="_x0000_s6010" name="CS ChemDraw Drawing" r:id="rId5" imgW="589284" imgH="514704" progId="ChemDraw.Document.6.0">
                   <p:embed/>
                 </p:oleObj>
               </mc:Choice>
@@ -21349,10 +21195,10 @@
       </p:graphicFrame>
       <p:graphicFrame>
         <p:nvGraphicFramePr>
-          <p:cNvPr id="41" name="Object 40">
+          <p:cNvPr id="42" name="Object 41">
             <a:extLst>
               <a:ext uri="{FF2B5EF4-FFF2-40B4-BE49-F238E27FC236}">
-                <a16:creationId xmlns:a16="http://schemas.microsoft.com/office/drawing/2014/main" id="{DE7286B8-7531-43D9-A835-B6BDEF9F53AC}"/>
+                <a16:creationId xmlns:a16="http://schemas.microsoft.com/office/drawing/2014/main" id="{25B60168-F822-4378-A7A7-F9CC9F241180}"/>
               </a:ext>
             </a:extLst>
           </p:cNvPr>
@@ -21362,32 +21208,32 @@
           <p:nvPr>
             <p:extLst>
               <p:ext uri="{D42A27DB-BD31-4B8C-83A1-F6EECF244321}">
-                <p14:modId xmlns:p14="http://schemas.microsoft.com/office/powerpoint/2010/main" val="3865154490"/>
+                <p14:modId xmlns:p14="http://schemas.microsoft.com/office/powerpoint/2010/main" val="3113806416"/>
               </p:ext>
             </p:extLst>
           </p:nvPr>
         </p:nvGraphicFramePr>
         <p:xfrm>
-          <a:off x="5144142" y="3629483"/>
-          <a:ext cx="423863" cy="377825"/>
+          <a:off x="5144142" y="3668046"/>
+          <a:ext cx="423863" cy="349250"/>
         </p:xfrm>
         <a:graphic>
           <a:graphicData uri="http://schemas.openxmlformats.org/presentationml/2006/ole">
             <mc:AlternateContent xmlns:mc="http://schemas.openxmlformats.org/markup-compatibility/2006">
               <mc:Choice xmlns:v="urn:schemas-microsoft-com:vml" Requires="v">
-                <p:oleObj spid="_x0000_s5994" name="CS ChemDraw Drawing" r:id="rId19" imgW="562051" imgH="504104" progId="ChemDraw.Document.6.0">
+                <p:oleObj spid="_x0000_s6011" name="CS ChemDraw Drawing" r:id="rId19" imgW="562051" imgH="467339" progId="ChemDraw.Document.6.0">
                   <p:embed/>
                 </p:oleObj>
               </mc:Choice>
               <mc:Fallback>
-                <p:oleObj name="CS ChemDraw Drawing" r:id="rId19" imgW="562051" imgH="504104" progId="ChemDraw.Document.6.0">
+                <p:oleObj name="CS ChemDraw Drawing" r:id="rId19" imgW="562051" imgH="467339" progId="ChemDraw.Document.6.0">
                   <p:embed/>
                   <p:pic>
                     <p:nvPicPr>
-                      <p:cNvPr id="18" name="Object 17">
+                      <p:cNvPr id="19" name="Object 18">
                         <a:extLst>
                           <a:ext uri="{FF2B5EF4-FFF2-40B4-BE49-F238E27FC236}">
-                            <a16:creationId xmlns:a16="http://schemas.microsoft.com/office/drawing/2014/main" id="{5CAC9B41-36DD-4602-846E-99557642CE9A}"/>
+                            <a16:creationId xmlns:a16="http://schemas.microsoft.com/office/drawing/2014/main" id="{B875EEB3-6751-45EA-B5FA-6E472748C0EE}"/>
                           </a:ext>
                         </a:extLst>
                       </p:cNvPr>
@@ -21402,76 +21248,7 @@
                     </p:blipFill>
                     <p:spPr>
                       <a:xfrm>
-                        <a:off x="5144142" y="3629483"/>
-                        <a:ext cx="423863" cy="377825"/>
-                      </a:xfrm>
-                      <a:prstGeom prst="rect">
-                        <a:avLst/>
-                      </a:prstGeom>
-                    </p:spPr>
-                  </p:pic>
-                </p:oleObj>
-              </mc:Fallback>
-            </mc:AlternateContent>
-          </a:graphicData>
-        </a:graphic>
-      </p:graphicFrame>
-      <p:graphicFrame>
-        <p:nvGraphicFramePr>
-          <p:cNvPr id="42" name="Object 41">
-            <a:extLst>
-              <a:ext uri="{FF2B5EF4-FFF2-40B4-BE49-F238E27FC236}">
-                <a16:creationId xmlns:a16="http://schemas.microsoft.com/office/drawing/2014/main" id="{25B60168-F822-4378-A7A7-F9CC9F241180}"/>
-              </a:ext>
-            </a:extLst>
-          </p:cNvPr>
-          <p:cNvGraphicFramePr>
-            <a:graphicFrameLocks noChangeAspect="1"/>
-          </p:cNvGraphicFramePr>
-          <p:nvPr>
-            <p:extLst>
-              <p:ext uri="{D42A27DB-BD31-4B8C-83A1-F6EECF244321}">
-                <p14:modId xmlns:p14="http://schemas.microsoft.com/office/powerpoint/2010/main" val="2418584106"/>
-              </p:ext>
-            </p:extLst>
-          </p:nvPr>
-        </p:nvGraphicFramePr>
-        <p:xfrm>
-          <a:off x="5144142" y="4115911"/>
-          <a:ext cx="423863" cy="349250"/>
-        </p:xfrm>
-        <a:graphic>
-          <a:graphicData uri="http://schemas.openxmlformats.org/presentationml/2006/ole">
-            <mc:AlternateContent xmlns:mc="http://schemas.openxmlformats.org/markup-compatibility/2006">
-              <mc:Choice xmlns:v="urn:schemas-microsoft-com:vml" Requires="v">
-                <p:oleObj spid="_x0000_s5995" name="CS ChemDraw Drawing" r:id="rId21" imgW="562051" imgH="467339" progId="ChemDraw.Document.6.0">
-                  <p:embed/>
-                </p:oleObj>
-              </mc:Choice>
-              <mc:Fallback>
-                <p:oleObj name="CS ChemDraw Drawing" r:id="rId21" imgW="562051" imgH="467339" progId="ChemDraw.Document.6.0">
-                  <p:embed/>
-                  <p:pic>
-                    <p:nvPicPr>
-                      <p:cNvPr id="19" name="Object 18">
-                        <a:extLst>
-                          <a:ext uri="{FF2B5EF4-FFF2-40B4-BE49-F238E27FC236}">
-                            <a16:creationId xmlns:a16="http://schemas.microsoft.com/office/drawing/2014/main" id="{B875EEB3-6751-45EA-B5FA-6E472748C0EE}"/>
-                          </a:ext>
-                        </a:extLst>
-                      </p:cNvPr>
-                      <p:cNvPicPr/>
-                      <p:nvPr/>
-                    </p:nvPicPr>
-                    <p:blipFill>
-                      <a:blip r:embed="rId22"/>
-                      <a:stretch>
-                        <a:fillRect/>
-                      </a:stretch>
-                    </p:blipFill>
-                    <p:spPr>
-                      <a:xfrm>
-                        <a:off x="5144142" y="4115911"/>
+                        <a:off x="5144142" y="3668046"/>
                         <a:ext cx="423863" cy="349250"/>
                       </a:xfrm>
                       <a:prstGeom prst="rect">
@@ -21500,25 +21277,25 @@
           <p:nvPr>
             <p:extLst>
               <p:ext uri="{D42A27DB-BD31-4B8C-83A1-F6EECF244321}">
-                <p14:modId xmlns:p14="http://schemas.microsoft.com/office/powerpoint/2010/main" val="2969547254"/>
+                <p14:modId xmlns:p14="http://schemas.microsoft.com/office/powerpoint/2010/main" val="3444763132"/>
               </p:ext>
             </p:extLst>
           </p:nvPr>
         </p:nvGraphicFramePr>
         <p:xfrm>
-          <a:off x="5135411" y="5892829"/>
+          <a:off x="5135411" y="5444964"/>
           <a:ext cx="441325" cy="593725"/>
         </p:xfrm>
         <a:graphic>
           <a:graphicData uri="http://schemas.openxmlformats.org/presentationml/2006/ole">
             <mc:AlternateContent xmlns:mc="http://schemas.openxmlformats.org/markup-compatibility/2006">
               <mc:Choice xmlns:v="urn:schemas-microsoft-com:vml" Requires="v">
-                <p:oleObj spid="_x0000_s5996" name="CS ChemDraw Drawing" r:id="rId23" imgW="589284" imgH="788753" progId="ChemDraw.Document.6.0">
+                <p:oleObj spid="_x0000_s6012" name="CS ChemDraw Drawing" r:id="rId21" imgW="589284" imgH="788753" progId="ChemDraw.Document.6.0">
                   <p:embed/>
                 </p:oleObj>
               </mc:Choice>
               <mc:Fallback>
-                <p:oleObj name="CS ChemDraw Drawing" r:id="rId23" imgW="589284" imgH="788753" progId="ChemDraw.Document.6.0">
+                <p:oleObj name="CS ChemDraw Drawing" r:id="rId21" imgW="589284" imgH="788753" progId="ChemDraw.Document.6.0">
                   <p:embed/>
                   <p:pic>
                     <p:nvPicPr>
@@ -21533,14 +21310,14 @@
                       <p:nvPr/>
                     </p:nvPicPr>
                     <p:blipFill>
-                      <a:blip r:embed="rId24"/>
+                      <a:blip r:embed="rId22"/>
                       <a:stretch>
                         <a:fillRect/>
                       </a:stretch>
                     </p:blipFill>
                     <p:spPr>
                       <a:xfrm>
-                        <a:off x="5135411" y="5892829"/>
+                        <a:off x="5135411" y="5444964"/>
                         <a:ext cx="441325" cy="593725"/>
                       </a:xfrm>
                       <a:prstGeom prst="rect">
@@ -21569,25 +21346,25 @@
           <p:nvPr>
             <p:extLst>
               <p:ext uri="{D42A27DB-BD31-4B8C-83A1-F6EECF244321}">
-                <p14:modId xmlns:p14="http://schemas.microsoft.com/office/powerpoint/2010/main" val="1450648642"/>
+                <p14:modId xmlns:p14="http://schemas.microsoft.com/office/powerpoint/2010/main" val="2709969470"/>
               </p:ext>
             </p:extLst>
           </p:nvPr>
         </p:nvGraphicFramePr>
         <p:xfrm>
-          <a:off x="5144142" y="4542805"/>
+          <a:off x="5144142" y="4094940"/>
           <a:ext cx="423862" cy="395288"/>
         </p:xfrm>
         <a:graphic>
           <a:graphicData uri="http://schemas.openxmlformats.org/presentationml/2006/ole">
             <mc:AlternateContent xmlns:mc="http://schemas.openxmlformats.org/markup-compatibility/2006">
               <mc:Choice xmlns:v="urn:schemas-microsoft-com:vml" Requires="v">
-                <p:oleObj spid="_x0000_s5997" name="CS ChemDraw Drawing" r:id="rId25" imgW="562051" imgH="528362" progId="ChemDraw.Document.6.0">
+                <p:oleObj spid="_x0000_s6013" name="CS ChemDraw Drawing" r:id="rId23" imgW="562051" imgH="528362" progId="ChemDraw.Document.6.0">
                   <p:embed/>
                 </p:oleObj>
               </mc:Choice>
               <mc:Fallback>
-                <p:oleObj name="CS ChemDraw Drawing" r:id="rId25" imgW="562051" imgH="528362" progId="ChemDraw.Document.6.0">
+                <p:oleObj name="CS ChemDraw Drawing" r:id="rId23" imgW="562051" imgH="528362" progId="ChemDraw.Document.6.0">
                   <p:embed/>
                   <p:pic>
                     <p:nvPicPr>
@@ -21602,14 +21379,14 @@
                       <p:nvPr/>
                     </p:nvPicPr>
                     <p:blipFill>
-                      <a:blip r:embed="rId26"/>
+                      <a:blip r:embed="rId24"/>
                       <a:stretch>
                         <a:fillRect/>
                       </a:stretch>
                     </p:blipFill>
                     <p:spPr>
                       <a:xfrm>
-                        <a:off x="5144142" y="4542805"/>
+                        <a:off x="5144142" y="4094940"/>
                         <a:ext cx="423862" cy="395288"/>
                       </a:xfrm>
                       <a:prstGeom prst="rect">
@@ -21638,25 +21415,25 @@
           <p:nvPr>
             <p:extLst>
               <p:ext uri="{D42A27DB-BD31-4B8C-83A1-F6EECF244321}">
-                <p14:modId xmlns:p14="http://schemas.microsoft.com/office/powerpoint/2010/main" val="2196614096"/>
+                <p14:modId xmlns:p14="http://schemas.microsoft.com/office/powerpoint/2010/main" val="1604990151"/>
               </p:ext>
             </p:extLst>
           </p:nvPr>
         </p:nvGraphicFramePr>
         <p:xfrm>
-          <a:off x="5017936" y="7044731"/>
+          <a:off x="5017936" y="6596866"/>
           <a:ext cx="676275" cy="387350"/>
         </p:xfrm>
         <a:graphic>
           <a:graphicData uri="http://schemas.openxmlformats.org/presentationml/2006/ole">
             <mc:AlternateContent xmlns:mc="http://schemas.openxmlformats.org/markup-compatibility/2006">
               <mc:Choice xmlns:v="urn:schemas-microsoft-com:vml" Requires="v">
-                <p:oleObj spid="_x0000_s5998" name="CS ChemDraw Drawing" r:id="rId27" imgW="903216" imgH="514717" progId="ChemDraw.Document.6.0">
+                <p:oleObj spid="_x0000_s6014" name="CS ChemDraw Drawing" r:id="rId25" imgW="903216" imgH="514717" progId="ChemDraw.Document.6.0">
                   <p:embed/>
                 </p:oleObj>
               </mc:Choice>
               <mc:Fallback>
-                <p:oleObj name="CS ChemDraw Drawing" r:id="rId27" imgW="903216" imgH="514717" progId="ChemDraw.Document.6.0">
+                <p:oleObj name="CS ChemDraw Drawing" r:id="rId25" imgW="903216" imgH="514717" progId="ChemDraw.Document.6.0">
                   <p:embed/>
                   <p:pic>
                     <p:nvPicPr>
@@ -21671,14 +21448,14 @@
                       <p:nvPr/>
                     </p:nvPicPr>
                     <p:blipFill>
-                      <a:blip r:embed="rId28"/>
+                      <a:blip r:embed="rId26"/>
                       <a:stretch>
                         <a:fillRect/>
                       </a:stretch>
                     </p:blipFill>
                     <p:spPr>
                       <a:xfrm>
-                        <a:off x="5017936" y="7044731"/>
+                        <a:off x="5017936" y="6596866"/>
                         <a:ext cx="676275" cy="387350"/>
                       </a:xfrm>
                       <a:prstGeom prst="rect">
@@ -21707,25 +21484,25 @@
           <p:nvPr>
             <p:extLst>
               <p:ext uri="{D42A27DB-BD31-4B8C-83A1-F6EECF244321}">
-                <p14:modId xmlns:p14="http://schemas.microsoft.com/office/powerpoint/2010/main" val="966256700"/>
+                <p14:modId xmlns:p14="http://schemas.microsoft.com/office/powerpoint/2010/main" val="1325516062"/>
               </p:ext>
             </p:extLst>
           </p:nvPr>
         </p:nvGraphicFramePr>
         <p:xfrm>
-          <a:off x="5017142" y="5001977"/>
+          <a:off x="5017142" y="4554112"/>
           <a:ext cx="677863" cy="422275"/>
         </p:xfrm>
         <a:graphic>
           <a:graphicData uri="http://schemas.openxmlformats.org/presentationml/2006/ole">
             <mc:AlternateContent xmlns:mc="http://schemas.openxmlformats.org/markup-compatibility/2006">
               <mc:Choice xmlns:v="urn:schemas-microsoft-com:vml" Requires="v">
-                <p:oleObj spid="_x0000_s5999" name="CS ChemDraw Drawing" r:id="rId29" imgW="903216" imgH="561716" progId="ChemDraw.Document.6.0">
+                <p:oleObj spid="_x0000_s6015" name="CS ChemDraw Drawing" r:id="rId27" imgW="903216" imgH="561716" progId="ChemDraw.Document.6.0">
                   <p:embed/>
                 </p:oleObj>
               </mc:Choice>
               <mc:Fallback>
-                <p:oleObj name="CS ChemDraw Drawing" r:id="rId29" imgW="903216" imgH="561716" progId="ChemDraw.Document.6.0">
+                <p:oleObj name="CS ChemDraw Drawing" r:id="rId27" imgW="903216" imgH="561716" progId="ChemDraw.Document.6.0">
                   <p:embed/>
                   <p:pic>
                     <p:nvPicPr>
@@ -21740,14 +21517,14 @@
                       <p:nvPr/>
                     </p:nvPicPr>
                     <p:blipFill>
-                      <a:blip r:embed="rId30"/>
+                      <a:blip r:embed="rId28"/>
                       <a:stretch>
                         <a:fillRect/>
                       </a:stretch>
                     </p:blipFill>
                     <p:spPr>
                       <a:xfrm>
-                        <a:off x="5017142" y="5001977"/>
+                        <a:off x="5017142" y="4554112"/>
                         <a:ext cx="677863" cy="422275"/>
                       </a:xfrm>
                       <a:prstGeom prst="rect">
@@ -21776,20 +21553,20 @@
           <p:nvPr>
             <p:extLst>
               <p:ext uri="{D42A27DB-BD31-4B8C-83A1-F6EECF244321}">
-                <p14:modId xmlns:p14="http://schemas.microsoft.com/office/powerpoint/2010/main" val="4038711562"/>
+                <p14:modId xmlns:p14="http://schemas.microsoft.com/office/powerpoint/2010/main" val="1668440247"/>
               </p:ext>
             </p:extLst>
           </p:nvPr>
         </p:nvGraphicFramePr>
         <p:xfrm>
-          <a:off x="5135092" y="5476093"/>
+          <a:off x="5135092" y="5028228"/>
           <a:ext cx="441963" cy="386028"/>
         </p:xfrm>
         <a:graphic>
           <a:graphicData uri="http://schemas.openxmlformats.org/presentationml/2006/ole">
             <mc:AlternateContent xmlns:mc="http://schemas.openxmlformats.org/markup-compatibility/2006">
               <mc:Choice xmlns:v="urn:schemas-microsoft-com:vml" Requires="v">
-                <p:oleObj spid="_x0000_s6000" name="CS ChemDraw Drawing" r:id="rId5" imgW="589284" imgH="514704" progId="ChemDraw.Document.6.0">
+                <p:oleObj spid="_x0000_s6016" name="CS ChemDraw Drawing" r:id="rId5" imgW="589284" imgH="514704" progId="ChemDraw.Document.6.0">
                   <p:embed/>
                 </p:oleObj>
               </mc:Choice>
@@ -21816,7 +21593,7 @@
                     </p:blipFill>
                     <p:spPr>
                       <a:xfrm>
-                        <a:off x="5135092" y="5476093"/>
+                        <a:off x="5135092" y="5028228"/>
                         <a:ext cx="441963" cy="386028"/>
                       </a:xfrm>
                       <a:prstGeom prst="rect">
@@ -21845,20 +21622,20 @@
           <p:nvPr>
             <p:extLst>
               <p:ext uri="{D42A27DB-BD31-4B8C-83A1-F6EECF244321}">
-                <p14:modId xmlns:p14="http://schemas.microsoft.com/office/powerpoint/2010/main" val="3669872503"/>
+                <p14:modId xmlns:p14="http://schemas.microsoft.com/office/powerpoint/2010/main" val="2942366415"/>
               </p:ext>
             </p:extLst>
           </p:nvPr>
         </p:nvGraphicFramePr>
         <p:xfrm>
-          <a:off x="5135092" y="6541793"/>
+          <a:off x="5135092" y="6093928"/>
           <a:ext cx="441963" cy="386028"/>
         </p:xfrm>
         <a:graphic>
           <a:graphicData uri="http://schemas.openxmlformats.org/presentationml/2006/ole">
             <mc:AlternateContent xmlns:mc="http://schemas.openxmlformats.org/markup-compatibility/2006">
               <mc:Choice xmlns:v="urn:schemas-microsoft-com:vml" Requires="v">
-                <p:oleObj spid="_x0000_s6001" name="CS ChemDraw Drawing" r:id="rId5" imgW="589284" imgH="514704" progId="ChemDraw.Document.6.0">
+                <p:oleObj spid="_x0000_s6017" name="CS ChemDraw Drawing" r:id="rId5" imgW="589284" imgH="514704" progId="ChemDraw.Document.6.0">
                   <p:embed/>
                 </p:oleObj>
               </mc:Choice>
@@ -21885,7 +21662,7 @@
                     </p:blipFill>
                     <p:spPr>
                       <a:xfrm>
-                        <a:off x="5135092" y="6541793"/>
+                        <a:off x="5135092" y="6093928"/>
                         <a:ext cx="441963" cy="386028"/>
                       </a:xfrm>
                       <a:prstGeom prst="rect">
@@ -23764,7 +23541,7 @@
           <a:graphicData uri="http://schemas.openxmlformats.org/presentationml/2006/ole">
             <mc:AlternateContent xmlns:mc="http://schemas.openxmlformats.org/markup-compatibility/2006">
               <mc:Choice xmlns:v="urn:schemas-microsoft-com:vml" Requires="v">
-                <p:oleObj spid="_x0000_s26844" name="CS ChemDraw Drawing" r:id="rId3" imgW="1089306" imgH="795196" progId="ChemDraw.Document.6.0">
+                <p:oleObj spid="_x0000_s26856" name="CS ChemDraw Drawing" r:id="rId3" imgW="1089306" imgH="795196" progId="ChemDraw.Document.6.0">
                   <p:embed/>
                 </p:oleObj>
               </mc:Choice>
@@ -23827,7 +23604,7 @@
           <a:graphicData uri="http://schemas.openxmlformats.org/presentationml/2006/ole">
             <mc:AlternateContent xmlns:mc="http://schemas.openxmlformats.org/markup-compatibility/2006">
               <mc:Choice xmlns:v="urn:schemas-microsoft-com:vml" Requires="v">
-                <p:oleObj spid="_x0000_s26845" name="CS ChemDraw Drawing" r:id="rId5" imgW="1089306" imgH="952113" progId="ChemDraw.Document.6.0">
+                <p:oleObj spid="_x0000_s26857" name="CS ChemDraw Drawing" r:id="rId5" imgW="1089306" imgH="952113" progId="ChemDraw.Document.6.0">
                   <p:embed/>
                 </p:oleObj>
               </mc:Choice>
@@ -23890,7 +23667,7 @@
           <a:graphicData uri="http://schemas.openxmlformats.org/presentationml/2006/ole">
             <mc:AlternateContent xmlns:mc="http://schemas.openxmlformats.org/markup-compatibility/2006">
               <mc:Choice xmlns:v="urn:schemas-microsoft-com:vml" Requires="v">
-                <p:oleObj spid="_x0000_s26846" name="CS ChemDraw Drawing" r:id="rId7" imgW="1089306" imgH="1074159" progId="ChemDraw.Document.6.0">
+                <p:oleObj spid="_x0000_s26858" name="CS ChemDraw Drawing" r:id="rId7" imgW="1089306" imgH="1074159" progId="ChemDraw.Document.6.0">
                   <p:embed/>
                 </p:oleObj>
               </mc:Choice>
@@ -23953,7 +23730,7 @@
           <a:graphicData uri="http://schemas.openxmlformats.org/presentationml/2006/ole">
             <mc:AlternateContent xmlns:mc="http://schemas.openxmlformats.org/markup-compatibility/2006">
               <mc:Choice xmlns:v="urn:schemas-microsoft-com:vml" Requires="v">
-                <p:oleObj spid="_x0000_s26847" name="CS ChemDraw Drawing" r:id="rId9" imgW="779913" imgH="566644" progId="ChemDraw.Document.6.0">
+                <p:oleObj spid="_x0000_s26859" name="CS ChemDraw Drawing" r:id="rId9" imgW="779913" imgH="566644" progId="ChemDraw.Document.6.0">
                   <p:embed/>
                 </p:oleObj>
               </mc:Choice>
@@ -24016,7 +23793,7 @@
           <a:graphicData uri="http://schemas.openxmlformats.org/presentationml/2006/ole">
             <mc:AlternateContent xmlns:mc="http://schemas.openxmlformats.org/markup-compatibility/2006">
               <mc:Choice xmlns:v="urn:schemas-microsoft-com:vml" Requires="v">
-                <p:oleObj spid="_x0000_s26848" name="CS ChemDraw Drawing" r:id="rId11" imgW="743224" imgH="514717" progId="ChemDraw.Document.6.0">
+                <p:oleObj spid="_x0000_s26860" name="CS ChemDraw Drawing" r:id="rId11" imgW="743224" imgH="514717" progId="ChemDraw.Document.6.0">
                   <p:embed/>
                 </p:oleObj>
               </mc:Choice>
@@ -24079,7 +23856,7 @@
           <a:graphicData uri="http://schemas.openxmlformats.org/presentationml/2006/ole">
             <mc:AlternateContent xmlns:mc="http://schemas.openxmlformats.org/markup-compatibility/2006">
               <mc:Choice xmlns:v="urn:schemas-microsoft-com:vml" Requires="v">
-                <p:oleObj spid="_x0000_s26849" name="CS ChemDraw Drawing" r:id="rId13" imgW="879009" imgH="568160" progId="ChemDraw.Document.6.0">
+                <p:oleObj spid="_x0000_s26861" name="CS ChemDraw Drawing" r:id="rId13" imgW="879009" imgH="568160" progId="ChemDraw.Document.6.0">
                   <p:embed/>
                 </p:oleObj>
               </mc:Choice>
@@ -24142,7 +23919,7 @@
           <a:graphicData uri="http://schemas.openxmlformats.org/presentationml/2006/ole">
             <mc:AlternateContent xmlns:mc="http://schemas.openxmlformats.org/markup-compatibility/2006">
               <mc:Choice xmlns:v="urn:schemas-microsoft-com:vml" Requires="v">
-                <p:oleObj spid="_x0000_s26850" name="CS ChemDraw Drawing" r:id="rId15" imgW="1089306" imgH="1074159" progId="ChemDraw.Document.6.0">
+                <p:oleObj spid="_x0000_s26862" name="CS ChemDraw Drawing" r:id="rId15" imgW="1089306" imgH="1074159" progId="ChemDraw.Document.6.0">
                   <p:embed/>
                 </p:oleObj>
               </mc:Choice>
@@ -26542,7 +26319,7 @@
           <a:graphicData uri="http://schemas.openxmlformats.org/presentationml/2006/ole">
             <mc:AlternateContent xmlns:mc="http://schemas.openxmlformats.org/markup-compatibility/2006">
               <mc:Choice xmlns:v="urn:schemas-microsoft-com:vml" Requires="v">
-                <p:oleObj spid="_x0000_s26851" name="CS ChemDraw Drawing" r:id="rId17" imgW="1089306" imgH="952113" progId="ChemDraw.Document.6.0">
+                <p:oleObj spid="_x0000_s26863" name="CS ChemDraw Drawing" r:id="rId17" imgW="1089306" imgH="952113" progId="ChemDraw.Document.6.0">
                   <p:embed/>
                 </p:oleObj>
               </mc:Choice>
@@ -26611,7 +26388,7 @@
           <a:graphicData uri="http://schemas.openxmlformats.org/presentationml/2006/ole">
             <mc:AlternateContent xmlns:mc="http://schemas.openxmlformats.org/markup-compatibility/2006">
               <mc:Choice xmlns:v="urn:schemas-microsoft-com:vml" Requires="v">
-                <p:oleObj spid="_x0000_s26852" name="CS ChemDraw Drawing" r:id="rId19" imgW="1089306" imgH="795196" progId="ChemDraw.Document.6.0">
+                <p:oleObj spid="_x0000_s26864" name="CS ChemDraw Drawing" r:id="rId19" imgW="1089306" imgH="795196" progId="ChemDraw.Document.6.0">
                   <p:embed/>
                 </p:oleObj>
               </mc:Choice>
@@ -26680,7 +26457,7 @@
           <a:graphicData uri="http://schemas.openxmlformats.org/presentationml/2006/ole">
             <mc:AlternateContent xmlns:mc="http://schemas.openxmlformats.org/markup-compatibility/2006">
               <mc:Choice xmlns:v="urn:schemas-microsoft-com:vml" Requires="v">
-                <p:oleObj spid="_x0000_s26853" name="CS ChemDraw Drawing" r:id="rId21" imgW="1267452" imgH="795196" progId="ChemDraw.Document.6.0">
+                <p:oleObj spid="_x0000_s26865" name="CS ChemDraw Drawing" r:id="rId21" imgW="1267452" imgH="795196" progId="ChemDraw.Document.6.0">
                   <p:embed/>
                 </p:oleObj>
               </mc:Choice>
@@ -26749,7 +26526,7 @@
           <a:graphicData uri="http://schemas.openxmlformats.org/presentationml/2006/ole">
             <mc:AlternateContent xmlns:mc="http://schemas.openxmlformats.org/markup-compatibility/2006">
               <mc:Choice xmlns:v="urn:schemas-microsoft-com:vml" Requires="v">
-                <p:oleObj spid="_x0000_s26854" name="CS ChemDraw Drawing" r:id="rId23" imgW="942930" imgH="841058" progId="ChemDraw.Document.6.0">
+                <p:oleObj spid="_x0000_s26866" name="CS ChemDraw Drawing" r:id="rId23" imgW="942930" imgH="841058" progId="ChemDraw.Document.6.0">
                   <p:embed/>
                 </p:oleObj>
               </mc:Choice>
@@ -26818,7 +26595,7 @@
           <a:graphicData uri="http://schemas.openxmlformats.org/presentationml/2006/ole">
             <mc:AlternateContent xmlns:mc="http://schemas.openxmlformats.org/markup-compatibility/2006">
               <mc:Choice xmlns:v="urn:schemas-microsoft-com:vml" Requires="v">
-                <p:oleObj spid="_x0000_s26855" name="CS ChemDraw Drawing" r:id="rId25" imgW="1081741" imgH="789132" progId="ChemDraw.Document.6.0">
+                <p:oleObj spid="_x0000_s26867" name="CS ChemDraw Drawing" r:id="rId25" imgW="1081741" imgH="789132" progId="ChemDraw.Document.6.0">
                   <p:embed/>
                 </p:oleObj>
               </mc:Choice>
@@ -28878,7 +28655,7 @@
           <a:graphicData uri="http://schemas.openxmlformats.org/presentationml/2006/ole">
             <mc:AlternateContent xmlns:mc="http://schemas.openxmlformats.org/markup-compatibility/2006">
               <mc:Choice xmlns:v="urn:schemas-microsoft-com:vml" Requires="v">
-                <p:oleObj spid="_x0000_s31751" name="CS ChemDraw Drawing" r:id="rId3" imgW="1362010" imgH="1607449" progId="ChemDraw.Document.6.0">
+                <p:oleObj spid="_x0000_s31756" name="CS ChemDraw Drawing" r:id="rId3" imgW="1362010" imgH="1607449" progId="ChemDraw.Document.6.0">
                   <p:embed/>
                 </p:oleObj>
               </mc:Choice>
@@ -28941,7 +28718,7 @@
           <a:graphicData uri="http://schemas.openxmlformats.org/presentationml/2006/ole">
             <mc:AlternateContent xmlns:mc="http://schemas.openxmlformats.org/markup-compatibility/2006">
               <mc:Choice xmlns:v="urn:schemas-microsoft-com:vml" Requires="v">
-                <p:oleObj spid="_x0000_s31752" name="CS ChemDraw Drawing" r:id="rId5" imgW="1468671" imgH="1424379" progId="ChemDraw.Document.6.0">
+                <p:oleObj spid="_x0000_s31757" name="CS ChemDraw Drawing" r:id="rId5" imgW="1468671" imgH="1424379" progId="ChemDraw.Document.6.0">
                   <p:embed/>
                 </p:oleObj>
               </mc:Choice>
@@ -29004,7 +28781,7 @@
           <a:graphicData uri="http://schemas.openxmlformats.org/presentationml/2006/ole">
             <mc:AlternateContent xmlns:mc="http://schemas.openxmlformats.org/markup-compatibility/2006">
               <mc:Choice xmlns:v="urn:schemas-microsoft-com:vml" Requires="v">
-                <p:oleObj spid="_x0000_s31753" name="CS ChemDraw Drawing" r:id="rId7" imgW="1089306" imgH="1068095" progId="ChemDraw.Document.6.0">
+                <p:oleObj spid="_x0000_s31758" name="CS ChemDraw Drawing" r:id="rId7" imgW="1089306" imgH="1068095" progId="ChemDraw.Document.6.0">
                   <p:embed/>
                 </p:oleObj>
               </mc:Choice>
@@ -29067,7 +28844,7 @@
           <a:graphicData uri="http://schemas.openxmlformats.org/presentationml/2006/ole">
             <mc:AlternateContent xmlns:mc="http://schemas.openxmlformats.org/markup-compatibility/2006">
               <mc:Choice xmlns:v="urn:schemas-microsoft-com:vml" Requires="v">
-                <p:oleObj spid="_x0000_s31754" name="CS ChemDraw Drawing" r:id="rId9" imgW="904729" imgH="567781" progId="ChemDraw.Document.6.0">
+                <p:oleObj spid="_x0000_s31759" name="CS ChemDraw Drawing" r:id="rId9" imgW="904729" imgH="567781" progId="ChemDraw.Document.6.0">
                   <p:embed/>
                 </p:oleObj>
               </mc:Choice>
@@ -29130,7 +28907,7 @@
           <a:graphicData uri="http://schemas.openxmlformats.org/presentationml/2006/ole">
             <mc:AlternateContent xmlns:mc="http://schemas.openxmlformats.org/markup-compatibility/2006">
               <mc:Choice xmlns:v="urn:schemas-microsoft-com:vml" Requires="v">
-                <p:oleObj spid="_x0000_s31755" name="CS ChemDraw Drawing" r:id="rId11" imgW="746250" imgH="423372" progId="ChemDraw.Document.6.0">
+                <p:oleObj spid="_x0000_s31760" name="CS ChemDraw Drawing" r:id="rId11" imgW="746250" imgH="423372" progId="ChemDraw.Document.6.0">
                   <p:embed/>
                 </p:oleObj>
               </mc:Choice>
